--- a/presentations/class-4/Class 4.1_ JQuery Plug-Ins.pptx
+++ b/presentations/class-4/Class 4.1_ JQuery Plug-Ins.pptx
@@ -1,28 +1,29 @@
 
 <file path=ppt/presentation.xml><?xml version="1.0" encoding="utf-8"?>
-<p:presentation xmlns:a="http://schemas.openxmlformats.org/drawingml/2006/main" xmlns:r="http://schemas.openxmlformats.org/officeDocument/2006/relationships" xmlns:mc="http://schemas.openxmlformats.org/markup-compatibility/2006" xmlns:mv="urn:schemas-microsoft-com:mac:vml" xmlns:p="http://schemas.openxmlformats.org/presentationml/2006/main" xmlns:c="http://schemas.openxmlformats.org/drawingml/2006/chart" xmlns:dgm="http://schemas.openxmlformats.org/drawingml/2006/diagram" xmlns:o="urn:schemas-microsoft-com:office:office" xmlns:v="urn:schemas-microsoft-com:vml" xmlns:pvml="urn:schemas-microsoft-com:office:powerpoint" xmlns:com="http://schemas.openxmlformats.org/drawingml/2006/compatibility" xmlns:p14="http://schemas.microsoft.com/office/powerpoint/2010/main" autoCompressPictures="0" strictFirstAndLastChars="0" saveSubsetFonts="1">
+<p:presentation xmlns:a="http://schemas.openxmlformats.org/drawingml/2006/main" xmlns:r="http://schemas.openxmlformats.org/officeDocument/2006/relationships" xmlns:p="http://schemas.openxmlformats.org/presentationml/2006/main" strictFirstAndLastChars="0" saveSubsetFonts="1" autoCompressPictures="0">
   <p:sldMasterIdLst>
-    <p:sldMasterId id="2147483654" r:id="rId4"/>
+    <p:sldMasterId id="2147483654" r:id="rId1"/>
   </p:sldMasterIdLst>
   <p:notesMasterIdLst>
-    <p:notesMasterId r:id="rId5"/>
+    <p:notesMasterId r:id="rId13"/>
   </p:notesMasterIdLst>
   <p:sldIdLst>
-    <p:sldId id="256" r:id="rId6"/>
-    <p:sldId id="257" r:id="rId7"/>
-    <p:sldId id="258" r:id="rId8"/>
-    <p:sldId id="259" r:id="rId9"/>
-    <p:sldId id="260" r:id="rId10"/>
-    <p:sldId id="261" r:id="rId11"/>
-    <p:sldId id="262" r:id="rId12"/>
-    <p:sldId id="263" r:id="rId13"/>
-    <p:sldId id="264" r:id="rId14"/>
-    <p:sldId id="265" r:id="rId15"/>
+    <p:sldId id="256" r:id="rId2"/>
+    <p:sldId id="257" r:id="rId3"/>
+    <p:sldId id="258" r:id="rId4"/>
+    <p:sldId id="259" r:id="rId5"/>
+    <p:sldId id="260" r:id="rId6"/>
+    <p:sldId id="261" r:id="rId7"/>
+    <p:sldId id="262" r:id="rId8"/>
+    <p:sldId id="263" r:id="rId9"/>
+    <p:sldId id="264" r:id="rId10"/>
+    <p:sldId id="266" r:id="rId11"/>
+    <p:sldId id="265" r:id="rId12"/>
   </p:sldIdLst>
-  <p:sldSz cy="5143500" cx="9144000"/>
+  <p:sldSz cx="9144000" cy="5143500" type="screen16x9"/>
   <p:notesSz cx="6858000" cy="9144000"/>
   <p:defaultTextStyle>
-    <a:defPPr marR="0" rtl="0" algn="l">
+    <a:defPPr marR="0" algn="l" rtl="0">
       <a:lnSpc>
         <a:spcPct val="100000"/>
       </a:lnSpc>
@@ -33,7 +34,7 @@
         <a:spcPts val="0"/>
       </a:spcAft>
     </a:defPPr>
-    <a:lvl1pPr marR="0" rtl="0" algn="l">
+    <a:lvl1pPr marR="0" algn="l" rtl="0">
       <a:lnSpc>
         <a:spcPct val="100000"/>
       </a:lnSpc>
@@ -44,7 +45,7 @@
         <a:spcPts val="0"/>
       </a:spcAft>
       <a:buNone/>
-      <a:defRPr b="0" baseline="0" i="0" sz="1400" u="none" cap="none" strike="noStrike">
+      <a:defRPr sz="1400" b="0" i="0" u="none" strike="noStrike" cap="none" baseline="0">
         <a:solidFill>
           <a:srgbClr val="000000"/>
         </a:solidFill>
@@ -55,7 +56,7 @@
         <a:rtl val="0"/>
       </a:defRPr>
     </a:lvl1pPr>
-    <a:lvl2pPr marR="0" rtl="0" algn="l">
+    <a:lvl2pPr marR="0" algn="l" rtl="0">
       <a:lnSpc>
         <a:spcPct val="100000"/>
       </a:lnSpc>
@@ -66,7 +67,7 @@
         <a:spcPts val="0"/>
       </a:spcAft>
       <a:buNone/>
-      <a:defRPr b="0" baseline="0" i="0" sz="1400" u="none" cap="none" strike="noStrike">
+      <a:defRPr sz="1400" b="0" i="0" u="none" strike="noStrike" cap="none" baseline="0">
         <a:solidFill>
           <a:srgbClr val="000000"/>
         </a:solidFill>
@@ -77,7 +78,7 @@
         <a:rtl val="0"/>
       </a:defRPr>
     </a:lvl2pPr>
-    <a:lvl3pPr marR="0" rtl="0" algn="l">
+    <a:lvl3pPr marR="0" algn="l" rtl="0">
       <a:lnSpc>
         <a:spcPct val="100000"/>
       </a:lnSpc>
@@ -88,7 +89,7 @@
         <a:spcPts val="0"/>
       </a:spcAft>
       <a:buNone/>
-      <a:defRPr b="0" baseline="0" i="0" sz="1400" u="none" cap="none" strike="noStrike">
+      <a:defRPr sz="1400" b="0" i="0" u="none" strike="noStrike" cap="none" baseline="0">
         <a:solidFill>
           <a:srgbClr val="000000"/>
         </a:solidFill>
@@ -99,7 +100,7 @@
         <a:rtl val="0"/>
       </a:defRPr>
     </a:lvl3pPr>
-    <a:lvl4pPr marR="0" rtl="0" algn="l">
+    <a:lvl4pPr marR="0" algn="l" rtl="0">
       <a:lnSpc>
         <a:spcPct val="100000"/>
       </a:lnSpc>
@@ -110,7 +111,7 @@
         <a:spcPts val="0"/>
       </a:spcAft>
       <a:buNone/>
-      <a:defRPr b="0" baseline="0" i="0" sz="1400" u="none" cap="none" strike="noStrike">
+      <a:defRPr sz="1400" b="0" i="0" u="none" strike="noStrike" cap="none" baseline="0">
         <a:solidFill>
           <a:srgbClr val="000000"/>
         </a:solidFill>
@@ -121,7 +122,7 @@
         <a:rtl val="0"/>
       </a:defRPr>
     </a:lvl4pPr>
-    <a:lvl5pPr marR="0" rtl="0" algn="l">
+    <a:lvl5pPr marR="0" algn="l" rtl="0">
       <a:lnSpc>
         <a:spcPct val="100000"/>
       </a:lnSpc>
@@ -132,7 +133,7 @@
         <a:spcPts val="0"/>
       </a:spcAft>
       <a:buNone/>
-      <a:defRPr b="0" baseline="0" i="0" sz="1400" u="none" cap="none" strike="noStrike">
+      <a:defRPr sz="1400" b="0" i="0" u="none" strike="noStrike" cap="none" baseline="0">
         <a:solidFill>
           <a:srgbClr val="000000"/>
         </a:solidFill>
@@ -143,7 +144,7 @@
         <a:rtl val="0"/>
       </a:defRPr>
     </a:lvl5pPr>
-    <a:lvl6pPr marR="0" rtl="0" algn="l">
+    <a:lvl6pPr marR="0" algn="l" rtl="0">
       <a:lnSpc>
         <a:spcPct val="100000"/>
       </a:lnSpc>
@@ -154,7 +155,7 @@
         <a:spcPts val="0"/>
       </a:spcAft>
       <a:buNone/>
-      <a:defRPr b="0" baseline="0" i="0" sz="1400" u="none" cap="none" strike="noStrike">
+      <a:defRPr sz="1400" b="0" i="0" u="none" strike="noStrike" cap="none" baseline="0">
         <a:solidFill>
           <a:srgbClr val="000000"/>
         </a:solidFill>
@@ -165,7 +166,7 @@
         <a:rtl val="0"/>
       </a:defRPr>
     </a:lvl6pPr>
-    <a:lvl7pPr marR="0" rtl="0" algn="l">
+    <a:lvl7pPr marR="0" algn="l" rtl="0">
       <a:lnSpc>
         <a:spcPct val="100000"/>
       </a:lnSpc>
@@ -176,7 +177,7 @@
         <a:spcPts val="0"/>
       </a:spcAft>
       <a:buNone/>
-      <a:defRPr b="0" baseline="0" i="0" sz="1400" u="none" cap="none" strike="noStrike">
+      <a:defRPr sz="1400" b="0" i="0" u="none" strike="noStrike" cap="none" baseline="0">
         <a:solidFill>
           <a:srgbClr val="000000"/>
         </a:solidFill>
@@ -187,7 +188,7 @@
         <a:rtl val="0"/>
       </a:defRPr>
     </a:lvl7pPr>
-    <a:lvl8pPr marR="0" rtl="0" algn="l">
+    <a:lvl8pPr marR="0" algn="l" rtl="0">
       <a:lnSpc>
         <a:spcPct val="100000"/>
       </a:lnSpc>
@@ -198,7 +199,7 @@
         <a:spcPts val="0"/>
       </a:spcAft>
       <a:buNone/>
-      <a:defRPr b="0" baseline="0" i="0" sz="1400" u="none" cap="none" strike="noStrike">
+      <a:defRPr sz="1400" b="0" i="0" u="none" strike="noStrike" cap="none" baseline="0">
         <a:solidFill>
           <a:srgbClr val="000000"/>
         </a:solidFill>
@@ -209,7 +210,7 @@
         <a:rtl val="0"/>
       </a:defRPr>
     </a:lvl8pPr>
-    <a:lvl9pPr marR="0" rtl="0" algn="l">
+    <a:lvl9pPr marR="0" algn="l" rtl="0">
       <a:lnSpc>
         <a:spcPct val="100000"/>
       </a:lnSpc>
@@ -220,7 +221,7 @@
         <a:spcPts val="0"/>
       </a:spcAft>
       <a:buNone/>
-      <a:defRPr b="0" baseline="0" i="0" sz="1400" u="none" cap="none" strike="noStrike">
+      <a:defRPr sz="1400" b="0" i="0" u="none" strike="noStrike" cap="none" baseline="0">
         <a:solidFill>
           <a:srgbClr val="000000"/>
         </a:solidFill>
@@ -236,8 +237,13 @@
 </file>
 
 <file path=ppt/notesMasters/notesMaster1.xml><?xml version="1.0" encoding="utf-8"?>
-<p:notesMaster xmlns:a="http://schemas.openxmlformats.org/drawingml/2006/main" xmlns:r="http://schemas.openxmlformats.org/officeDocument/2006/relationships" xmlns:mc="http://schemas.openxmlformats.org/markup-compatibility/2006" xmlns:mv="urn:schemas-microsoft-com:mac:vml" xmlns:p="http://schemas.openxmlformats.org/presentationml/2006/main" xmlns:c="http://schemas.openxmlformats.org/drawingml/2006/chart" xmlns:dgm="http://schemas.openxmlformats.org/drawingml/2006/diagram" xmlns:o="urn:schemas-microsoft-com:office:office" xmlns:v="urn:schemas-microsoft-com:vml" xmlns:pvml="urn:schemas-microsoft-com:office:powerpoint" xmlns:com="http://schemas.openxmlformats.org/drawingml/2006/compatibility" xmlns:p14="http://schemas.microsoft.com/office/powerpoint/2010/main">
+<p:notesMaster xmlns:a="http://schemas.openxmlformats.org/drawingml/2006/main" xmlns:r="http://schemas.openxmlformats.org/officeDocument/2006/relationships" xmlns:p="http://schemas.openxmlformats.org/presentationml/2006/main">
   <p:cSld>
+    <p:bg>
+      <p:bgRef idx="1001">
+        <a:schemeClr val="bg1"/>
+      </p:bgRef>
+    </p:bg>
     <p:spTree>
       <p:nvGrpSpPr>
         <p:cNvPr id="1" name="Shape 1"/>
@@ -255,9 +261,11 @@
       <p:sp>
         <p:nvSpPr>
           <p:cNvPr id="2" name="Shape 2"/>
-          <p:cNvSpPr/>
+          <p:cNvSpPr>
+            <a:spLocks noGrp="1" noRot="1" noChangeAspect="1"/>
+          </p:cNvSpPr>
           <p:nvPr>
-            <p:ph idx="2" type="sldImg"/>
+            <p:ph type="sldImg" idx="2"/>
           </p:nvPr>
         </p:nvSpPr>
         <p:spPr>
@@ -266,8 +274,13 @@
             <a:ext cx="6096299" cy="3429000"/>
           </a:xfrm>
           <a:custGeom>
+            <a:avLst/>
+            <a:gdLst/>
+            <a:ahLst/>
+            <a:cxnLst/>
+            <a:rect l="0" t="0" r="0" b="0"/>
             <a:pathLst>
-              <a:path extrusionOk="0" h="120000" w="120000">
+              <a:path w="120000" h="120000" extrusionOk="0">
                 <a:moveTo>
                   <a:pt x="0" y="0"/>
                 </a:moveTo>
@@ -285,23 +298,25 @@
             </a:pathLst>
           </a:custGeom>
           <a:noFill/>
-          <a:ln cap="flat" cmpd="sng" w="9525">
+          <a:ln w="9525" cap="flat" cmpd="sng">
             <a:solidFill>
               <a:srgbClr val="000000"/>
             </a:solidFill>
             <a:prstDash val="solid"/>
             <a:round/>
-            <a:headEnd len="med" w="med" type="none"/>
-            <a:tailEnd len="med" w="med" type="none"/>
+            <a:headEnd type="none" w="med" len="med"/>
+            <a:tailEnd type="none" w="med" len="med"/>
           </a:ln>
         </p:spPr>
       </p:sp>
       <p:sp>
         <p:nvSpPr>
           <p:cNvPr id="3" name="Shape 3"/>
-          <p:cNvSpPr txBox="1"/>
+          <p:cNvSpPr txBox="1">
+            <a:spLocks noGrp="1"/>
+          </p:cNvSpPr>
           <p:nvPr>
-            <p:ph idx="1" type="body"/>
+            <p:ph type="body" idx="1"/>
           </p:nvPr>
         </p:nvSpPr>
         <p:spPr>
@@ -318,7 +333,7 @@
           </a:ln>
         </p:spPr>
         <p:txBody>
-          <a:bodyPr anchorCtr="0" anchor="t" bIns="91425" lIns="91425" rIns="91425" tIns="91425"/>
+          <a:bodyPr lIns="91425" tIns="91425" rIns="91425" bIns="91425" anchor="t" anchorCtr="0"/>
           <a:lstStyle>
             <a:lvl1pPr>
               <a:spcBef>
@@ -375,21 +390,120 @@
               <a:defRPr sz="1100"/>
             </a:lvl9pPr>
           </a:lstStyle>
-          <a:p/>
+          <a:p>
+            <a:endParaRPr/>
+          </a:p>
         </p:txBody>
       </p:sp>
     </p:spTree>
+    <p:extLst>
+      <p:ext uri="{BB962C8B-B14F-4D97-AF65-F5344CB8AC3E}">
+        <p14:creationId xmlns:p14="http://schemas.microsoft.com/office/powerpoint/2010/main" val="2974987502"/>
+      </p:ext>
+    </p:extLst>
   </p:cSld>
-  <p:clrMap accent1="accent1" accent2="accent2" accent3="accent3" accent4="accent4" accent5="accent5" accent6="accent6" bg1="lt1" bg2="dk2" tx1="dk1" tx2="lt2" folHlink="folHlink" hlink="hlink"/>
+  <p:clrMap bg1="lt1" tx1="dk1" bg2="dk2" tx2="lt2" accent1="accent1" accent2="accent2" accent3="accent3" accent4="accent4" accent5="accent5" accent6="accent6" hlink="hlink" folHlink="folHlink"/>
+  <p:notesStyle>
+    <a:lvl1pPr marL="0" algn="l" defTabSz="457200" rtl="0" eaLnBrk="1" latinLnBrk="0" hangingPunct="1">
+      <a:defRPr sz="1200" kern="1200">
+        <a:solidFill>
+          <a:schemeClr val="tx1"/>
+        </a:solidFill>
+        <a:latin typeface="+mn-lt"/>
+        <a:ea typeface="+mn-ea"/>
+        <a:cs typeface="+mn-cs"/>
+      </a:defRPr>
+    </a:lvl1pPr>
+    <a:lvl2pPr marL="457200" algn="l" defTabSz="457200" rtl="0" eaLnBrk="1" latinLnBrk="0" hangingPunct="1">
+      <a:defRPr sz="1200" kern="1200">
+        <a:solidFill>
+          <a:schemeClr val="tx1"/>
+        </a:solidFill>
+        <a:latin typeface="+mn-lt"/>
+        <a:ea typeface="+mn-ea"/>
+        <a:cs typeface="+mn-cs"/>
+      </a:defRPr>
+    </a:lvl2pPr>
+    <a:lvl3pPr marL="914400" algn="l" defTabSz="457200" rtl="0" eaLnBrk="1" latinLnBrk="0" hangingPunct="1">
+      <a:defRPr sz="1200" kern="1200">
+        <a:solidFill>
+          <a:schemeClr val="tx1"/>
+        </a:solidFill>
+        <a:latin typeface="+mn-lt"/>
+        <a:ea typeface="+mn-ea"/>
+        <a:cs typeface="+mn-cs"/>
+      </a:defRPr>
+    </a:lvl3pPr>
+    <a:lvl4pPr marL="1371600" algn="l" defTabSz="457200" rtl="0" eaLnBrk="1" latinLnBrk="0" hangingPunct="1">
+      <a:defRPr sz="1200" kern="1200">
+        <a:solidFill>
+          <a:schemeClr val="tx1"/>
+        </a:solidFill>
+        <a:latin typeface="+mn-lt"/>
+        <a:ea typeface="+mn-ea"/>
+        <a:cs typeface="+mn-cs"/>
+      </a:defRPr>
+    </a:lvl4pPr>
+    <a:lvl5pPr marL="1828800" algn="l" defTabSz="457200" rtl="0" eaLnBrk="1" latinLnBrk="0" hangingPunct="1">
+      <a:defRPr sz="1200" kern="1200">
+        <a:solidFill>
+          <a:schemeClr val="tx1"/>
+        </a:solidFill>
+        <a:latin typeface="+mn-lt"/>
+        <a:ea typeface="+mn-ea"/>
+        <a:cs typeface="+mn-cs"/>
+      </a:defRPr>
+    </a:lvl5pPr>
+    <a:lvl6pPr marL="2286000" algn="l" defTabSz="457200" rtl="0" eaLnBrk="1" latinLnBrk="0" hangingPunct="1">
+      <a:defRPr sz="1200" kern="1200">
+        <a:solidFill>
+          <a:schemeClr val="tx1"/>
+        </a:solidFill>
+        <a:latin typeface="+mn-lt"/>
+        <a:ea typeface="+mn-ea"/>
+        <a:cs typeface="+mn-cs"/>
+      </a:defRPr>
+    </a:lvl6pPr>
+    <a:lvl7pPr marL="2743200" algn="l" defTabSz="457200" rtl="0" eaLnBrk="1" latinLnBrk="0" hangingPunct="1">
+      <a:defRPr sz="1200" kern="1200">
+        <a:solidFill>
+          <a:schemeClr val="tx1"/>
+        </a:solidFill>
+        <a:latin typeface="+mn-lt"/>
+        <a:ea typeface="+mn-ea"/>
+        <a:cs typeface="+mn-cs"/>
+      </a:defRPr>
+    </a:lvl7pPr>
+    <a:lvl8pPr marL="3200400" algn="l" defTabSz="457200" rtl="0" eaLnBrk="1" latinLnBrk="0" hangingPunct="1">
+      <a:defRPr sz="1200" kern="1200">
+        <a:solidFill>
+          <a:schemeClr val="tx1"/>
+        </a:solidFill>
+        <a:latin typeface="+mn-lt"/>
+        <a:ea typeface="+mn-ea"/>
+        <a:cs typeface="+mn-cs"/>
+      </a:defRPr>
+    </a:lvl8pPr>
+    <a:lvl9pPr marL="3657600" algn="l" defTabSz="457200" rtl="0" eaLnBrk="1" latinLnBrk="0" hangingPunct="1">
+      <a:defRPr sz="1200" kern="1200">
+        <a:solidFill>
+          <a:schemeClr val="tx1"/>
+        </a:solidFill>
+        <a:latin typeface="+mn-lt"/>
+        <a:ea typeface="+mn-ea"/>
+        <a:cs typeface="+mn-cs"/>
+      </a:defRPr>
+    </a:lvl9pPr>
+  </p:notesStyle>
 </p:notesMaster>
 </file>
 
 <file path=ppt/notesSlides/notesSlide1.xml><?xml version="1.0" encoding="utf-8"?>
-<p:notes xmlns:a="http://schemas.openxmlformats.org/drawingml/2006/main" xmlns:r="http://schemas.openxmlformats.org/officeDocument/2006/relationships" xmlns:mc="http://schemas.openxmlformats.org/markup-compatibility/2006" xmlns:mv="urn:schemas-microsoft-com:mac:vml" xmlns:p="http://schemas.openxmlformats.org/presentationml/2006/main" xmlns:c="http://schemas.openxmlformats.org/drawingml/2006/chart" xmlns:dgm="http://schemas.openxmlformats.org/drawingml/2006/diagram" xmlns:o="urn:schemas-microsoft-com:office:office" xmlns:v="urn:schemas-microsoft-com:vml" xmlns:pvml="urn:schemas-microsoft-com:office:powerpoint" xmlns:com="http://schemas.openxmlformats.org/drawingml/2006/compatibility" xmlns:p14="http://schemas.microsoft.com/office/powerpoint/2010/main" showMasterPhAnim="0" showMasterSp="0">
+<p:notes xmlns:a="http://schemas.openxmlformats.org/drawingml/2006/main" xmlns:r="http://schemas.openxmlformats.org/officeDocument/2006/relationships" xmlns:p="http://schemas.openxmlformats.org/presentationml/2006/main" showMasterSp="0" showMasterPhAnim="0">
   <p:cSld>
     <p:spTree>
       <p:nvGrpSpPr>
-        <p:cNvPr id="43" name="Shape 43"/>
+        <p:cNvPr id="1" name="Shape 43"/>
         <p:cNvGrpSpPr/>
         <p:nvPr/>
       </p:nvGrpSpPr>
@@ -404,9 +518,11 @@
       <p:sp>
         <p:nvSpPr>
           <p:cNvPr id="44" name="Shape 44"/>
-          <p:cNvSpPr/>
+          <p:cNvSpPr>
+            <a:spLocks noGrp="1" noRot="1" noChangeAspect="1"/>
+          </p:cNvSpPr>
           <p:nvPr>
-            <p:ph idx="2" type="sldImg"/>
+            <p:ph type="sldImg" idx="2"/>
           </p:nvPr>
         </p:nvSpPr>
         <p:spPr>
@@ -415,8 +531,13 @@
             <a:ext cx="6096299" cy="3429000"/>
           </a:xfrm>
           <a:custGeom>
+            <a:avLst/>
+            <a:gdLst/>
+            <a:ahLst/>
+            <a:cxnLst/>
+            <a:rect l="0" t="0" r="0" b="0"/>
             <a:pathLst>
-              <a:path extrusionOk="0" h="120000" w="120000">
+              <a:path w="120000" h="120000" extrusionOk="0">
                 <a:moveTo>
                   <a:pt x="0" y="0"/>
                 </a:moveTo>
@@ -434,23 +555,25 @@
             </a:pathLst>
           </a:custGeom>
           <a:noFill/>
-          <a:ln cap="flat" cmpd="sng" w="9525">
+          <a:ln w="9525" cap="flat" cmpd="sng">
             <a:solidFill>
               <a:srgbClr val="000000"/>
             </a:solidFill>
             <a:prstDash val="solid"/>
             <a:round/>
-            <a:headEnd len="med" w="med" type="none"/>
-            <a:tailEnd len="med" w="med" type="none"/>
+            <a:headEnd type="none" w="med" len="med"/>
+            <a:tailEnd type="none" w="med" len="med"/>
           </a:ln>
         </p:spPr>
       </p:sp>
       <p:sp>
         <p:nvSpPr>
           <p:cNvPr id="45" name="Shape 45"/>
-          <p:cNvSpPr txBox="1"/>
+          <p:cNvSpPr txBox="1">
+            <a:spLocks noGrp="1"/>
+          </p:cNvSpPr>
           <p:nvPr>
-            <p:ph idx="1" type="body"/>
+            <p:ph type="body" idx="1"/>
           </p:nvPr>
         </p:nvSpPr>
         <p:spPr>
@@ -463,7 +586,7 @@
           </a:prstGeom>
         </p:spPr>
         <p:txBody>
-          <a:bodyPr anchorCtr="0" anchor="t" bIns="91425" lIns="91425" rIns="91425" tIns="91425">
+          <a:bodyPr lIns="91425" tIns="91425" rIns="91425" bIns="91425" anchor="t" anchorCtr="0">
             <a:noAutofit/>
           </a:bodyPr>
           <a:lstStyle/>
@@ -474,9 +597,6 @@
               </a:spcBef>
               <a:buNone/>
             </a:pPr>
-            <a:r>
-              <a:t/>
-            </a:r>
             <a:endParaRPr/>
           </a:p>
         </p:txBody>
@@ -490,11 +610,11 @@
 </file>
 
 <file path=ppt/notesSlides/notesSlide10.xml><?xml version="1.0" encoding="utf-8"?>
-<p:notes xmlns:a="http://schemas.openxmlformats.org/drawingml/2006/main" xmlns:r="http://schemas.openxmlformats.org/officeDocument/2006/relationships" xmlns:mc="http://schemas.openxmlformats.org/markup-compatibility/2006" xmlns:mv="urn:schemas-microsoft-com:mac:vml" xmlns:p="http://schemas.openxmlformats.org/presentationml/2006/main" xmlns:c="http://schemas.openxmlformats.org/drawingml/2006/chart" xmlns:dgm="http://schemas.openxmlformats.org/drawingml/2006/diagram" xmlns:o="urn:schemas-microsoft-com:office:office" xmlns:v="urn:schemas-microsoft-com:vml" xmlns:pvml="urn:schemas-microsoft-com:office:powerpoint" xmlns:com="http://schemas.openxmlformats.org/drawingml/2006/compatibility" xmlns:p14="http://schemas.microsoft.com/office/powerpoint/2010/main" showMasterPhAnim="0" showMasterSp="0">
+<p:notes xmlns:a="http://schemas.openxmlformats.org/drawingml/2006/main" xmlns:r="http://schemas.openxmlformats.org/officeDocument/2006/relationships" xmlns:p="http://schemas.openxmlformats.org/presentationml/2006/main" showMasterSp="0" showMasterPhAnim="0">
   <p:cSld>
     <p:spTree>
       <p:nvGrpSpPr>
-        <p:cNvPr id="97" name="Shape 97"/>
+        <p:cNvPr id="1" name="Shape 97"/>
         <p:cNvGrpSpPr/>
         <p:nvPr/>
       </p:nvGrpSpPr>
@@ -509,19 +629,26 @@
       <p:sp>
         <p:nvSpPr>
           <p:cNvPr id="98" name="Shape 98"/>
-          <p:cNvSpPr/>
+          <p:cNvSpPr>
+            <a:spLocks noGrp="1" noRot="1" noChangeAspect="1"/>
+          </p:cNvSpPr>
           <p:nvPr>
-            <p:ph idx="2" type="sldImg"/>
+            <p:ph type="sldImg" idx="2"/>
           </p:nvPr>
         </p:nvSpPr>
         <p:spPr>
           <a:xfrm>
-            <a:off x="381187" y="685800"/>
-            <a:ext cx="6096299" cy="3429000"/>
+            <a:off x="381000" y="685800"/>
+            <a:ext cx="6096000" cy="3429000"/>
           </a:xfrm>
           <a:custGeom>
+            <a:avLst/>
+            <a:gdLst/>
+            <a:ahLst/>
+            <a:cxnLst/>
+            <a:rect l="0" t="0" r="0" b="0"/>
             <a:pathLst>
-              <a:path extrusionOk="0" h="120000" w="120000">
+              <a:path w="120000" h="120000" extrusionOk="0">
                 <a:moveTo>
                   <a:pt x="0" y="0"/>
                 </a:moveTo>
@@ -539,23 +666,25 @@
             </a:pathLst>
           </a:custGeom>
           <a:noFill/>
-          <a:ln cap="flat" cmpd="sng" w="9525">
+          <a:ln w="9525" cap="flat" cmpd="sng">
             <a:solidFill>
               <a:srgbClr val="000000"/>
             </a:solidFill>
             <a:prstDash val="solid"/>
             <a:round/>
-            <a:headEnd len="med" w="med" type="none"/>
-            <a:tailEnd len="med" w="med" type="none"/>
+            <a:headEnd type="none" w="med" len="med"/>
+            <a:tailEnd type="none" w="med" len="med"/>
           </a:ln>
         </p:spPr>
       </p:sp>
       <p:sp>
         <p:nvSpPr>
           <p:cNvPr id="99" name="Shape 99"/>
-          <p:cNvSpPr txBox="1"/>
+          <p:cNvSpPr txBox="1">
+            <a:spLocks noGrp="1"/>
+          </p:cNvSpPr>
           <p:nvPr>
-            <p:ph idx="1" type="body"/>
+            <p:ph type="body" idx="1"/>
           </p:nvPr>
         </p:nvSpPr>
         <p:spPr>
@@ -568,7 +697,7 @@
           </a:prstGeom>
         </p:spPr>
         <p:txBody>
-          <a:bodyPr anchorCtr="0" anchor="t" bIns="91425" lIns="91425" rIns="91425" tIns="91425">
+          <a:bodyPr lIns="91425" tIns="91425" rIns="91425" bIns="91425" anchor="t" anchorCtr="0">
             <a:noAutofit/>
           </a:bodyPr>
           <a:lstStyle/>
@@ -579,9 +708,6 @@
               </a:spcBef>
               <a:buNone/>
             </a:pPr>
-            <a:r>
-              <a:t/>
-            </a:r>
             <a:endParaRPr/>
           </a:p>
         </p:txBody>
@@ -595,11 +721,11 @@
 </file>
 
 <file path=ppt/notesSlides/notesSlide2.xml><?xml version="1.0" encoding="utf-8"?>
-<p:notes xmlns:a="http://schemas.openxmlformats.org/drawingml/2006/main" xmlns:r="http://schemas.openxmlformats.org/officeDocument/2006/relationships" xmlns:mc="http://schemas.openxmlformats.org/markup-compatibility/2006" xmlns:mv="urn:schemas-microsoft-com:mac:vml" xmlns:p="http://schemas.openxmlformats.org/presentationml/2006/main" xmlns:c="http://schemas.openxmlformats.org/drawingml/2006/chart" xmlns:dgm="http://schemas.openxmlformats.org/drawingml/2006/diagram" xmlns:o="urn:schemas-microsoft-com:office:office" xmlns:v="urn:schemas-microsoft-com:vml" xmlns:pvml="urn:schemas-microsoft-com:office:powerpoint" xmlns:com="http://schemas.openxmlformats.org/drawingml/2006/compatibility" xmlns:p14="http://schemas.microsoft.com/office/powerpoint/2010/main" showMasterPhAnim="0" showMasterSp="0">
+<p:notes xmlns:a="http://schemas.openxmlformats.org/drawingml/2006/main" xmlns:r="http://schemas.openxmlformats.org/officeDocument/2006/relationships" xmlns:p="http://schemas.openxmlformats.org/presentationml/2006/main" showMasterSp="0" showMasterPhAnim="0">
   <p:cSld>
     <p:spTree>
       <p:nvGrpSpPr>
-        <p:cNvPr id="49" name="Shape 49"/>
+        <p:cNvPr id="1" name="Shape 49"/>
         <p:cNvGrpSpPr/>
         <p:nvPr/>
       </p:nvGrpSpPr>
@@ -614,9 +740,11 @@
       <p:sp>
         <p:nvSpPr>
           <p:cNvPr id="50" name="Shape 50"/>
-          <p:cNvSpPr/>
+          <p:cNvSpPr>
+            <a:spLocks noGrp="1" noRot="1" noChangeAspect="1"/>
+          </p:cNvSpPr>
           <p:nvPr>
-            <p:ph idx="2" type="sldImg"/>
+            <p:ph type="sldImg" idx="2"/>
           </p:nvPr>
         </p:nvSpPr>
         <p:spPr>
@@ -625,8 +753,13 @@
             <a:ext cx="6096299" cy="3429000"/>
           </a:xfrm>
           <a:custGeom>
+            <a:avLst/>
+            <a:gdLst/>
+            <a:ahLst/>
+            <a:cxnLst/>
+            <a:rect l="0" t="0" r="0" b="0"/>
             <a:pathLst>
-              <a:path extrusionOk="0" h="120000" w="120000">
+              <a:path w="120000" h="120000" extrusionOk="0">
                 <a:moveTo>
                   <a:pt x="0" y="0"/>
                 </a:moveTo>
@@ -644,23 +777,25 @@
             </a:pathLst>
           </a:custGeom>
           <a:noFill/>
-          <a:ln cap="flat" cmpd="sng" w="9525">
+          <a:ln w="9525" cap="flat" cmpd="sng">
             <a:solidFill>
               <a:srgbClr val="000000"/>
             </a:solidFill>
             <a:prstDash val="solid"/>
             <a:round/>
-            <a:headEnd len="med" w="med" type="none"/>
-            <a:tailEnd len="med" w="med" type="none"/>
+            <a:headEnd type="none" w="med" len="med"/>
+            <a:tailEnd type="none" w="med" len="med"/>
           </a:ln>
         </p:spPr>
       </p:sp>
       <p:sp>
         <p:nvSpPr>
           <p:cNvPr id="51" name="Shape 51"/>
-          <p:cNvSpPr txBox="1"/>
+          <p:cNvSpPr txBox="1">
+            <a:spLocks noGrp="1"/>
+          </p:cNvSpPr>
           <p:nvPr>
-            <p:ph idx="1" type="body"/>
+            <p:ph type="body" idx="1"/>
           </p:nvPr>
         </p:nvSpPr>
         <p:spPr>
@@ -673,7 +808,7 @@
           </a:prstGeom>
         </p:spPr>
         <p:txBody>
-          <a:bodyPr anchorCtr="0" anchor="t" bIns="91425" lIns="91425" rIns="91425" tIns="91425">
+          <a:bodyPr lIns="91425" tIns="91425" rIns="91425" bIns="91425" anchor="t" anchorCtr="0">
             <a:noAutofit/>
           </a:bodyPr>
           <a:lstStyle/>
@@ -684,9 +819,6 @@
               </a:spcBef>
               <a:buNone/>
             </a:pPr>
-            <a:r>
-              <a:t/>
-            </a:r>
             <a:endParaRPr/>
           </a:p>
         </p:txBody>
@@ -700,11 +832,11 @@
 </file>
 
 <file path=ppt/notesSlides/notesSlide3.xml><?xml version="1.0" encoding="utf-8"?>
-<p:notes xmlns:a="http://schemas.openxmlformats.org/drawingml/2006/main" xmlns:r="http://schemas.openxmlformats.org/officeDocument/2006/relationships" xmlns:mc="http://schemas.openxmlformats.org/markup-compatibility/2006" xmlns:mv="urn:schemas-microsoft-com:mac:vml" xmlns:p="http://schemas.openxmlformats.org/presentationml/2006/main" xmlns:c="http://schemas.openxmlformats.org/drawingml/2006/chart" xmlns:dgm="http://schemas.openxmlformats.org/drawingml/2006/diagram" xmlns:o="urn:schemas-microsoft-com:office:office" xmlns:v="urn:schemas-microsoft-com:vml" xmlns:pvml="urn:schemas-microsoft-com:office:powerpoint" xmlns:com="http://schemas.openxmlformats.org/drawingml/2006/compatibility" xmlns:p14="http://schemas.microsoft.com/office/powerpoint/2010/main" showMasterPhAnim="0" showMasterSp="0">
+<p:notes xmlns:a="http://schemas.openxmlformats.org/drawingml/2006/main" xmlns:r="http://schemas.openxmlformats.org/officeDocument/2006/relationships" xmlns:p="http://schemas.openxmlformats.org/presentationml/2006/main" showMasterSp="0" showMasterPhAnim="0">
   <p:cSld>
     <p:spTree>
       <p:nvGrpSpPr>
-        <p:cNvPr id="55" name="Shape 55"/>
+        <p:cNvPr id="1" name="Shape 55"/>
         <p:cNvGrpSpPr/>
         <p:nvPr/>
       </p:nvGrpSpPr>
@@ -719,9 +851,11 @@
       <p:sp>
         <p:nvSpPr>
           <p:cNvPr id="56" name="Shape 56"/>
-          <p:cNvSpPr/>
+          <p:cNvSpPr>
+            <a:spLocks noGrp="1" noRot="1" noChangeAspect="1"/>
+          </p:cNvSpPr>
           <p:nvPr>
-            <p:ph idx="2" type="sldImg"/>
+            <p:ph type="sldImg" idx="2"/>
           </p:nvPr>
         </p:nvSpPr>
         <p:spPr>
@@ -730,8 +864,13 @@
             <a:ext cx="6096299" cy="3429000"/>
           </a:xfrm>
           <a:custGeom>
+            <a:avLst/>
+            <a:gdLst/>
+            <a:ahLst/>
+            <a:cxnLst/>
+            <a:rect l="0" t="0" r="0" b="0"/>
             <a:pathLst>
-              <a:path extrusionOk="0" h="120000" w="120000">
+              <a:path w="120000" h="120000" extrusionOk="0">
                 <a:moveTo>
                   <a:pt x="0" y="0"/>
                 </a:moveTo>
@@ -749,23 +888,25 @@
             </a:pathLst>
           </a:custGeom>
           <a:noFill/>
-          <a:ln cap="flat" cmpd="sng" w="9525">
+          <a:ln w="9525" cap="flat" cmpd="sng">
             <a:solidFill>
               <a:srgbClr val="000000"/>
             </a:solidFill>
             <a:prstDash val="solid"/>
             <a:round/>
-            <a:headEnd len="med" w="med" type="none"/>
-            <a:tailEnd len="med" w="med" type="none"/>
+            <a:headEnd type="none" w="med" len="med"/>
+            <a:tailEnd type="none" w="med" len="med"/>
           </a:ln>
         </p:spPr>
       </p:sp>
       <p:sp>
         <p:nvSpPr>
           <p:cNvPr id="57" name="Shape 57"/>
-          <p:cNvSpPr txBox="1"/>
+          <p:cNvSpPr txBox="1">
+            <a:spLocks noGrp="1"/>
+          </p:cNvSpPr>
           <p:nvPr>
-            <p:ph idx="1" type="body"/>
+            <p:ph type="body" idx="1"/>
           </p:nvPr>
         </p:nvSpPr>
         <p:spPr>
@@ -778,7 +919,7 @@
           </a:prstGeom>
         </p:spPr>
         <p:txBody>
-          <a:bodyPr anchorCtr="0" anchor="t" bIns="91425" lIns="91425" rIns="91425" tIns="91425">
+          <a:bodyPr lIns="91425" tIns="91425" rIns="91425" bIns="91425" anchor="t" anchorCtr="0">
             <a:noAutofit/>
           </a:bodyPr>
           <a:lstStyle/>
@@ -789,9 +930,6 @@
               </a:spcBef>
               <a:buNone/>
             </a:pPr>
-            <a:r>
-              <a:t/>
-            </a:r>
             <a:endParaRPr/>
           </a:p>
         </p:txBody>
@@ -805,11 +943,11 @@
 </file>
 
 <file path=ppt/notesSlides/notesSlide4.xml><?xml version="1.0" encoding="utf-8"?>
-<p:notes xmlns:a="http://schemas.openxmlformats.org/drawingml/2006/main" xmlns:r="http://schemas.openxmlformats.org/officeDocument/2006/relationships" xmlns:mc="http://schemas.openxmlformats.org/markup-compatibility/2006" xmlns:mv="urn:schemas-microsoft-com:mac:vml" xmlns:p="http://schemas.openxmlformats.org/presentationml/2006/main" xmlns:c="http://schemas.openxmlformats.org/drawingml/2006/chart" xmlns:dgm="http://schemas.openxmlformats.org/drawingml/2006/diagram" xmlns:o="urn:schemas-microsoft-com:office:office" xmlns:v="urn:schemas-microsoft-com:vml" xmlns:pvml="urn:schemas-microsoft-com:office:powerpoint" xmlns:com="http://schemas.openxmlformats.org/drawingml/2006/compatibility" xmlns:p14="http://schemas.microsoft.com/office/powerpoint/2010/main" showMasterPhAnim="0" showMasterSp="0">
+<p:notes xmlns:a="http://schemas.openxmlformats.org/drawingml/2006/main" xmlns:r="http://schemas.openxmlformats.org/officeDocument/2006/relationships" xmlns:p="http://schemas.openxmlformats.org/presentationml/2006/main" showMasterSp="0" showMasterPhAnim="0">
   <p:cSld>
     <p:spTree>
       <p:nvGrpSpPr>
-        <p:cNvPr id="61" name="Shape 61"/>
+        <p:cNvPr id="1" name="Shape 61"/>
         <p:cNvGrpSpPr/>
         <p:nvPr/>
       </p:nvGrpSpPr>
@@ -824,9 +962,11 @@
       <p:sp>
         <p:nvSpPr>
           <p:cNvPr id="62" name="Shape 62"/>
-          <p:cNvSpPr/>
+          <p:cNvSpPr>
+            <a:spLocks noGrp="1" noRot="1" noChangeAspect="1"/>
+          </p:cNvSpPr>
           <p:nvPr>
-            <p:ph idx="2" type="sldImg"/>
+            <p:ph type="sldImg" idx="2"/>
           </p:nvPr>
         </p:nvSpPr>
         <p:spPr>
@@ -835,8 +975,13 @@
             <a:ext cx="6096299" cy="3429000"/>
           </a:xfrm>
           <a:custGeom>
+            <a:avLst/>
+            <a:gdLst/>
+            <a:ahLst/>
+            <a:cxnLst/>
+            <a:rect l="0" t="0" r="0" b="0"/>
             <a:pathLst>
-              <a:path extrusionOk="0" h="120000" w="120000">
+              <a:path w="120000" h="120000" extrusionOk="0">
                 <a:moveTo>
                   <a:pt x="0" y="0"/>
                 </a:moveTo>
@@ -854,23 +999,25 @@
             </a:pathLst>
           </a:custGeom>
           <a:noFill/>
-          <a:ln cap="flat" cmpd="sng" w="9525">
+          <a:ln w="9525" cap="flat" cmpd="sng">
             <a:solidFill>
               <a:srgbClr val="000000"/>
             </a:solidFill>
             <a:prstDash val="solid"/>
             <a:round/>
-            <a:headEnd len="med" w="med" type="none"/>
-            <a:tailEnd len="med" w="med" type="none"/>
+            <a:headEnd type="none" w="med" len="med"/>
+            <a:tailEnd type="none" w="med" len="med"/>
           </a:ln>
         </p:spPr>
       </p:sp>
       <p:sp>
         <p:nvSpPr>
           <p:cNvPr id="63" name="Shape 63"/>
-          <p:cNvSpPr txBox="1"/>
+          <p:cNvSpPr txBox="1">
+            <a:spLocks noGrp="1"/>
+          </p:cNvSpPr>
           <p:nvPr>
-            <p:ph idx="1" type="body"/>
+            <p:ph type="body" idx="1"/>
           </p:nvPr>
         </p:nvSpPr>
         <p:spPr>
@@ -883,7 +1030,7 @@
           </a:prstGeom>
         </p:spPr>
         <p:txBody>
-          <a:bodyPr anchorCtr="0" anchor="t" bIns="91425" lIns="91425" rIns="91425" tIns="91425">
+          <a:bodyPr lIns="91425" tIns="91425" rIns="91425" bIns="91425" anchor="t" anchorCtr="0">
             <a:noAutofit/>
           </a:bodyPr>
           <a:lstStyle/>
@@ -894,9 +1041,6 @@
               </a:spcBef>
               <a:buNone/>
             </a:pPr>
-            <a:r>
-              <a:t/>
-            </a:r>
             <a:endParaRPr/>
           </a:p>
         </p:txBody>
@@ -910,11 +1054,11 @@
 </file>
 
 <file path=ppt/notesSlides/notesSlide5.xml><?xml version="1.0" encoding="utf-8"?>
-<p:notes xmlns:a="http://schemas.openxmlformats.org/drawingml/2006/main" xmlns:r="http://schemas.openxmlformats.org/officeDocument/2006/relationships" xmlns:mc="http://schemas.openxmlformats.org/markup-compatibility/2006" xmlns:mv="urn:schemas-microsoft-com:mac:vml" xmlns:p="http://schemas.openxmlformats.org/presentationml/2006/main" xmlns:c="http://schemas.openxmlformats.org/drawingml/2006/chart" xmlns:dgm="http://schemas.openxmlformats.org/drawingml/2006/diagram" xmlns:o="urn:schemas-microsoft-com:office:office" xmlns:v="urn:schemas-microsoft-com:vml" xmlns:pvml="urn:schemas-microsoft-com:office:powerpoint" xmlns:com="http://schemas.openxmlformats.org/drawingml/2006/compatibility" xmlns:p14="http://schemas.microsoft.com/office/powerpoint/2010/main" showMasterPhAnim="0" showMasterSp="0">
+<p:notes xmlns:a="http://schemas.openxmlformats.org/drawingml/2006/main" xmlns:r="http://schemas.openxmlformats.org/officeDocument/2006/relationships" xmlns:p="http://schemas.openxmlformats.org/presentationml/2006/main" showMasterSp="0" showMasterPhAnim="0">
   <p:cSld>
     <p:spTree>
       <p:nvGrpSpPr>
-        <p:cNvPr id="67" name="Shape 67"/>
+        <p:cNvPr id="1" name="Shape 67"/>
         <p:cNvGrpSpPr/>
         <p:nvPr/>
       </p:nvGrpSpPr>
@@ -929,9 +1073,11 @@
       <p:sp>
         <p:nvSpPr>
           <p:cNvPr id="68" name="Shape 68"/>
-          <p:cNvSpPr/>
+          <p:cNvSpPr>
+            <a:spLocks noGrp="1" noRot="1" noChangeAspect="1"/>
+          </p:cNvSpPr>
           <p:nvPr>
-            <p:ph idx="2" type="sldImg"/>
+            <p:ph type="sldImg" idx="2"/>
           </p:nvPr>
         </p:nvSpPr>
         <p:spPr>
@@ -940,8 +1086,13 @@
             <a:ext cx="6096299" cy="3429000"/>
           </a:xfrm>
           <a:custGeom>
+            <a:avLst/>
+            <a:gdLst/>
+            <a:ahLst/>
+            <a:cxnLst/>
+            <a:rect l="0" t="0" r="0" b="0"/>
             <a:pathLst>
-              <a:path extrusionOk="0" h="120000" w="120000">
+              <a:path w="120000" h="120000" extrusionOk="0">
                 <a:moveTo>
                   <a:pt x="0" y="0"/>
                 </a:moveTo>
@@ -959,23 +1110,25 @@
             </a:pathLst>
           </a:custGeom>
           <a:noFill/>
-          <a:ln cap="flat" cmpd="sng" w="9525">
+          <a:ln w="9525" cap="flat" cmpd="sng">
             <a:solidFill>
               <a:srgbClr val="000000"/>
             </a:solidFill>
             <a:prstDash val="solid"/>
             <a:round/>
-            <a:headEnd len="med" w="med" type="none"/>
-            <a:tailEnd len="med" w="med" type="none"/>
+            <a:headEnd type="none" w="med" len="med"/>
+            <a:tailEnd type="none" w="med" len="med"/>
           </a:ln>
         </p:spPr>
       </p:sp>
       <p:sp>
         <p:nvSpPr>
           <p:cNvPr id="69" name="Shape 69"/>
-          <p:cNvSpPr txBox="1"/>
+          <p:cNvSpPr txBox="1">
+            <a:spLocks noGrp="1"/>
+          </p:cNvSpPr>
           <p:nvPr>
-            <p:ph idx="1" type="body"/>
+            <p:ph type="body" idx="1"/>
           </p:nvPr>
         </p:nvSpPr>
         <p:spPr>
@@ -988,7 +1141,7 @@
           </a:prstGeom>
         </p:spPr>
         <p:txBody>
-          <a:bodyPr anchorCtr="0" anchor="t" bIns="91425" lIns="91425" rIns="91425" tIns="91425">
+          <a:bodyPr lIns="91425" tIns="91425" rIns="91425" bIns="91425" anchor="t" anchorCtr="0">
             <a:noAutofit/>
           </a:bodyPr>
           <a:lstStyle/>
@@ -999,9 +1152,6 @@
               </a:spcBef>
               <a:buNone/>
             </a:pPr>
-            <a:r>
-              <a:t/>
-            </a:r>
             <a:endParaRPr/>
           </a:p>
         </p:txBody>
@@ -1015,11 +1165,11 @@
 </file>
 
 <file path=ppt/notesSlides/notesSlide6.xml><?xml version="1.0" encoding="utf-8"?>
-<p:notes xmlns:a="http://schemas.openxmlformats.org/drawingml/2006/main" xmlns:r="http://schemas.openxmlformats.org/officeDocument/2006/relationships" xmlns:mc="http://schemas.openxmlformats.org/markup-compatibility/2006" xmlns:mv="urn:schemas-microsoft-com:mac:vml" xmlns:p="http://schemas.openxmlformats.org/presentationml/2006/main" xmlns:c="http://schemas.openxmlformats.org/drawingml/2006/chart" xmlns:dgm="http://schemas.openxmlformats.org/drawingml/2006/diagram" xmlns:o="urn:schemas-microsoft-com:office:office" xmlns:v="urn:schemas-microsoft-com:vml" xmlns:pvml="urn:schemas-microsoft-com:office:powerpoint" xmlns:com="http://schemas.openxmlformats.org/drawingml/2006/compatibility" xmlns:p14="http://schemas.microsoft.com/office/powerpoint/2010/main" showMasterPhAnim="0" showMasterSp="0">
+<p:notes xmlns:a="http://schemas.openxmlformats.org/drawingml/2006/main" xmlns:r="http://schemas.openxmlformats.org/officeDocument/2006/relationships" xmlns:p="http://schemas.openxmlformats.org/presentationml/2006/main" showMasterSp="0" showMasterPhAnim="0">
   <p:cSld>
     <p:spTree>
       <p:nvGrpSpPr>
-        <p:cNvPr id="73" name="Shape 73"/>
+        <p:cNvPr id="1" name="Shape 73"/>
         <p:cNvGrpSpPr/>
         <p:nvPr/>
       </p:nvGrpSpPr>
@@ -1034,9 +1184,11 @@
       <p:sp>
         <p:nvSpPr>
           <p:cNvPr id="74" name="Shape 74"/>
-          <p:cNvSpPr/>
+          <p:cNvSpPr>
+            <a:spLocks noGrp="1" noRot="1" noChangeAspect="1"/>
+          </p:cNvSpPr>
           <p:nvPr>
-            <p:ph idx="2" type="sldImg"/>
+            <p:ph type="sldImg" idx="2"/>
           </p:nvPr>
         </p:nvSpPr>
         <p:spPr>
@@ -1045,8 +1197,13 @@
             <a:ext cx="6096299" cy="3429000"/>
           </a:xfrm>
           <a:custGeom>
+            <a:avLst/>
+            <a:gdLst/>
+            <a:ahLst/>
+            <a:cxnLst/>
+            <a:rect l="0" t="0" r="0" b="0"/>
             <a:pathLst>
-              <a:path extrusionOk="0" h="120000" w="120000">
+              <a:path w="120000" h="120000" extrusionOk="0">
                 <a:moveTo>
                   <a:pt x="0" y="0"/>
                 </a:moveTo>
@@ -1064,23 +1221,25 @@
             </a:pathLst>
           </a:custGeom>
           <a:noFill/>
-          <a:ln cap="flat" cmpd="sng" w="9525">
+          <a:ln w="9525" cap="flat" cmpd="sng">
             <a:solidFill>
               <a:srgbClr val="000000"/>
             </a:solidFill>
             <a:prstDash val="solid"/>
             <a:round/>
-            <a:headEnd len="med" w="med" type="none"/>
-            <a:tailEnd len="med" w="med" type="none"/>
+            <a:headEnd type="none" w="med" len="med"/>
+            <a:tailEnd type="none" w="med" len="med"/>
           </a:ln>
         </p:spPr>
       </p:sp>
       <p:sp>
         <p:nvSpPr>
           <p:cNvPr id="75" name="Shape 75"/>
-          <p:cNvSpPr txBox="1"/>
+          <p:cNvSpPr txBox="1">
+            <a:spLocks noGrp="1"/>
+          </p:cNvSpPr>
           <p:nvPr>
-            <p:ph idx="1" type="body"/>
+            <p:ph type="body" idx="1"/>
           </p:nvPr>
         </p:nvSpPr>
         <p:spPr>
@@ -1093,7 +1252,7 @@
           </a:prstGeom>
         </p:spPr>
         <p:txBody>
-          <a:bodyPr anchorCtr="0" anchor="t" bIns="91425" lIns="91425" rIns="91425" tIns="91425">
+          <a:bodyPr lIns="91425" tIns="91425" rIns="91425" bIns="91425" anchor="t" anchorCtr="0">
             <a:noAutofit/>
           </a:bodyPr>
           <a:lstStyle/>
@@ -1104,9 +1263,6 @@
               </a:spcBef>
               <a:buNone/>
             </a:pPr>
-            <a:r>
-              <a:t/>
-            </a:r>
             <a:endParaRPr/>
           </a:p>
         </p:txBody>
@@ -1120,11 +1276,11 @@
 </file>
 
 <file path=ppt/notesSlides/notesSlide7.xml><?xml version="1.0" encoding="utf-8"?>
-<p:notes xmlns:a="http://schemas.openxmlformats.org/drawingml/2006/main" xmlns:r="http://schemas.openxmlformats.org/officeDocument/2006/relationships" xmlns:mc="http://schemas.openxmlformats.org/markup-compatibility/2006" xmlns:mv="urn:schemas-microsoft-com:mac:vml" xmlns:p="http://schemas.openxmlformats.org/presentationml/2006/main" xmlns:c="http://schemas.openxmlformats.org/drawingml/2006/chart" xmlns:dgm="http://schemas.openxmlformats.org/drawingml/2006/diagram" xmlns:o="urn:schemas-microsoft-com:office:office" xmlns:v="urn:schemas-microsoft-com:vml" xmlns:pvml="urn:schemas-microsoft-com:office:powerpoint" xmlns:com="http://schemas.openxmlformats.org/drawingml/2006/compatibility" xmlns:p14="http://schemas.microsoft.com/office/powerpoint/2010/main" showMasterPhAnim="0" showMasterSp="0">
+<p:notes xmlns:a="http://schemas.openxmlformats.org/drawingml/2006/main" xmlns:r="http://schemas.openxmlformats.org/officeDocument/2006/relationships" xmlns:p="http://schemas.openxmlformats.org/presentationml/2006/main" showMasterSp="0" showMasterPhAnim="0">
   <p:cSld>
     <p:spTree>
       <p:nvGrpSpPr>
-        <p:cNvPr id="79" name="Shape 79"/>
+        <p:cNvPr id="1" name="Shape 79"/>
         <p:cNvGrpSpPr/>
         <p:nvPr/>
       </p:nvGrpSpPr>
@@ -1139,9 +1295,11 @@
       <p:sp>
         <p:nvSpPr>
           <p:cNvPr id="80" name="Shape 80"/>
-          <p:cNvSpPr/>
+          <p:cNvSpPr>
+            <a:spLocks noGrp="1" noRot="1" noChangeAspect="1"/>
+          </p:cNvSpPr>
           <p:nvPr>
-            <p:ph idx="2" type="sldImg"/>
+            <p:ph type="sldImg" idx="2"/>
           </p:nvPr>
         </p:nvSpPr>
         <p:spPr>
@@ -1150,8 +1308,13 @@
             <a:ext cx="6096299" cy="3429000"/>
           </a:xfrm>
           <a:custGeom>
+            <a:avLst/>
+            <a:gdLst/>
+            <a:ahLst/>
+            <a:cxnLst/>
+            <a:rect l="0" t="0" r="0" b="0"/>
             <a:pathLst>
-              <a:path extrusionOk="0" h="120000" w="120000">
+              <a:path w="120000" h="120000" extrusionOk="0">
                 <a:moveTo>
                   <a:pt x="0" y="0"/>
                 </a:moveTo>
@@ -1169,23 +1332,25 @@
             </a:pathLst>
           </a:custGeom>
           <a:noFill/>
-          <a:ln cap="flat" cmpd="sng" w="9525">
+          <a:ln w="9525" cap="flat" cmpd="sng">
             <a:solidFill>
               <a:srgbClr val="000000"/>
             </a:solidFill>
             <a:prstDash val="solid"/>
             <a:round/>
-            <a:headEnd len="med" w="med" type="none"/>
-            <a:tailEnd len="med" w="med" type="none"/>
+            <a:headEnd type="none" w="med" len="med"/>
+            <a:tailEnd type="none" w="med" len="med"/>
           </a:ln>
         </p:spPr>
       </p:sp>
       <p:sp>
         <p:nvSpPr>
           <p:cNvPr id="81" name="Shape 81"/>
-          <p:cNvSpPr txBox="1"/>
+          <p:cNvSpPr txBox="1">
+            <a:spLocks noGrp="1"/>
+          </p:cNvSpPr>
           <p:nvPr>
-            <p:ph idx="1" type="body"/>
+            <p:ph type="body" idx="1"/>
           </p:nvPr>
         </p:nvSpPr>
         <p:spPr>
@@ -1198,7 +1363,7 @@
           </a:prstGeom>
         </p:spPr>
         <p:txBody>
-          <a:bodyPr anchorCtr="0" anchor="t" bIns="91425" lIns="91425" rIns="91425" tIns="91425">
+          <a:bodyPr lIns="91425" tIns="91425" rIns="91425" bIns="91425" anchor="t" anchorCtr="0">
             <a:noAutofit/>
           </a:bodyPr>
           <a:lstStyle/>
@@ -1209,9 +1374,6 @@
               </a:spcBef>
               <a:buNone/>
             </a:pPr>
-            <a:r>
-              <a:t/>
-            </a:r>
             <a:endParaRPr/>
           </a:p>
         </p:txBody>
@@ -1225,11 +1387,11 @@
 </file>
 
 <file path=ppt/notesSlides/notesSlide8.xml><?xml version="1.0" encoding="utf-8"?>
-<p:notes xmlns:a="http://schemas.openxmlformats.org/drawingml/2006/main" xmlns:r="http://schemas.openxmlformats.org/officeDocument/2006/relationships" xmlns:mc="http://schemas.openxmlformats.org/markup-compatibility/2006" xmlns:mv="urn:schemas-microsoft-com:mac:vml" xmlns:p="http://schemas.openxmlformats.org/presentationml/2006/main" xmlns:c="http://schemas.openxmlformats.org/drawingml/2006/chart" xmlns:dgm="http://schemas.openxmlformats.org/drawingml/2006/diagram" xmlns:o="urn:schemas-microsoft-com:office:office" xmlns:v="urn:schemas-microsoft-com:vml" xmlns:pvml="urn:schemas-microsoft-com:office:powerpoint" xmlns:com="http://schemas.openxmlformats.org/drawingml/2006/compatibility" xmlns:p14="http://schemas.microsoft.com/office/powerpoint/2010/main" showMasterPhAnim="0" showMasterSp="0">
+<p:notes xmlns:a="http://schemas.openxmlformats.org/drawingml/2006/main" xmlns:r="http://schemas.openxmlformats.org/officeDocument/2006/relationships" xmlns:p="http://schemas.openxmlformats.org/presentationml/2006/main" showMasterSp="0" showMasterPhAnim="0">
   <p:cSld>
     <p:spTree>
       <p:nvGrpSpPr>
-        <p:cNvPr id="85" name="Shape 85"/>
+        <p:cNvPr id="1" name="Shape 85"/>
         <p:cNvGrpSpPr/>
         <p:nvPr/>
       </p:nvGrpSpPr>
@@ -1244,9 +1406,11 @@
       <p:sp>
         <p:nvSpPr>
           <p:cNvPr id="86" name="Shape 86"/>
-          <p:cNvSpPr/>
+          <p:cNvSpPr>
+            <a:spLocks noGrp="1" noRot="1" noChangeAspect="1"/>
+          </p:cNvSpPr>
           <p:nvPr>
-            <p:ph idx="2" type="sldImg"/>
+            <p:ph type="sldImg" idx="2"/>
           </p:nvPr>
         </p:nvSpPr>
         <p:spPr>
@@ -1255,8 +1419,13 @@
             <a:ext cx="6096299" cy="3429000"/>
           </a:xfrm>
           <a:custGeom>
+            <a:avLst/>
+            <a:gdLst/>
+            <a:ahLst/>
+            <a:cxnLst/>
+            <a:rect l="0" t="0" r="0" b="0"/>
             <a:pathLst>
-              <a:path extrusionOk="0" h="120000" w="120000">
+              <a:path w="120000" h="120000" extrusionOk="0">
                 <a:moveTo>
                   <a:pt x="0" y="0"/>
                 </a:moveTo>
@@ -1274,23 +1443,25 @@
             </a:pathLst>
           </a:custGeom>
           <a:noFill/>
-          <a:ln cap="flat" cmpd="sng" w="9525">
+          <a:ln w="9525" cap="flat" cmpd="sng">
             <a:solidFill>
               <a:srgbClr val="000000"/>
             </a:solidFill>
             <a:prstDash val="solid"/>
             <a:round/>
-            <a:headEnd len="med" w="med" type="none"/>
-            <a:tailEnd len="med" w="med" type="none"/>
+            <a:headEnd type="none" w="med" len="med"/>
+            <a:tailEnd type="none" w="med" len="med"/>
           </a:ln>
         </p:spPr>
       </p:sp>
       <p:sp>
         <p:nvSpPr>
           <p:cNvPr id="87" name="Shape 87"/>
-          <p:cNvSpPr txBox="1"/>
+          <p:cNvSpPr txBox="1">
+            <a:spLocks noGrp="1"/>
+          </p:cNvSpPr>
           <p:nvPr>
-            <p:ph idx="1" type="body"/>
+            <p:ph type="body" idx="1"/>
           </p:nvPr>
         </p:nvSpPr>
         <p:spPr>
@@ -1303,7 +1474,7 @@
           </a:prstGeom>
         </p:spPr>
         <p:txBody>
-          <a:bodyPr anchorCtr="0" anchor="t" bIns="91425" lIns="91425" rIns="91425" tIns="91425">
+          <a:bodyPr lIns="91425" tIns="91425" rIns="91425" bIns="91425" anchor="t" anchorCtr="0">
             <a:noAutofit/>
           </a:bodyPr>
           <a:lstStyle/>
@@ -1314,9 +1485,6 @@
               </a:spcBef>
               <a:buNone/>
             </a:pPr>
-            <a:r>
-              <a:t/>
-            </a:r>
             <a:endParaRPr/>
           </a:p>
         </p:txBody>
@@ -1330,11 +1498,11 @@
 </file>
 
 <file path=ppt/notesSlides/notesSlide9.xml><?xml version="1.0" encoding="utf-8"?>
-<p:notes xmlns:a="http://schemas.openxmlformats.org/drawingml/2006/main" xmlns:r="http://schemas.openxmlformats.org/officeDocument/2006/relationships" xmlns:mc="http://schemas.openxmlformats.org/markup-compatibility/2006" xmlns:mv="urn:schemas-microsoft-com:mac:vml" xmlns:p="http://schemas.openxmlformats.org/presentationml/2006/main" xmlns:c="http://schemas.openxmlformats.org/drawingml/2006/chart" xmlns:dgm="http://schemas.openxmlformats.org/drawingml/2006/diagram" xmlns:o="urn:schemas-microsoft-com:office:office" xmlns:v="urn:schemas-microsoft-com:vml" xmlns:pvml="urn:schemas-microsoft-com:office:powerpoint" xmlns:com="http://schemas.openxmlformats.org/drawingml/2006/compatibility" xmlns:p14="http://schemas.microsoft.com/office/powerpoint/2010/main" showMasterPhAnim="0" showMasterSp="0">
+<p:notes xmlns:a="http://schemas.openxmlformats.org/drawingml/2006/main" xmlns:r="http://schemas.openxmlformats.org/officeDocument/2006/relationships" xmlns:p="http://schemas.openxmlformats.org/presentationml/2006/main" showMasterSp="0" showMasterPhAnim="0">
   <p:cSld>
     <p:spTree>
       <p:nvGrpSpPr>
-        <p:cNvPr id="91" name="Shape 91"/>
+        <p:cNvPr id="1" name="Shape 91"/>
         <p:cNvGrpSpPr/>
         <p:nvPr/>
       </p:nvGrpSpPr>
@@ -1349,9 +1517,11 @@
       <p:sp>
         <p:nvSpPr>
           <p:cNvPr id="92" name="Shape 92"/>
-          <p:cNvSpPr/>
+          <p:cNvSpPr>
+            <a:spLocks noGrp="1" noRot="1" noChangeAspect="1"/>
+          </p:cNvSpPr>
           <p:nvPr>
-            <p:ph idx="2" type="sldImg"/>
+            <p:ph type="sldImg" idx="2"/>
           </p:nvPr>
         </p:nvSpPr>
         <p:spPr>
@@ -1360,8 +1530,13 @@
             <a:ext cx="6096299" cy="3429000"/>
           </a:xfrm>
           <a:custGeom>
+            <a:avLst/>
+            <a:gdLst/>
+            <a:ahLst/>
+            <a:cxnLst/>
+            <a:rect l="0" t="0" r="0" b="0"/>
             <a:pathLst>
-              <a:path extrusionOk="0" h="120000" w="120000">
+              <a:path w="120000" h="120000" extrusionOk="0">
                 <a:moveTo>
                   <a:pt x="0" y="0"/>
                 </a:moveTo>
@@ -1379,23 +1554,25 @@
             </a:pathLst>
           </a:custGeom>
           <a:noFill/>
-          <a:ln cap="flat" cmpd="sng" w="9525">
+          <a:ln w="9525" cap="flat" cmpd="sng">
             <a:solidFill>
               <a:srgbClr val="000000"/>
             </a:solidFill>
             <a:prstDash val="solid"/>
             <a:round/>
-            <a:headEnd len="med" w="med" type="none"/>
-            <a:tailEnd len="med" w="med" type="none"/>
+            <a:headEnd type="none" w="med" len="med"/>
+            <a:tailEnd type="none" w="med" len="med"/>
           </a:ln>
         </p:spPr>
       </p:sp>
       <p:sp>
         <p:nvSpPr>
           <p:cNvPr id="93" name="Shape 93"/>
-          <p:cNvSpPr txBox="1"/>
+          <p:cNvSpPr txBox="1">
+            <a:spLocks noGrp="1"/>
+          </p:cNvSpPr>
           <p:nvPr>
-            <p:ph idx="1" type="body"/>
+            <p:ph type="body" idx="1"/>
           </p:nvPr>
         </p:nvSpPr>
         <p:spPr>
@@ -1408,7 +1585,7 @@
           </a:prstGeom>
         </p:spPr>
         <p:txBody>
-          <a:bodyPr anchorCtr="0" anchor="t" bIns="91425" lIns="91425" rIns="91425" tIns="91425">
+          <a:bodyPr lIns="91425" tIns="91425" rIns="91425" bIns="91425" anchor="t" anchorCtr="0">
             <a:noAutofit/>
           </a:bodyPr>
           <a:lstStyle/>
@@ -1419,9 +1596,6 @@
               </a:spcBef>
               <a:buNone/>
             </a:pPr>
-            <a:r>
-              <a:t/>
-            </a:r>
             <a:endParaRPr/>
           </a:p>
         </p:txBody>
@@ -1435,11 +1609,11 @@
 </file>
 
 <file path=ppt/slideLayouts/slideLayout1.xml><?xml version="1.0" encoding="utf-8"?>
-<p:sldLayout xmlns:a="http://schemas.openxmlformats.org/drawingml/2006/main" xmlns:r="http://schemas.openxmlformats.org/officeDocument/2006/relationships" xmlns:mc="http://schemas.openxmlformats.org/markup-compatibility/2006" xmlns:mv="urn:schemas-microsoft-com:mac:vml" xmlns:p="http://schemas.openxmlformats.org/presentationml/2006/main" xmlns:c="http://schemas.openxmlformats.org/drawingml/2006/chart" xmlns:dgm="http://schemas.openxmlformats.org/drawingml/2006/diagram" xmlns:o="urn:schemas-microsoft-com:office:office" xmlns:v="urn:schemas-microsoft-com:vml" xmlns:pvml="urn:schemas-microsoft-com:office:powerpoint" xmlns:com="http://schemas.openxmlformats.org/drawingml/2006/compatibility" xmlns:p14="http://schemas.microsoft.com/office/powerpoint/2010/main" type="title">
+<p:sldLayout xmlns:a="http://schemas.openxmlformats.org/drawingml/2006/main" xmlns:r="http://schemas.openxmlformats.org/officeDocument/2006/relationships" xmlns:p="http://schemas.openxmlformats.org/presentationml/2006/main" type="title">
   <p:cSld name="Title Slide">
     <p:spTree>
       <p:nvGrpSpPr>
-        <p:cNvPr id="8" name="Shape 8"/>
+        <p:cNvPr id="1" name="Shape 8"/>
         <p:cNvGrpSpPr/>
         <p:nvPr/>
       </p:nvGrpSpPr>
@@ -1464,7 +1638,7 @@
           </a:xfrm>
           <a:prstGeom prst="roundRect">
             <a:avLst>
-              <a:gd fmla="val 3653" name="adj"/>
+              <a:gd name="adj" fmla="val 3653"/>
             </a:avLst>
           </a:prstGeom>
           <a:solidFill>
@@ -1475,7 +1649,7 @@
           </a:ln>
         </p:spPr>
         <p:txBody>
-          <a:bodyPr anchorCtr="0" anchor="ctr" bIns="45700" lIns="91425" rIns="91425" tIns="45700">
+          <a:bodyPr lIns="91425" tIns="45700" rIns="91425" bIns="45700" anchor="ctr" anchorCtr="0">
             <a:noAutofit/>
           </a:bodyPr>
           <a:lstStyle/>
@@ -1486,9 +1660,6 @@
               </a:spcBef>
               <a:buNone/>
             </a:pPr>
-            <a:r>
-              <a:t/>
-            </a:r>
             <a:endParaRPr/>
           </a:p>
         </p:txBody>
@@ -1506,7 +1677,7 @@
           </a:xfrm>
           <a:prstGeom prst="roundRect">
             <a:avLst>
-              <a:gd fmla="val 15243" name="adj"/>
+              <a:gd name="adj" fmla="val 15243"/>
             </a:avLst>
           </a:prstGeom>
           <a:solidFill>
@@ -1517,7 +1688,7 @@
           </a:ln>
         </p:spPr>
         <p:txBody>
-          <a:bodyPr anchorCtr="0" anchor="ctr" bIns="45700" lIns="91425" rIns="91425" tIns="45700">
+          <a:bodyPr lIns="91425" tIns="45700" rIns="91425" bIns="45700" anchor="ctr" anchorCtr="0">
             <a:noAutofit/>
           </a:bodyPr>
           <a:lstStyle/>
@@ -1528,9 +1699,6 @@
               </a:spcBef>
               <a:buNone/>
             </a:pPr>
-            <a:r>
-              <a:t/>
-            </a:r>
             <a:endParaRPr/>
           </a:p>
         </p:txBody>
@@ -1538,7 +1706,9 @@
       <p:sp>
         <p:nvSpPr>
           <p:cNvPr id="11" name="Shape 11"/>
-          <p:cNvSpPr txBox="1"/>
+          <p:cNvSpPr txBox="1">
+            <a:spLocks noGrp="1"/>
+          </p:cNvSpPr>
           <p:nvPr>
             <p:ph type="ctrTitle"/>
           </p:nvPr>
@@ -1553,7 +1723,7 @@
           </a:prstGeom>
         </p:spPr>
         <p:txBody>
-          <a:bodyPr anchorCtr="0" anchor="b" bIns="91425" lIns="91425" rIns="91425" tIns="91425"/>
+          <a:bodyPr lIns="91425" tIns="91425" rIns="91425" bIns="91425" anchor="b" anchorCtr="0"/>
           <a:lstStyle>
             <a:lvl1pPr>
               <a:spcBef>
@@ -1619,15 +1789,19 @@
               <a:defRPr sz="7200"/>
             </a:lvl9pPr>
           </a:lstStyle>
-          <a:p/>
+          <a:p>
+            <a:endParaRPr/>
+          </a:p>
         </p:txBody>
       </p:sp>
       <p:sp>
         <p:nvSpPr>
           <p:cNvPr id="12" name="Shape 12"/>
-          <p:cNvSpPr txBox="1"/>
+          <p:cNvSpPr txBox="1">
+            <a:spLocks noGrp="1"/>
+          </p:cNvSpPr>
           <p:nvPr>
-            <p:ph idx="1" type="subTitle"/>
+            <p:ph type="subTitle" idx="1"/>
           </p:nvPr>
         </p:nvSpPr>
         <p:spPr>
@@ -1640,7 +1814,7 @@
           </a:prstGeom>
         </p:spPr>
         <p:txBody>
-          <a:bodyPr anchorCtr="0" anchor="ctr" bIns="91425" lIns="91425" rIns="91425" tIns="91425"/>
+          <a:bodyPr lIns="91425" tIns="91425" rIns="91425" bIns="91425" anchor="ctr" anchorCtr="0"/>
           <a:lstStyle>
             <a:lvl1pPr>
               <a:spcBef>
@@ -1714,15 +1888,19 @@
               <a:defRPr sz="3000"/>
             </a:lvl9pPr>
           </a:lstStyle>
-          <a:p/>
+          <a:p>
+            <a:endParaRPr/>
+          </a:p>
         </p:txBody>
       </p:sp>
       <p:sp>
         <p:nvSpPr>
           <p:cNvPr id="13" name="Shape 13"/>
-          <p:cNvSpPr txBox="1"/>
+          <p:cNvSpPr txBox="1">
+            <a:spLocks noGrp="1"/>
+          </p:cNvSpPr>
           <p:nvPr>
-            <p:ph idx="12" type="sldNum"/>
+            <p:ph type="sldNum" idx="12"/>
           </p:nvPr>
         </p:nvSpPr>
         <p:spPr>
@@ -1735,7 +1913,7 @@
           </a:prstGeom>
         </p:spPr>
         <p:txBody>
-          <a:bodyPr anchorCtr="0" anchor="ctr" bIns="91425" lIns="91425" rIns="91425" tIns="91425">
+          <a:bodyPr lIns="91425" tIns="91425" rIns="91425" bIns="91425" anchor="ctr" anchorCtr="0">
             <a:noAutofit/>
           </a:bodyPr>
           <a:lstStyle>
@@ -1758,6 +1936,7 @@
               <a:rPr lang="en"/>
               <a:t>‹#›</a:t>
             </a:fld>
+            <a:endParaRPr lang="en"/>
           </a:p>
         </p:txBody>
       </p:sp>
@@ -1770,11 +1949,11 @@
 </file>
 
 <file path=ppt/slideLayouts/slideLayout2.xml><?xml version="1.0" encoding="utf-8"?>
-<p:sldLayout xmlns:a="http://schemas.openxmlformats.org/drawingml/2006/main" xmlns:r="http://schemas.openxmlformats.org/officeDocument/2006/relationships" xmlns:mc="http://schemas.openxmlformats.org/markup-compatibility/2006" xmlns:mv="urn:schemas-microsoft-com:mac:vml" xmlns:p="http://schemas.openxmlformats.org/presentationml/2006/main" xmlns:c="http://schemas.openxmlformats.org/drawingml/2006/chart" xmlns:dgm="http://schemas.openxmlformats.org/drawingml/2006/diagram" xmlns:o="urn:schemas-microsoft-com:office:office" xmlns:v="urn:schemas-microsoft-com:vml" xmlns:pvml="urn:schemas-microsoft-com:office:powerpoint" xmlns:com="http://schemas.openxmlformats.org/drawingml/2006/compatibility" xmlns:p14="http://schemas.microsoft.com/office/powerpoint/2010/main" type="tx">
+<p:sldLayout xmlns:a="http://schemas.openxmlformats.org/drawingml/2006/main" xmlns:r="http://schemas.openxmlformats.org/officeDocument/2006/relationships" xmlns:p="http://schemas.openxmlformats.org/presentationml/2006/main" type="tx">
   <p:cSld name="Title and Body">
     <p:spTree>
       <p:nvGrpSpPr>
-        <p:cNvPr id="14" name="Shape 14"/>
+        <p:cNvPr id="1" name="Shape 14"/>
         <p:cNvGrpSpPr/>
         <p:nvPr/>
       </p:nvGrpSpPr>
@@ -1799,7 +1978,7 @@
           </a:xfrm>
           <a:prstGeom prst="roundRect">
             <a:avLst>
-              <a:gd fmla="val 2970" name="adj"/>
+              <a:gd name="adj" fmla="val 2970"/>
             </a:avLst>
           </a:prstGeom>
           <a:solidFill>
@@ -1810,7 +1989,7 @@
           </a:ln>
         </p:spPr>
         <p:txBody>
-          <a:bodyPr anchorCtr="0" anchor="ctr" bIns="45700" lIns="91425" rIns="91425" tIns="45700">
+          <a:bodyPr lIns="91425" tIns="45700" rIns="91425" bIns="45700" anchor="ctr" anchorCtr="0">
             <a:noAutofit/>
           </a:bodyPr>
           <a:lstStyle/>
@@ -1821,9 +2000,6 @@
               </a:spcBef>
               <a:buNone/>
             </a:pPr>
-            <a:r>
-              <a:t/>
-            </a:r>
             <a:endParaRPr/>
           </a:p>
         </p:txBody>
@@ -1835,14 +2011,14 @@
           <p:nvPr/>
         </p:nvSpPr>
         <p:spPr>
-          <a:xfrm flipH="1" rot="10800000">
+          <a:xfrm rot="10800000" flipH="1">
             <a:off x="372035" y="59"/>
             <a:ext cx="8399999" cy="1049700"/>
           </a:xfrm>
           <a:prstGeom prst="round2SameRect">
             <a:avLst>
-              <a:gd fmla="val 10590" name="adj1"/>
-              <a:gd fmla="val 0" name="adj2"/>
+              <a:gd name="adj1" fmla="val 10590"/>
+              <a:gd name="adj2" fmla="val 0"/>
             </a:avLst>
           </a:prstGeom>
           <a:solidFill>
@@ -1853,7 +2029,7 @@
           </a:ln>
         </p:spPr>
         <p:txBody>
-          <a:bodyPr anchorCtr="0" anchor="ctr" bIns="45700" lIns="91425" rIns="91425" tIns="45700">
+          <a:bodyPr lIns="91425" tIns="45700" rIns="91425" bIns="45700" anchor="ctr" anchorCtr="0">
             <a:noAutofit/>
           </a:bodyPr>
           <a:lstStyle/>
@@ -1864,9 +2040,6 @@
               </a:spcBef>
               <a:buNone/>
             </a:pPr>
-            <a:r>
-              <a:t/>
-            </a:r>
             <a:endParaRPr/>
           </a:p>
         </p:txBody>
@@ -1874,7 +2047,9 @@
       <p:sp>
         <p:nvSpPr>
           <p:cNvPr id="17" name="Shape 17"/>
-          <p:cNvSpPr txBox="1"/>
+          <p:cNvSpPr txBox="1">
+            <a:spLocks noGrp="1"/>
+          </p:cNvSpPr>
           <p:nvPr>
             <p:ph type="title"/>
           </p:nvPr>
@@ -1889,7 +2064,7 @@
           </a:prstGeom>
         </p:spPr>
         <p:txBody>
-          <a:bodyPr anchorCtr="0" anchor="b" bIns="91425" lIns="91425" rIns="91425" tIns="91425"/>
+          <a:bodyPr lIns="91425" tIns="91425" rIns="91425" bIns="91425" anchor="b" anchorCtr="0"/>
           <a:lstStyle>
             <a:lvl1pPr>
               <a:spcBef>
@@ -1946,15 +2121,19 @@
               <a:defRPr/>
             </a:lvl9pPr>
           </a:lstStyle>
-          <a:p/>
+          <a:p>
+            <a:endParaRPr/>
+          </a:p>
         </p:txBody>
       </p:sp>
       <p:sp>
         <p:nvSpPr>
           <p:cNvPr id="18" name="Shape 18"/>
-          <p:cNvSpPr txBox="1"/>
+          <p:cNvSpPr txBox="1">
+            <a:spLocks noGrp="1"/>
+          </p:cNvSpPr>
           <p:nvPr>
-            <p:ph idx="1" type="body"/>
+            <p:ph type="body" idx="1"/>
           </p:nvPr>
         </p:nvSpPr>
         <p:spPr>
@@ -1967,7 +2146,7 @@
           </a:prstGeom>
         </p:spPr>
         <p:txBody>
-          <a:bodyPr anchorCtr="0" anchor="t" bIns="91425" lIns="91425" rIns="91425" tIns="91425"/>
+          <a:bodyPr lIns="91425" tIns="91425" rIns="91425" bIns="91425" anchor="t" anchorCtr="0"/>
           <a:lstStyle>
             <a:lvl1pPr>
               <a:spcBef>
@@ -2024,15 +2203,19 @@
               <a:defRPr/>
             </a:lvl9pPr>
           </a:lstStyle>
-          <a:p/>
+          <a:p>
+            <a:endParaRPr/>
+          </a:p>
         </p:txBody>
       </p:sp>
       <p:sp>
         <p:nvSpPr>
           <p:cNvPr id="19" name="Shape 19"/>
-          <p:cNvSpPr txBox="1"/>
+          <p:cNvSpPr txBox="1">
+            <a:spLocks noGrp="1"/>
+          </p:cNvSpPr>
           <p:nvPr>
-            <p:ph idx="12" type="sldNum"/>
+            <p:ph type="sldNum" idx="12"/>
           </p:nvPr>
         </p:nvSpPr>
         <p:spPr>
@@ -2045,7 +2228,7 @@
           </a:prstGeom>
         </p:spPr>
         <p:txBody>
-          <a:bodyPr anchorCtr="0" anchor="ctr" bIns="91425" lIns="91425" rIns="91425" tIns="91425">
+          <a:bodyPr lIns="91425" tIns="91425" rIns="91425" bIns="91425" anchor="ctr" anchorCtr="0">
             <a:noAutofit/>
           </a:bodyPr>
           <a:lstStyle>
@@ -2068,6 +2251,7 @@
               <a:rPr lang="en"/>
               <a:t>‹#›</a:t>
             </a:fld>
+            <a:endParaRPr lang="en"/>
           </a:p>
         </p:txBody>
       </p:sp>
@@ -2080,11 +2264,11 @@
 </file>
 
 <file path=ppt/slideLayouts/slideLayout3.xml><?xml version="1.0" encoding="utf-8"?>
-<p:sldLayout xmlns:a="http://schemas.openxmlformats.org/drawingml/2006/main" xmlns:r="http://schemas.openxmlformats.org/officeDocument/2006/relationships" xmlns:mc="http://schemas.openxmlformats.org/markup-compatibility/2006" xmlns:mv="urn:schemas-microsoft-com:mac:vml" xmlns:p="http://schemas.openxmlformats.org/presentationml/2006/main" xmlns:c="http://schemas.openxmlformats.org/drawingml/2006/chart" xmlns:dgm="http://schemas.openxmlformats.org/drawingml/2006/diagram" xmlns:o="urn:schemas-microsoft-com:office:office" xmlns:v="urn:schemas-microsoft-com:vml" xmlns:pvml="urn:schemas-microsoft-com:office:powerpoint" xmlns:com="http://schemas.openxmlformats.org/drawingml/2006/compatibility" xmlns:p14="http://schemas.microsoft.com/office/powerpoint/2010/main" type="twoColTx">
+<p:sldLayout xmlns:a="http://schemas.openxmlformats.org/drawingml/2006/main" xmlns:r="http://schemas.openxmlformats.org/officeDocument/2006/relationships" xmlns:p="http://schemas.openxmlformats.org/presentationml/2006/main" type="twoColTx">
   <p:cSld name="Title and Two Columns">
     <p:spTree>
       <p:nvGrpSpPr>
-        <p:cNvPr id="20" name="Shape 20"/>
+        <p:cNvPr id="1" name="Shape 20"/>
         <p:cNvGrpSpPr/>
         <p:nvPr/>
       </p:nvGrpSpPr>
@@ -2109,7 +2293,7 @@
           </a:xfrm>
           <a:prstGeom prst="roundRect">
             <a:avLst>
-              <a:gd fmla="val 3784" name="adj"/>
+              <a:gd name="adj" fmla="val 3784"/>
             </a:avLst>
           </a:prstGeom>
           <a:solidFill>
@@ -2120,7 +2304,7 @@
           </a:ln>
         </p:spPr>
         <p:txBody>
-          <a:bodyPr anchorCtr="0" anchor="ctr" bIns="45700" lIns="91425" rIns="91425" tIns="45700">
+          <a:bodyPr lIns="91425" tIns="45700" rIns="91425" bIns="45700" anchor="ctr" anchorCtr="0">
             <a:noAutofit/>
           </a:bodyPr>
           <a:lstStyle/>
@@ -2131,9 +2315,6 @@
               </a:spcBef>
               <a:buNone/>
             </a:pPr>
-            <a:r>
-              <a:t/>
-            </a:r>
             <a:endParaRPr/>
           </a:p>
         </p:txBody>
@@ -2145,14 +2326,14 @@
           <p:nvPr/>
         </p:nvSpPr>
         <p:spPr>
-          <a:xfrm flipH="1" rot="10800000">
+          <a:xfrm rot="10800000" flipH="1">
             <a:off x="372035" y="59"/>
             <a:ext cx="8399999" cy="1049700"/>
           </a:xfrm>
           <a:prstGeom prst="round2SameRect">
             <a:avLst>
-              <a:gd fmla="val 10590" name="adj1"/>
-              <a:gd fmla="val 0" name="adj2"/>
+              <a:gd name="adj1" fmla="val 10590"/>
+              <a:gd name="adj2" fmla="val 0"/>
             </a:avLst>
           </a:prstGeom>
           <a:solidFill>
@@ -2163,7 +2344,7 @@
           </a:ln>
         </p:spPr>
         <p:txBody>
-          <a:bodyPr anchorCtr="0" anchor="ctr" bIns="45700" lIns="91425" rIns="91425" tIns="45700">
+          <a:bodyPr lIns="91425" tIns="45700" rIns="91425" bIns="45700" anchor="ctr" anchorCtr="0">
             <a:noAutofit/>
           </a:bodyPr>
           <a:lstStyle/>
@@ -2174,9 +2355,6 @@
               </a:spcBef>
               <a:buNone/>
             </a:pPr>
-            <a:r>
-              <a:t/>
-            </a:r>
             <a:endParaRPr/>
           </a:p>
         </p:txBody>
@@ -2184,7 +2362,9 @@
       <p:sp>
         <p:nvSpPr>
           <p:cNvPr id="23" name="Shape 23"/>
-          <p:cNvSpPr txBox="1"/>
+          <p:cNvSpPr txBox="1">
+            <a:spLocks noGrp="1"/>
+          </p:cNvSpPr>
           <p:nvPr>
             <p:ph type="title"/>
           </p:nvPr>
@@ -2199,7 +2379,7 @@
           </a:prstGeom>
         </p:spPr>
         <p:txBody>
-          <a:bodyPr anchorCtr="0" anchor="b" bIns="91425" lIns="91425" rIns="91425" tIns="91425"/>
+          <a:bodyPr lIns="91425" tIns="91425" rIns="91425" bIns="91425" anchor="b" anchorCtr="0"/>
           <a:lstStyle>
             <a:lvl1pPr>
               <a:spcBef>
@@ -2256,15 +2436,19 @@
               <a:defRPr/>
             </a:lvl9pPr>
           </a:lstStyle>
-          <a:p/>
+          <a:p>
+            <a:endParaRPr/>
+          </a:p>
         </p:txBody>
       </p:sp>
       <p:sp>
         <p:nvSpPr>
           <p:cNvPr id="24" name="Shape 24"/>
-          <p:cNvSpPr txBox="1"/>
+          <p:cNvSpPr txBox="1">
+            <a:spLocks noGrp="1"/>
+          </p:cNvSpPr>
           <p:nvPr>
-            <p:ph idx="1" type="body"/>
+            <p:ph type="body" idx="1"/>
           </p:nvPr>
         </p:nvSpPr>
         <p:spPr>
@@ -2277,7 +2461,7 @@
           </a:prstGeom>
         </p:spPr>
         <p:txBody>
-          <a:bodyPr anchorCtr="0" anchor="t" bIns="91425" lIns="91425" rIns="91425" tIns="91425"/>
+          <a:bodyPr lIns="91425" tIns="91425" rIns="91425" bIns="91425" anchor="t" anchorCtr="0"/>
           <a:lstStyle>
             <a:lvl1pPr>
               <a:spcBef>
@@ -2334,7 +2518,9 @@
               <a:defRPr/>
             </a:lvl9pPr>
           </a:lstStyle>
-          <a:p/>
+          <a:p>
+            <a:endParaRPr/>
+          </a:p>
         </p:txBody>
       </p:sp>
       <p:sp>
@@ -2350,7 +2536,7 @@
           </a:xfrm>
           <a:prstGeom prst="roundRect">
             <a:avLst>
-              <a:gd fmla="val 3784" name="adj"/>
+              <a:gd name="adj" fmla="val 3784"/>
             </a:avLst>
           </a:prstGeom>
           <a:solidFill>
@@ -2361,7 +2547,7 @@
           </a:ln>
         </p:spPr>
         <p:txBody>
-          <a:bodyPr anchorCtr="0" anchor="ctr" bIns="45700" lIns="91425" rIns="91425" tIns="45700">
+          <a:bodyPr lIns="91425" tIns="45700" rIns="91425" bIns="45700" anchor="ctr" anchorCtr="0">
             <a:noAutofit/>
           </a:bodyPr>
           <a:lstStyle/>
@@ -2372,9 +2558,6 @@
               </a:spcBef>
               <a:buNone/>
             </a:pPr>
-            <a:r>
-              <a:t/>
-            </a:r>
             <a:endParaRPr/>
           </a:p>
         </p:txBody>
@@ -2382,9 +2565,11 @@
       <p:sp>
         <p:nvSpPr>
           <p:cNvPr id="26" name="Shape 26"/>
-          <p:cNvSpPr txBox="1"/>
+          <p:cNvSpPr txBox="1">
+            <a:spLocks noGrp="1"/>
+          </p:cNvSpPr>
           <p:nvPr>
-            <p:ph idx="2" type="body"/>
+            <p:ph type="body" idx="2"/>
           </p:nvPr>
         </p:nvSpPr>
         <p:spPr>
@@ -2397,7 +2582,7 @@
           </a:prstGeom>
         </p:spPr>
         <p:txBody>
-          <a:bodyPr anchorCtr="0" anchor="t" bIns="91425" lIns="91425" rIns="91425" tIns="91425"/>
+          <a:bodyPr lIns="91425" tIns="91425" rIns="91425" bIns="91425" anchor="t" anchorCtr="0"/>
           <a:lstStyle>
             <a:lvl1pPr>
               <a:spcBef>
@@ -2454,15 +2639,19 @@
               <a:defRPr/>
             </a:lvl9pPr>
           </a:lstStyle>
-          <a:p/>
+          <a:p>
+            <a:endParaRPr/>
+          </a:p>
         </p:txBody>
       </p:sp>
       <p:sp>
         <p:nvSpPr>
           <p:cNvPr id="27" name="Shape 27"/>
-          <p:cNvSpPr txBox="1"/>
+          <p:cNvSpPr txBox="1">
+            <a:spLocks noGrp="1"/>
+          </p:cNvSpPr>
           <p:nvPr>
-            <p:ph idx="12" type="sldNum"/>
+            <p:ph type="sldNum" idx="12"/>
           </p:nvPr>
         </p:nvSpPr>
         <p:spPr>
@@ -2475,7 +2664,7 @@
           </a:prstGeom>
         </p:spPr>
         <p:txBody>
-          <a:bodyPr anchorCtr="0" anchor="ctr" bIns="91425" lIns="91425" rIns="91425" tIns="91425">
+          <a:bodyPr lIns="91425" tIns="91425" rIns="91425" bIns="91425" anchor="ctr" anchorCtr="0">
             <a:noAutofit/>
           </a:bodyPr>
           <a:lstStyle>
@@ -2498,6 +2687,7 @@
               <a:rPr lang="en"/>
               <a:t>‹#›</a:t>
             </a:fld>
+            <a:endParaRPr lang="en"/>
           </a:p>
         </p:txBody>
       </p:sp>
@@ -2510,11 +2700,11 @@
 </file>
 
 <file path=ppt/slideLayouts/slideLayout4.xml><?xml version="1.0" encoding="utf-8"?>
-<p:sldLayout xmlns:a="http://schemas.openxmlformats.org/drawingml/2006/main" xmlns:r="http://schemas.openxmlformats.org/officeDocument/2006/relationships" xmlns:mc="http://schemas.openxmlformats.org/markup-compatibility/2006" xmlns:mv="urn:schemas-microsoft-com:mac:vml" xmlns:p="http://schemas.openxmlformats.org/presentationml/2006/main" xmlns:c="http://schemas.openxmlformats.org/drawingml/2006/chart" xmlns:dgm="http://schemas.openxmlformats.org/drawingml/2006/diagram" xmlns:o="urn:schemas-microsoft-com:office:office" xmlns:v="urn:schemas-microsoft-com:vml" xmlns:pvml="urn:schemas-microsoft-com:office:powerpoint" xmlns:com="http://schemas.openxmlformats.org/drawingml/2006/compatibility" xmlns:p14="http://schemas.microsoft.com/office/powerpoint/2010/main" type="titleOnly">
+<p:sldLayout xmlns:a="http://schemas.openxmlformats.org/drawingml/2006/main" xmlns:r="http://schemas.openxmlformats.org/officeDocument/2006/relationships" xmlns:p="http://schemas.openxmlformats.org/presentationml/2006/main" type="titleOnly">
   <p:cSld name="Title Only">
     <p:spTree>
       <p:nvGrpSpPr>
-        <p:cNvPr id="28" name="Shape 28"/>
+        <p:cNvPr id="1" name="Shape 28"/>
         <p:cNvGrpSpPr/>
         <p:nvPr/>
       </p:nvGrpSpPr>
@@ -2539,7 +2729,7 @@
           </a:xfrm>
           <a:prstGeom prst="roundRect">
             <a:avLst>
-              <a:gd fmla="val 2970" name="adj"/>
+              <a:gd name="adj" fmla="val 2970"/>
             </a:avLst>
           </a:prstGeom>
           <a:solidFill>
@@ -2550,7 +2740,7 @@
           </a:ln>
         </p:spPr>
         <p:txBody>
-          <a:bodyPr anchorCtr="0" anchor="ctr" bIns="45700" lIns="91425" rIns="91425" tIns="45700">
+          <a:bodyPr lIns="91425" tIns="45700" rIns="91425" bIns="45700" anchor="ctr" anchorCtr="0">
             <a:noAutofit/>
           </a:bodyPr>
           <a:lstStyle/>
@@ -2561,9 +2751,6 @@
               </a:spcBef>
               <a:buNone/>
             </a:pPr>
-            <a:r>
-              <a:t/>
-            </a:r>
             <a:endParaRPr/>
           </a:p>
         </p:txBody>
@@ -2575,14 +2762,14 @@
           <p:nvPr/>
         </p:nvSpPr>
         <p:spPr>
-          <a:xfrm flipH="1" rot="10800000">
+          <a:xfrm rot="10800000" flipH="1">
             <a:off x="372035" y="59"/>
             <a:ext cx="8399999" cy="1049700"/>
           </a:xfrm>
           <a:prstGeom prst="round2SameRect">
             <a:avLst>
-              <a:gd fmla="val 10590" name="adj1"/>
-              <a:gd fmla="val 0" name="adj2"/>
+              <a:gd name="adj1" fmla="val 10590"/>
+              <a:gd name="adj2" fmla="val 0"/>
             </a:avLst>
           </a:prstGeom>
           <a:solidFill>
@@ -2593,7 +2780,7 @@
           </a:ln>
         </p:spPr>
         <p:txBody>
-          <a:bodyPr anchorCtr="0" anchor="ctr" bIns="45700" lIns="91425" rIns="91425" tIns="45700">
+          <a:bodyPr lIns="91425" tIns="45700" rIns="91425" bIns="45700" anchor="ctr" anchorCtr="0">
             <a:noAutofit/>
           </a:bodyPr>
           <a:lstStyle/>
@@ -2604,9 +2791,6 @@
               </a:spcBef>
               <a:buNone/>
             </a:pPr>
-            <a:r>
-              <a:t/>
-            </a:r>
             <a:endParaRPr/>
           </a:p>
         </p:txBody>
@@ -2614,7 +2798,9 @@
       <p:sp>
         <p:nvSpPr>
           <p:cNvPr id="31" name="Shape 31"/>
-          <p:cNvSpPr txBox="1"/>
+          <p:cNvSpPr txBox="1">
+            <a:spLocks noGrp="1"/>
+          </p:cNvSpPr>
           <p:nvPr>
             <p:ph type="title"/>
           </p:nvPr>
@@ -2629,7 +2815,7 @@
           </a:prstGeom>
         </p:spPr>
         <p:txBody>
-          <a:bodyPr anchorCtr="0" anchor="b" bIns="91425" lIns="91425" rIns="91425" tIns="91425"/>
+          <a:bodyPr lIns="91425" tIns="91425" rIns="91425" bIns="91425" anchor="b" anchorCtr="0"/>
           <a:lstStyle>
             <a:lvl1pPr>
               <a:spcBef>
@@ -2686,15 +2872,19 @@
               <a:defRPr/>
             </a:lvl9pPr>
           </a:lstStyle>
-          <a:p/>
+          <a:p>
+            <a:endParaRPr/>
+          </a:p>
         </p:txBody>
       </p:sp>
       <p:sp>
         <p:nvSpPr>
           <p:cNvPr id="32" name="Shape 32"/>
-          <p:cNvSpPr txBox="1"/>
+          <p:cNvSpPr txBox="1">
+            <a:spLocks noGrp="1"/>
+          </p:cNvSpPr>
           <p:nvPr>
-            <p:ph idx="12" type="sldNum"/>
+            <p:ph type="sldNum" idx="12"/>
           </p:nvPr>
         </p:nvSpPr>
         <p:spPr>
@@ -2707,7 +2897,7 @@
           </a:prstGeom>
         </p:spPr>
         <p:txBody>
-          <a:bodyPr anchorCtr="0" anchor="ctr" bIns="91425" lIns="91425" rIns="91425" tIns="91425">
+          <a:bodyPr lIns="91425" tIns="91425" rIns="91425" bIns="91425" anchor="ctr" anchorCtr="0">
             <a:noAutofit/>
           </a:bodyPr>
           <a:lstStyle>
@@ -2730,6 +2920,7 @@
               <a:rPr lang="en"/>
               <a:t>‹#›</a:t>
             </a:fld>
+            <a:endParaRPr lang="en"/>
           </a:p>
         </p:txBody>
       </p:sp>
@@ -2742,11 +2933,11 @@
 </file>
 
 <file path=ppt/slideLayouts/slideLayout5.xml><?xml version="1.0" encoding="utf-8"?>
-<p:sldLayout xmlns:a="http://schemas.openxmlformats.org/drawingml/2006/main" xmlns:r="http://schemas.openxmlformats.org/officeDocument/2006/relationships" xmlns:mc="http://schemas.openxmlformats.org/markup-compatibility/2006" xmlns:mv="urn:schemas-microsoft-com:mac:vml" xmlns:p="http://schemas.openxmlformats.org/presentationml/2006/main" xmlns:c="http://schemas.openxmlformats.org/drawingml/2006/chart" xmlns:dgm="http://schemas.openxmlformats.org/drawingml/2006/diagram" xmlns:o="urn:schemas-microsoft-com:office:office" xmlns:v="urn:schemas-microsoft-com:vml" xmlns:pvml="urn:schemas-microsoft-com:office:powerpoint" xmlns:com="http://schemas.openxmlformats.org/drawingml/2006/compatibility" xmlns:p14="http://schemas.microsoft.com/office/powerpoint/2010/main">
+<p:sldLayout xmlns:a="http://schemas.openxmlformats.org/drawingml/2006/main" xmlns:r="http://schemas.openxmlformats.org/officeDocument/2006/relationships" xmlns:p="http://schemas.openxmlformats.org/presentationml/2006/main">
   <p:cSld name="Caption">
     <p:spTree>
       <p:nvGrpSpPr>
-        <p:cNvPr id="33" name="Shape 33"/>
+        <p:cNvPr id="1" name="Shape 33"/>
         <p:cNvGrpSpPr/>
         <p:nvPr/>
       </p:nvGrpSpPr>
@@ -2761,9 +2952,11 @@
       <p:sp>
         <p:nvSpPr>
           <p:cNvPr id="34" name="Shape 34"/>
-          <p:cNvSpPr txBox="1"/>
+          <p:cNvSpPr txBox="1">
+            <a:spLocks noGrp="1"/>
+          </p:cNvSpPr>
           <p:nvPr>
-            <p:ph idx="1" type="body"/>
+            <p:ph type="body" idx="1"/>
           </p:nvPr>
         </p:nvSpPr>
         <p:spPr>
@@ -2776,7 +2969,7 @@
           </a:prstGeom>
         </p:spPr>
         <p:txBody>
-          <a:bodyPr anchorCtr="0" anchor="t" bIns="91425" lIns="91425" rIns="91425" tIns="91425"/>
+          <a:bodyPr lIns="91425" tIns="91425" rIns="91425" bIns="91425" anchor="t" anchorCtr="0"/>
           <a:lstStyle>
             <a:lvl1pPr>
               <a:spcBef>
@@ -2787,14 +2980,16 @@
               </a:buClr>
               <a:buSzPct val="100000"/>
               <a:buNone/>
-              <a:defRPr b="1" sz="2400">
+              <a:defRPr sz="2400" b="1">
                 <a:solidFill>
                   <a:schemeClr val="lt1"/>
                 </a:solidFill>
               </a:defRPr>
             </a:lvl1pPr>
           </a:lstStyle>
-          <a:p/>
+          <a:p>
+            <a:endParaRPr/>
+          </a:p>
         </p:txBody>
       </p:sp>
       <p:sp>
@@ -2810,7 +3005,7 @@
           </a:xfrm>
           <a:prstGeom prst="roundRect">
             <a:avLst>
-              <a:gd fmla="val 2776" name="adj"/>
+              <a:gd name="adj" fmla="val 2776"/>
             </a:avLst>
           </a:prstGeom>
           <a:solidFill>
@@ -2821,7 +3016,7 @@
           </a:ln>
         </p:spPr>
         <p:txBody>
-          <a:bodyPr anchorCtr="0" anchor="ctr" bIns="45700" lIns="91425" rIns="91425" tIns="45700">
+          <a:bodyPr lIns="91425" tIns="45700" rIns="91425" bIns="45700" anchor="ctr" anchorCtr="0">
             <a:noAutofit/>
           </a:bodyPr>
           <a:lstStyle/>
@@ -2832,9 +3027,6 @@
               </a:spcBef>
               <a:buNone/>
             </a:pPr>
-            <a:r>
-              <a:t/>
-            </a:r>
             <a:endParaRPr/>
           </a:p>
         </p:txBody>
@@ -2842,9 +3034,11 @@
       <p:sp>
         <p:nvSpPr>
           <p:cNvPr id="36" name="Shape 36"/>
-          <p:cNvSpPr txBox="1"/>
+          <p:cNvSpPr txBox="1">
+            <a:spLocks noGrp="1"/>
+          </p:cNvSpPr>
           <p:nvPr>
-            <p:ph idx="12" type="sldNum"/>
+            <p:ph type="sldNum" idx="12"/>
           </p:nvPr>
         </p:nvSpPr>
         <p:spPr>
@@ -2857,7 +3051,7 @@
           </a:prstGeom>
         </p:spPr>
         <p:txBody>
-          <a:bodyPr anchorCtr="0" anchor="ctr" bIns="91425" lIns="91425" rIns="91425" tIns="91425">
+          <a:bodyPr lIns="91425" tIns="91425" rIns="91425" bIns="91425" anchor="ctr" anchorCtr="0">
             <a:noAutofit/>
           </a:bodyPr>
           <a:lstStyle>
@@ -2880,6 +3074,7 @@
               <a:rPr lang="en"/>
               <a:t>‹#›</a:t>
             </a:fld>
+            <a:endParaRPr lang="en"/>
           </a:p>
         </p:txBody>
       </p:sp>
@@ -2892,11 +3087,11 @@
 </file>
 
 <file path=ppt/slideLayouts/slideLayout6.xml><?xml version="1.0" encoding="utf-8"?>
-<p:sldLayout xmlns:a="http://schemas.openxmlformats.org/drawingml/2006/main" xmlns:r="http://schemas.openxmlformats.org/officeDocument/2006/relationships" xmlns:mc="http://schemas.openxmlformats.org/markup-compatibility/2006" xmlns:mv="urn:schemas-microsoft-com:mac:vml" xmlns:p="http://schemas.openxmlformats.org/presentationml/2006/main" xmlns:c="http://schemas.openxmlformats.org/drawingml/2006/chart" xmlns:dgm="http://schemas.openxmlformats.org/drawingml/2006/diagram" xmlns:o="urn:schemas-microsoft-com:office:office" xmlns:v="urn:schemas-microsoft-com:vml" xmlns:pvml="urn:schemas-microsoft-com:office:powerpoint" xmlns:com="http://schemas.openxmlformats.org/drawingml/2006/compatibility" xmlns:p14="http://schemas.microsoft.com/office/powerpoint/2010/main" type="blank">
+<p:sldLayout xmlns:a="http://schemas.openxmlformats.org/drawingml/2006/main" xmlns:r="http://schemas.openxmlformats.org/officeDocument/2006/relationships" xmlns:p="http://schemas.openxmlformats.org/presentationml/2006/main" type="blank">
   <p:cSld name="Blank">
     <p:spTree>
       <p:nvGrpSpPr>
-        <p:cNvPr id="37" name="Shape 37"/>
+        <p:cNvPr id="1" name="Shape 37"/>
         <p:cNvGrpSpPr/>
         <p:nvPr/>
       </p:nvGrpSpPr>
@@ -2921,7 +3116,7 @@
           </a:xfrm>
           <a:prstGeom prst="roundRect">
             <a:avLst>
-              <a:gd fmla="val 2255" name="adj"/>
+              <a:gd name="adj" fmla="val 2255"/>
             </a:avLst>
           </a:prstGeom>
           <a:solidFill>
@@ -2932,7 +3127,7 @@
           </a:ln>
         </p:spPr>
         <p:txBody>
-          <a:bodyPr anchorCtr="0" anchor="ctr" bIns="45700" lIns="91425" rIns="91425" tIns="45700">
+          <a:bodyPr lIns="91425" tIns="45700" rIns="91425" bIns="45700" anchor="ctr" anchorCtr="0">
             <a:noAutofit/>
           </a:bodyPr>
           <a:lstStyle/>
@@ -2943,9 +3138,6 @@
               </a:spcBef>
               <a:buNone/>
             </a:pPr>
-            <a:r>
-              <a:t/>
-            </a:r>
             <a:endParaRPr/>
           </a:p>
         </p:txBody>
@@ -2953,9 +3145,11 @@
       <p:sp>
         <p:nvSpPr>
           <p:cNvPr id="39" name="Shape 39"/>
-          <p:cNvSpPr txBox="1"/>
+          <p:cNvSpPr txBox="1">
+            <a:spLocks noGrp="1"/>
+          </p:cNvSpPr>
           <p:nvPr>
-            <p:ph idx="12" type="sldNum"/>
+            <p:ph type="sldNum" idx="12"/>
           </p:nvPr>
         </p:nvSpPr>
         <p:spPr>
@@ -2968,7 +3162,7 @@
           </a:prstGeom>
         </p:spPr>
         <p:txBody>
-          <a:bodyPr anchorCtr="0" anchor="ctr" bIns="91425" lIns="91425" rIns="91425" tIns="91425">
+          <a:bodyPr lIns="91425" tIns="91425" rIns="91425" bIns="91425" anchor="ctr" anchorCtr="0">
             <a:noAutofit/>
           </a:bodyPr>
           <a:lstStyle>
@@ -2991,6 +3185,7 @@
               <a:rPr lang="en"/>
               <a:t>‹#›</a:t>
             </a:fld>
+            <a:endParaRPr lang="en"/>
           </a:p>
         </p:txBody>
       </p:sp>
@@ -3003,18 +3198,19 @@
 </file>
 
 <file path=ppt/slideMasters/slideMaster1.xml><?xml version="1.0" encoding="utf-8"?>
-<p:sldMaster xmlns:a="http://schemas.openxmlformats.org/drawingml/2006/main" xmlns:r="http://schemas.openxmlformats.org/officeDocument/2006/relationships" xmlns:mc="http://schemas.openxmlformats.org/markup-compatibility/2006" xmlns:mv="urn:schemas-microsoft-com:mac:vml" xmlns:p="http://schemas.openxmlformats.org/presentationml/2006/main" xmlns:c="http://schemas.openxmlformats.org/drawingml/2006/chart" xmlns:dgm="http://schemas.openxmlformats.org/drawingml/2006/diagram" xmlns:o="urn:schemas-microsoft-com:office:office" xmlns:v="urn:schemas-microsoft-com:vml" xmlns:pvml="urn:schemas-microsoft-com:office:powerpoint" xmlns:com="http://schemas.openxmlformats.org/drawingml/2006/compatibility" xmlns:p14="http://schemas.microsoft.com/office/powerpoint/2010/main">
+<p:sldMaster xmlns:a="http://schemas.openxmlformats.org/drawingml/2006/main" xmlns:r="http://schemas.openxmlformats.org/officeDocument/2006/relationships" xmlns:p="http://schemas.openxmlformats.org/presentationml/2006/main">
   <p:cSld>
     <p:bg>
       <p:bgPr>
         <a:solidFill>
           <a:schemeClr val="dk2"/>
         </a:solidFill>
+        <a:effectLst/>
       </p:bgPr>
     </p:bg>
     <p:spTree>
       <p:nvGrpSpPr>
-        <p:cNvPr id="4" name="Shape 4"/>
+        <p:cNvPr id="1" name="Shape 4"/>
         <p:cNvGrpSpPr/>
         <p:nvPr/>
       </p:nvGrpSpPr>
@@ -3029,7 +3225,9 @@
       <p:sp>
         <p:nvSpPr>
           <p:cNvPr id="5" name="Shape 5"/>
-          <p:cNvSpPr txBox="1"/>
+          <p:cNvSpPr txBox="1">
+            <a:spLocks noGrp="1"/>
+          </p:cNvSpPr>
           <p:nvPr>
             <p:ph type="title"/>
           </p:nvPr>
@@ -3048,7 +3246,7 @@
           </a:ln>
         </p:spPr>
         <p:txBody>
-          <a:bodyPr anchorCtr="0" anchor="b" bIns="91425" lIns="91425" rIns="91425" tIns="91425"/>
+          <a:bodyPr lIns="91425" tIns="91425" rIns="91425" bIns="91425" anchor="b" anchorCtr="0"/>
           <a:lstStyle>
             <a:lvl1pPr>
               <a:spcBef>
@@ -3059,7 +3257,7 @@
               </a:buClr>
               <a:buSzPct val="100000"/>
               <a:buNone/>
-              <a:defRPr b="1" sz="3600">
+              <a:defRPr sz="3600" b="1">
                 <a:solidFill>
                   <a:schemeClr val="dk2"/>
                 </a:solidFill>
@@ -3074,7 +3272,7 @@
               </a:buClr>
               <a:buSzPct val="100000"/>
               <a:buNone/>
-              <a:defRPr b="1" sz="3600">
+              <a:defRPr sz="3600" b="1">
                 <a:solidFill>
                   <a:schemeClr val="dk2"/>
                 </a:solidFill>
@@ -3089,7 +3287,7 @@
               </a:buClr>
               <a:buSzPct val="100000"/>
               <a:buNone/>
-              <a:defRPr b="1" sz="3600">
+              <a:defRPr sz="3600" b="1">
                 <a:solidFill>
                   <a:schemeClr val="dk2"/>
                 </a:solidFill>
@@ -3104,7 +3302,7 @@
               </a:buClr>
               <a:buSzPct val="100000"/>
               <a:buNone/>
-              <a:defRPr b="1" sz="3600">
+              <a:defRPr sz="3600" b="1">
                 <a:solidFill>
                   <a:schemeClr val="dk2"/>
                 </a:solidFill>
@@ -3119,7 +3317,7 @@
               </a:buClr>
               <a:buSzPct val="100000"/>
               <a:buNone/>
-              <a:defRPr b="1" sz="3600">
+              <a:defRPr sz="3600" b="1">
                 <a:solidFill>
                   <a:schemeClr val="dk2"/>
                 </a:solidFill>
@@ -3134,7 +3332,7 @@
               </a:buClr>
               <a:buSzPct val="100000"/>
               <a:buNone/>
-              <a:defRPr b="1" sz="3600">
+              <a:defRPr sz="3600" b="1">
                 <a:solidFill>
                   <a:schemeClr val="dk2"/>
                 </a:solidFill>
@@ -3149,7 +3347,7 @@
               </a:buClr>
               <a:buSzPct val="100000"/>
               <a:buNone/>
-              <a:defRPr b="1" sz="3600">
+              <a:defRPr sz="3600" b="1">
                 <a:solidFill>
                   <a:schemeClr val="dk2"/>
                 </a:solidFill>
@@ -3164,7 +3362,7 @@
               </a:buClr>
               <a:buSzPct val="100000"/>
               <a:buNone/>
-              <a:defRPr b="1" sz="3600">
+              <a:defRPr sz="3600" b="1">
                 <a:solidFill>
                   <a:schemeClr val="dk2"/>
                 </a:solidFill>
@@ -3179,22 +3377,26 @@
               </a:buClr>
               <a:buSzPct val="100000"/>
               <a:buNone/>
-              <a:defRPr b="1" sz="3600">
+              <a:defRPr sz="3600" b="1">
                 <a:solidFill>
                   <a:schemeClr val="dk2"/>
                 </a:solidFill>
               </a:defRPr>
             </a:lvl9pPr>
           </a:lstStyle>
-          <a:p/>
+          <a:p>
+            <a:endParaRPr/>
+          </a:p>
         </p:txBody>
       </p:sp>
       <p:sp>
         <p:nvSpPr>
           <p:cNvPr id="6" name="Shape 6"/>
-          <p:cNvSpPr txBox="1"/>
+          <p:cNvSpPr txBox="1">
+            <a:spLocks noGrp="1"/>
+          </p:cNvSpPr>
           <p:nvPr>
-            <p:ph idx="1" type="body"/>
+            <p:ph type="body" idx="1"/>
           </p:nvPr>
         </p:nvSpPr>
         <p:spPr>
@@ -3211,7 +3413,7 @@
           </a:ln>
         </p:spPr>
         <p:txBody>
-          <a:bodyPr anchorCtr="0" anchor="t" bIns="91425" lIns="91425" rIns="91425" tIns="91425"/>
+          <a:bodyPr lIns="91425" tIns="91425" rIns="91425" bIns="91425" anchor="t" anchorCtr="0"/>
           <a:lstStyle>
             <a:lvl1pPr>
               <a:spcBef>
@@ -3340,15 +3542,19 @@
               </a:defRPr>
             </a:lvl9pPr>
           </a:lstStyle>
-          <a:p/>
+          <a:p>
+            <a:endParaRPr/>
+          </a:p>
         </p:txBody>
       </p:sp>
       <p:sp>
         <p:nvSpPr>
           <p:cNvPr id="7" name="Shape 7"/>
-          <p:cNvSpPr txBox="1"/>
+          <p:cNvSpPr txBox="1">
+            <a:spLocks noGrp="1"/>
+          </p:cNvSpPr>
           <p:nvPr>
-            <p:ph idx="12" type="sldNum"/>
+            <p:ph type="sldNum" idx="12"/>
           </p:nvPr>
         </p:nvSpPr>
         <p:spPr>
@@ -3365,7 +3571,7 @@
           </a:ln>
         </p:spPr>
         <p:txBody>
-          <a:bodyPr anchorCtr="0" anchor="ctr" bIns="91425" lIns="91425" rIns="91425" tIns="91425">
+          <a:bodyPr lIns="91425" tIns="91425" rIns="91425" bIns="91425" anchor="ctr" anchorCtr="0">
             <a:noAutofit/>
           </a:bodyPr>
           <a:lstStyle>
@@ -3392,12 +3598,13 @@
               <a:rPr lang="en"/>
               <a:t>‹#›</a:t>
             </a:fld>
+            <a:endParaRPr lang="en"/>
           </a:p>
         </p:txBody>
       </p:sp>
     </p:spTree>
   </p:cSld>
-  <p:clrMap accent1="accent1" accent2="accent2" accent3="accent3" accent4="accent4" accent5="accent5" accent6="accent6" bg1="lt1" bg2="dk2" tx1="dk1" tx2="lt2" folHlink="folHlink" hlink="hlink"/>
+  <p:clrMap bg1="lt1" tx1="dk1" bg2="dk2" tx2="lt2" accent1="accent1" accent2="accent2" accent3="accent3" accent4="accent4" accent5="accent5" accent6="accent6" hlink="hlink" folHlink="folHlink"/>
   <p:sldLayoutIdLst>
     <p:sldLayoutId id="2147483648" r:id="rId1"/>
     <p:sldLayoutId id="2147483649" r:id="rId2"/>
@@ -3406,10 +3613,10 @@
     <p:sldLayoutId id="2147483652" r:id="rId5"/>
     <p:sldLayoutId id="2147483653" r:id="rId6"/>
   </p:sldLayoutIdLst>
-  <p:hf dt="0" ftr="0" hdr="0" sldNum="0"/>
+  <p:hf sldNum="0" hdr="0" ftr="0" dt="0"/>
   <p:txStyles>
     <p:titleStyle>
-      <a:defPPr marR="0" rtl="0" algn="l">
+      <a:defPPr marR="0" algn="l" rtl="0">
         <a:lnSpc>
           <a:spcPct val="100000"/>
         </a:lnSpc>
@@ -3420,7 +3627,7 @@
           <a:spcPts val="0"/>
         </a:spcAft>
       </a:defPPr>
-      <a:lvl1pPr marR="0" rtl="0" algn="l">
+      <a:lvl1pPr marR="0" algn="l" rtl="0">
         <a:lnSpc>
           <a:spcPct val="100000"/>
         </a:lnSpc>
@@ -3431,7 +3638,7 @@
           <a:spcPts val="0"/>
         </a:spcAft>
         <a:buNone/>
-        <a:defRPr b="0" baseline="0" i="0" sz="1400" u="none" cap="none" strike="noStrike">
+        <a:defRPr sz="1400" b="0" i="0" u="none" strike="noStrike" cap="none" baseline="0">
           <a:solidFill>
             <a:srgbClr val="000000"/>
           </a:solidFill>
@@ -3442,7 +3649,7 @@
           <a:rtl val="0"/>
         </a:defRPr>
       </a:lvl1pPr>
-      <a:lvl2pPr marR="0" rtl="0" algn="l">
+      <a:lvl2pPr marR="0" algn="l" rtl="0">
         <a:lnSpc>
           <a:spcPct val="100000"/>
         </a:lnSpc>
@@ -3453,7 +3660,7 @@
           <a:spcPts val="0"/>
         </a:spcAft>
         <a:buNone/>
-        <a:defRPr b="0" baseline="0" i="0" sz="1400" u="none" cap="none" strike="noStrike">
+        <a:defRPr sz="1400" b="0" i="0" u="none" strike="noStrike" cap="none" baseline="0">
           <a:solidFill>
             <a:srgbClr val="000000"/>
           </a:solidFill>
@@ -3466,7 +3673,7 @@
       </a:lvl2pPr>
     </p:titleStyle>
     <p:bodyStyle>
-      <a:defPPr marR="0" rtl="0" algn="l">
+      <a:defPPr marR="0" algn="l" rtl="0">
         <a:lnSpc>
           <a:spcPct val="100000"/>
         </a:lnSpc>
@@ -3477,7 +3684,7 @@
           <a:spcPts val="0"/>
         </a:spcAft>
       </a:defPPr>
-      <a:lvl1pPr marR="0" rtl="0" algn="l">
+      <a:lvl1pPr marR="0" algn="l" rtl="0">
         <a:lnSpc>
           <a:spcPct val="100000"/>
         </a:lnSpc>
@@ -3488,7 +3695,7 @@
           <a:spcPts val="0"/>
         </a:spcAft>
         <a:buNone/>
-        <a:defRPr b="0" baseline="0" i="0" sz="1400" u="none" cap="none" strike="noStrike">
+        <a:defRPr sz="1400" b="0" i="0" u="none" strike="noStrike" cap="none" baseline="0">
           <a:solidFill>
             <a:srgbClr val="000000"/>
           </a:solidFill>
@@ -3499,7 +3706,7 @@
           <a:rtl val="0"/>
         </a:defRPr>
       </a:lvl1pPr>
-      <a:lvl2pPr marR="0" rtl="0" algn="l">
+      <a:lvl2pPr marR="0" algn="l" rtl="0">
         <a:lnSpc>
           <a:spcPct val="100000"/>
         </a:lnSpc>
@@ -3510,7 +3717,7 @@
           <a:spcPts val="0"/>
         </a:spcAft>
         <a:buNone/>
-        <a:defRPr b="0" baseline="0" i="0" sz="1400" u="none" cap="none" strike="noStrike">
+        <a:defRPr sz="1400" b="0" i="0" u="none" strike="noStrike" cap="none" baseline="0">
           <a:solidFill>
             <a:srgbClr val="000000"/>
           </a:solidFill>
@@ -3521,7 +3728,7 @@
           <a:rtl val="0"/>
         </a:defRPr>
       </a:lvl2pPr>
-      <a:lvl3pPr marR="0" rtl="0" algn="l">
+      <a:lvl3pPr marR="0" algn="l" rtl="0">
         <a:lnSpc>
           <a:spcPct val="100000"/>
         </a:lnSpc>
@@ -3532,7 +3739,7 @@
           <a:spcPts val="0"/>
         </a:spcAft>
         <a:buNone/>
-        <a:defRPr b="0" baseline="0" i="0" sz="1400" u="none" cap="none" strike="noStrike">
+        <a:defRPr sz="1400" b="0" i="0" u="none" strike="noStrike" cap="none" baseline="0">
           <a:solidFill>
             <a:srgbClr val="000000"/>
           </a:solidFill>
@@ -3543,7 +3750,7 @@
           <a:rtl val="0"/>
         </a:defRPr>
       </a:lvl3pPr>
-      <a:lvl4pPr marR="0" rtl="0" algn="l">
+      <a:lvl4pPr marR="0" algn="l" rtl="0">
         <a:lnSpc>
           <a:spcPct val="100000"/>
         </a:lnSpc>
@@ -3554,7 +3761,7 @@
           <a:spcPts val="0"/>
         </a:spcAft>
         <a:buNone/>
-        <a:defRPr b="0" baseline="0" i="0" sz="1400" u="none" cap="none" strike="noStrike">
+        <a:defRPr sz="1400" b="0" i="0" u="none" strike="noStrike" cap="none" baseline="0">
           <a:solidFill>
             <a:srgbClr val="000000"/>
           </a:solidFill>
@@ -3565,7 +3772,7 @@
           <a:rtl val="0"/>
         </a:defRPr>
       </a:lvl4pPr>
-      <a:lvl5pPr marR="0" rtl="0" algn="l">
+      <a:lvl5pPr marR="0" algn="l" rtl="0">
         <a:lnSpc>
           <a:spcPct val="100000"/>
         </a:lnSpc>
@@ -3576,7 +3783,7 @@
           <a:spcPts val="0"/>
         </a:spcAft>
         <a:buNone/>
-        <a:defRPr b="0" baseline="0" i="0" sz="1400" u="none" cap="none" strike="noStrike">
+        <a:defRPr sz="1400" b="0" i="0" u="none" strike="noStrike" cap="none" baseline="0">
           <a:solidFill>
             <a:srgbClr val="000000"/>
           </a:solidFill>
@@ -3587,7 +3794,7 @@
           <a:rtl val="0"/>
         </a:defRPr>
       </a:lvl5pPr>
-      <a:lvl6pPr marR="0" rtl="0" algn="l">
+      <a:lvl6pPr marR="0" algn="l" rtl="0">
         <a:lnSpc>
           <a:spcPct val="100000"/>
         </a:lnSpc>
@@ -3598,7 +3805,7 @@
           <a:spcPts val="0"/>
         </a:spcAft>
         <a:buNone/>
-        <a:defRPr b="0" baseline="0" i="0" sz="1400" u="none" cap="none" strike="noStrike">
+        <a:defRPr sz="1400" b="0" i="0" u="none" strike="noStrike" cap="none" baseline="0">
           <a:solidFill>
             <a:srgbClr val="000000"/>
           </a:solidFill>
@@ -3609,7 +3816,7 @@
           <a:rtl val="0"/>
         </a:defRPr>
       </a:lvl6pPr>
-      <a:lvl7pPr marR="0" rtl="0" algn="l">
+      <a:lvl7pPr marR="0" algn="l" rtl="0">
         <a:lnSpc>
           <a:spcPct val="100000"/>
         </a:lnSpc>
@@ -3620,7 +3827,7 @@
           <a:spcPts val="0"/>
         </a:spcAft>
         <a:buNone/>
-        <a:defRPr b="0" baseline="0" i="0" sz="1400" u="none" cap="none" strike="noStrike">
+        <a:defRPr sz="1400" b="0" i="0" u="none" strike="noStrike" cap="none" baseline="0">
           <a:solidFill>
             <a:srgbClr val="000000"/>
           </a:solidFill>
@@ -3631,7 +3838,7 @@
           <a:rtl val="0"/>
         </a:defRPr>
       </a:lvl7pPr>
-      <a:lvl8pPr marR="0" rtl="0" algn="l">
+      <a:lvl8pPr marR="0" algn="l" rtl="0">
         <a:lnSpc>
           <a:spcPct val="100000"/>
         </a:lnSpc>
@@ -3642,7 +3849,7 @@
           <a:spcPts val="0"/>
         </a:spcAft>
         <a:buNone/>
-        <a:defRPr b="0" baseline="0" i="0" sz="1400" u="none" cap="none" strike="noStrike">
+        <a:defRPr sz="1400" b="0" i="0" u="none" strike="noStrike" cap="none" baseline="0">
           <a:solidFill>
             <a:srgbClr val="000000"/>
           </a:solidFill>
@@ -3653,7 +3860,7 @@
           <a:rtl val="0"/>
         </a:defRPr>
       </a:lvl8pPr>
-      <a:lvl9pPr marR="0" rtl="0" algn="l">
+      <a:lvl9pPr marR="0" algn="l" rtl="0">
         <a:lnSpc>
           <a:spcPct val="100000"/>
         </a:lnSpc>
@@ -3664,7 +3871,7 @@
           <a:spcPts val="0"/>
         </a:spcAft>
         <a:buNone/>
-        <a:defRPr b="0" baseline="0" i="0" sz="1400" u="none" cap="none" strike="noStrike">
+        <a:defRPr sz="1400" b="0" i="0" u="none" strike="noStrike" cap="none" baseline="0">
           <a:solidFill>
             <a:srgbClr val="000000"/>
           </a:solidFill>
@@ -3677,7 +3884,7 @@
       </a:lvl9pPr>
     </p:bodyStyle>
     <p:otherStyle>
-      <a:defPPr marR="0" rtl="0" algn="l">
+      <a:defPPr marR="0" algn="l" rtl="0">
         <a:lnSpc>
           <a:spcPct val="100000"/>
         </a:lnSpc>
@@ -3688,7 +3895,7 @@
           <a:spcPts val="0"/>
         </a:spcAft>
       </a:defPPr>
-      <a:lvl1pPr marR="0" rtl="0" algn="l">
+      <a:lvl1pPr marR="0" algn="l" rtl="0">
         <a:lnSpc>
           <a:spcPct val="100000"/>
         </a:lnSpc>
@@ -3699,7 +3906,7 @@
           <a:spcPts val="0"/>
         </a:spcAft>
         <a:buNone/>
-        <a:defRPr b="0" baseline="0" i="0" sz="1400" u="none" cap="none" strike="noStrike">
+        <a:defRPr sz="1400" b="0" i="0" u="none" strike="noStrike" cap="none" baseline="0">
           <a:solidFill>
             <a:srgbClr val="000000"/>
           </a:solidFill>
@@ -3710,7 +3917,7 @@
           <a:rtl val="0"/>
         </a:defRPr>
       </a:lvl1pPr>
-      <a:lvl2pPr marR="0" rtl="0" algn="l">
+      <a:lvl2pPr marR="0" algn="l" rtl="0">
         <a:lnSpc>
           <a:spcPct val="100000"/>
         </a:lnSpc>
@@ -3721,7 +3928,7 @@
           <a:spcPts val="0"/>
         </a:spcAft>
         <a:buNone/>
-        <a:defRPr b="0" baseline="0" i="0" sz="1400" u="none" cap="none" strike="noStrike">
+        <a:defRPr sz="1400" b="0" i="0" u="none" strike="noStrike" cap="none" baseline="0">
           <a:solidFill>
             <a:srgbClr val="000000"/>
           </a:solidFill>
@@ -3732,7 +3939,7 @@
           <a:rtl val="0"/>
         </a:defRPr>
       </a:lvl2pPr>
-      <a:lvl3pPr marR="0" rtl="0" algn="l">
+      <a:lvl3pPr marR="0" algn="l" rtl="0">
         <a:lnSpc>
           <a:spcPct val="100000"/>
         </a:lnSpc>
@@ -3743,7 +3950,7 @@
           <a:spcPts val="0"/>
         </a:spcAft>
         <a:buNone/>
-        <a:defRPr b="0" baseline="0" i="0" sz="1400" u="none" cap="none" strike="noStrike">
+        <a:defRPr sz="1400" b="0" i="0" u="none" strike="noStrike" cap="none" baseline="0">
           <a:solidFill>
             <a:srgbClr val="000000"/>
           </a:solidFill>
@@ -3754,7 +3961,7 @@
           <a:rtl val="0"/>
         </a:defRPr>
       </a:lvl3pPr>
-      <a:lvl4pPr marR="0" rtl="0" algn="l">
+      <a:lvl4pPr marR="0" algn="l" rtl="0">
         <a:lnSpc>
           <a:spcPct val="100000"/>
         </a:lnSpc>
@@ -3765,7 +3972,7 @@
           <a:spcPts val="0"/>
         </a:spcAft>
         <a:buNone/>
-        <a:defRPr b="0" baseline="0" i="0" sz="1400" u="none" cap="none" strike="noStrike">
+        <a:defRPr sz="1400" b="0" i="0" u="none" strike="noStrike" cap="none" baseline="0">
           <a:solidFill>
             <a:srgbClr val="000000"/>
           </a:solidFill>
@@ -3776,7 +3983,7 @@
           <a:rtl val="0"/>
         </a:defRPr>
       </a:lvl4pPr>
-      <a:lvl5pPr marR="0" rtl="0" algn="l">
+      <a:lvl5pPr marR="0" algn="l" rtl="0">
         <a:lnSpc>
           <a:spcPct val="100000"/>
         </a:lnSpc>
@@ -3787,7 +3994,7 @@
           <a:spcPts val="0"/>
         </a:spcAft>
         <a:buNone/>
-        <a:defRPr b="0" baseline="0" i="0" sz="1400" u="none" cap="none" strike="noStrike">
+        <a:defRPr sz="1400" b="0" i="0" u="none" strike="noStrike" cap="none" baseline="0">
           <a:solidFill>
             <a:srgbClr val="000000"/>
           </a:solidFill>
@@ -3798,7 +4005,7 @@
           <a:rtl val="0"/>
         </a:defRPr>
       </a:lvl5pPr>
-      <a:lvl6pPr marR="0" rtl="0" algn="l">
+      <a:lvl6pPr marR="0" algn="l" rtl="0">
         <a:lnSpc>
           <a:spcPct val="100000"/>
         </a:lnSpc>
@@ -3809,7 +4016,7 @@
           <a:spcPts val="0"/>
         </a:spcAft>
         <a:buNone/>
-        <a:defRPr b="0" baseline="0" i="0" sz="1400" u="none" cap="none" strike="noStrike">
+        <a:defRPr sz="1400" b="0" i="0" u="none" strike="noStrike" cap="none" baseline="0">
           <a:solidFill>
             <a:srgbClr val="000000"/>
           </a:solidFill>
@@ -3820,7 +4027,7 @@
           <a:rtl val="0"/>
         </a:defRPr>
       </a:lvl6pPr>
-      <a:lvl7pPr marR="0" rtl="0" algn="l">
+      <a:lvl7pPr marR="0" algn="l" rtl="0">
         <a:lnSpc>
           <a:spcPct val="100000"/>
         </a:lnSpc>
@@ -3831,7 +4038,7 @@
           <a:spcPts val="0"/>
         </a:spcAft>
         <a:buNone/>
-        <a:defRPr b="0" baseline="0" i="0" sz="1400" u="none" cap="none" strike="noStrike">
+        <a:defRPr sz="1400" b="0" i="0" u="none" strike="noStrike" cap="none" baseline="0">
           <a:solidFill>
             <a:srgbClr val="000000"/>
           </a:solidFill>
@@ -3842,7 +4049,7 @@
           <a:rtl val="0"/>
         </a:defRPr>
       </a:lvl7pPr>
-      <a:lvl8pPr marR="0" rtl="0" algn="l">
+      <a:lvl8pPr marR="0" algn="l" rtl="0">
         <a:lnSpc>
           <a:spcPct val="100000"/>
         </a:lnSpc>
@@ -3853,7 +4060,7 @@
           <a:spcPts val="0"/>
         </a:spcAft>
         <a:buNone/>
-        <a:defRPr b="0" baseline="0" i="0" sz="1400" u="none" cap="none" strike="noStrike">
+        <a:defRPr sz="1400" b="0" i="0" u="none" strike="noStrike" cap="none" baseline="0">
           <a:solidFill>
             <a:srgbClr val="000000"/>
           </a:solidFill>
@@ -3864,7 +4071,7 @@
           <a:rtl val="0"/>
         </a:defRPr>
       </a:lvl8pPr>
-      <a:lvl9pPr marR="0" rtl="0" algn="l">
+      <a:lvl9pPr marR="0" algn="l" rtl="0">
         <a:lnSpc>
           <a:spcPct val="100000"/>
         </a:lnSpc>
@@ -3875,7 +4082,7 @@
           <a:spcPts val="0"/>
         </a:spcAft>
         <a:buNone/>
-        <a:defRPr b="0" baseline="0" i="0" sz="1400" u="none" cap="none" strike="noStrike">
+        <a:defRPr sz="1400" b="0" i="0" u="none" strike="noStrike" cap="none" baseline="0">
           <a:solidFill>
             <a:srgbClr val="000000"/>
           </a:solidFill>
@@ -3892,11 +4099,11 @@
 </file>
 
 <file path=ppt/slides/slide1.xml><?xml version="1.0" encoding="utf-8"?>
-<p:sld xmlns:a="http://schemas.openxmlformats.org/drawingml/2006/main" xmlns:r="http://schemas.openxmlformats.org/officeDocument/2006/relationships" xmlns:mc="http://schemas.openxmlformats.org/markup-compatibility/2006" xmlns:mv="urn:schemas-microsoft-com:mac:vml" xmlns:p="http://schemas.openxmlformats.org/presentationml/2006/main" xmlns:c="http://schemas.openxmlformats.org/drawingml/2006/chart" xmlns:dgm="http://schemas.openxmlformats.org/drawingml/2006/diagram" xmlns:o="urn:schemas-microsoft-com:office:office" xmlns:v="urn:schemas-microsoft-com:vml" xmlns:pvml="urn:schemas-microsoft-com:office:powerpoint" xmlns:com="http://schemas.openxmlformats.org/drawingml/2006/compatibility" xmlns:p14="http://schemas.microsoft.com/office/powerpoint/2010/main">
+<p:sld xmlns:a="http://schemas.openxmlformats.org/drawingml/2006/main" xmlns:r="http://schemas.openxmlformats.org/officeDocument/2006/relationships" xmlns:p="http://schemas.openxmlformats.org/presentationml/2006/main">
   <p:cSld>
     <p:spTree>
       <p:nvGrpSpPr>
-        <p:cNvPr id="40" name="Shape 40"/>
+        <p:cNvPr id="1" name="Shape 40"/>
         <p:cNvGrpSpPr/>
         <p:nvPr/>
       </p:nvGrpSpPr>
@@ -3911,7 +4118,9 @@
       <p:sp>
         <p:nvSpPr>
           <p:cNvPr id="41" name="Shape 41"/>
-          <p:cNvSpPr txBox="1"/>
+          <p:cNvSpPr txBox="1">
+            <a:spLocks noGrp="1"/>
+          </p:cNvSpPr>
           <p:nvPr>
             <p:ph type="ctrTitle"/>
           </p:nvPr>
@@ -3926,7 +4135,7 @@
           </a:prstGeom>
         </p:spPr>
         <p:txBody>
-          <a:bodyPr anchorCtr="0" anchor="b" bIns="91425" lIns="91425" rIns="91425" tIns="91425">
+          <a:bodyPr lIns="91425" tIns="91425" rIns="91425" bIns="91425" anchor="b" anchorCtr="0">
             <a:noAutofit/>
           </a:bodyPr>
           <a:lstStyle/>
@@ -3947,9 +4156,11 @@
       <p:sp>
         <p:nvSpPr>
           <p:cNvPr id="42" name="Shape 42"/>
-          <p:cNvSpPr txBox="1"/>
+          <p:cNvSpPr txBox="1">
+            <a:spLocks noGrp="1"/>
+          </p:cNvSpPr>
           <p:nvPr>
-            <p:ph idx="1" type="subTitle"/>
+            <p:ph type="subTitle" idx="1"/>
           </p:nvPr>
         </p:nvSpPr>
         <p:spPr>
@@ -3962,7 +4173,7 @@
           </a:prstGeom>
         </p:spPr>
         <p:txBody>
-          <a:bodyPr anchorCtr="0" anchor="ctr" bIns="91425" lIns="91425" rIns="91425" tIns="91425">
+          <a:bodyPr lIns="91425" tIns="91425" rIns="91425" bIns="91425" anchor="ctr" anchorCtr="0">
             <a:noAutofit/>
           </a:bodyPr>
           <a:lstStyle/>
@@ -3985,18 +4196,18 @@
   <p:clrMapOvr>
     <a:masterClrMapping/>
   </p:clrMapOvr>
-  <p:transition spd="slow">
+  <p:transition xmlns:p14="http://schemas.microsoft.com/office/powerpoint/2010/main" spd="slow">
     <p:cut/>
   </p:transition>
 </p:sld>
 </file>
 
 <file path=ppt/slides/slide10.xml><?xml version="1.0" encoding="utf-8"?>
-<p:sld xmlns:a="http://schemas.openxmlformats.org/drawingml/2006/main" xmlns:r="http://schemas.openxmlformats.org/officeDocument/2006/relationships" xmlns:mc="http://schemas.openxmlformats.org/markup-compatibility/2006" xmlns:mv="urn:schemas-microsoft-com:mac:vml" xmlns:p="http://schemas.openxmlformats.org/presentationml/2006/main" xmlns:c="http://schemas.openxmlformats.org/drawingml/2006/chart" xmlns:dgm="http://schemas.openxmlformats.org/drawingml/2006/diagram" xmlns:o="urn:schemas-microsoft-com:office:office" xmlns:v="urn:schemas-microsoft-com:vml" xmlns:pvml="urn:schemas-microsoft-com:office:powerpoint" xmlns:com="http://schemas.openxmlformats.org/drawingml/2006/compatibility" xmlns:p14="http://schemas.microsoft.com/office/powerpoint/2010/main">
+<p:sld xmlns:a="http://schemas.openxmlformats.org/drawingml/2006/main" xmlns:r="http://schemas.openxmlformats.org/officeDocument/2006/relationships" xmlns:p="http://schemas.openxmlformats.org/presentationml/2006/main">
   <p:cSld>
     <p:spTree>
       <p:nvGrpSpPr>
-        <p:cNvPr id="94" name="Shape 94"/>
+        <p:cNvPr id="1" name=""/>
         <p:cNvGrpSpPr/>
         <p:nvPr/>
       </p:nvGrpSpPr>
@@ -4010,12 +4221,132 @@
       </p:grpSpPr>
       <p:sp>
         <p:nvSpPr>
-          <p:cNvPr id="95" name="Shape 95"/>
-          <p:cNvSpPr txBox="1"/>
+          <p:cNvPr id="2" name="Title 1"/>
+          <p:cNvSpPr>
+            <a:spLocks noGrp="1"/>
+          </p:cNvSpPr>
           <p:nvPr>
             <p:ph type="title"/>
           </p:nvPr>
         </p:nvSpPr>
+        <p:spPr/>
+        <p:txBody>
+          <a:bodyPr/>
+          <a:lstStyle/>
+          <a:p>
+            <a:r>
+              <a:rPr lang="en-US" dirty="0" smtClean="0"/>
+              <a:t>Validator Plugin #1</a:t>
+            </a:r>
+            <a:endParaRPr lang="en-US" dirty="0"/>
+          </a:p>
+        </p:txBody>
+      </p:sp>
+      <p:sp>
+        <p:nvSpPr>
+          <p:cNvPr id="3" name="Text Placeholder 2"/>
+          <p:cNvSpPr>
+            <a:spLocks noGrp="1"/>
+          </p:cNvSpPr>
+          <p:nvPr>
+            <p:ph type="body" idx="1"/>
+          </p:nvPr>
+        </p:nvSpPr>
+        <p:spPr/>
+        <p:txBody>
+          <a:bodyPr/>
+          <a:lstStyle/>
+          <a:p>
+            <a:r>
+              <a:rPr lang="en-US" sz="1800" dirty="0">
+                <a:hlinkClick r:id="rId2"/>
+              </a:rPr>
+              <a:t>http://jquery-plugins.net/validator-jquery-validation-plugin-for-</a:t>
+            </a:r>
+            <a:r>
+              <a:rPr lang="en-US" sz="1800" dirty="0" smtClean="0">
+                <a:hlinkClick r:id="rId2"/>
+              </a:rPr>
+              <a:t>forms</a:t>
+            </a:r>
+            <a:endParaRPr lang="en-US" sz="1800" dirty="0" smtClean="0"/>
+          </a:p>
+          <a:p>
+            <a:endParaRPr lang="en-US" sz="1800" dirty="0"/>
+          </a:p>
+          <a:p>
+            <a:r>
+              <a:rPr lang="en-US" sz="1800" dirty="0" smtClean="0"/>
+              <a:t>Documentation: </a:t>
+            </a:r>
+          </a:p>
+          <a:p>
+            <a:endParaRPr lang="en-US" sz="1800" dirty="0"/>
+          </a:p>
+          <a:p>
+            <a:r>
+              <a:rPr lang="en-US" sz="1800" dirty="0"/>
+              <a:t>https://</a:t>
+            </a:r>
+            <a:r>
+              <a:rPr lang="en-US" sz="1800" dirty="0" err="1"/>
+              <a:t>github.com</a:t>
+            </a:r>
+            <a:r>
+              <a:rPr lang="en-US" sz="1800" dirty="0"/>
+              <a:t>/</a:t>
+            </a:r>
+            <a:r>
+              <a:rPr lang="en-US" sz="1800" dirty="0" err="1"/>
+              <a:t>FaroeMedia</a:t>
+            </a:r>
+            <a:r>
+              <a:rPr lang="en-US" sz="1800" dirty="0"/>
+              <a:t>/validator</a:t>
+            </a:r>
+          </a:p>
+        </p:txBody>
+      </p:sp>
+    </p:spTree>
+    <p:extLst>
+      <p:ext uri="{BB962C8B-B14F-4D97-AF65-F5344CB8AC3E}">
+        <p14:creationId xmlns:p14="http://schemas.microsoft.com/office/powerpoint/2010/main" val="451351736"/>
+      </p:ext>
+    </p:extLst>
+  </p:cSld>
+  <p:clrMapOvr>
+    <a:masterClrMapping/>
+  </p:clrMapOvr>
+</p:sld>
+</file>
+
+<file path=ppt/slides/slide11.xml><?xml version="1.0" encoding="utf-8"?>
+<p:sld xmlns:a="http://schemas.openxmlformats.org/drawingml/2006/main" xmlns:r="http://schemas.openxmlformats.org/officeDocument/2006/relationships" xmlns:p="http://schemas.openxmlformats.org/presentationml/2006/main">
+  <p:cSld>
+    <p:spTree>
+      <p:nvGrpSpPr>
+        <p:cNvPr id="1" name="Shape 94"/>
+        <p:cNvGrpSpPr/>
+        <p:nvPr/>
+      </p:nvGrpSpPr>
+      <p:grpSpPr>
+        <a:xfrm>
+          <a:off x="0" y="0"/>
+          <a:ext cx="0" cy="0"/>
+          <a:chOff x="0" y="0"/>
+          <a:chExt cx="0" cy="0"/>
+        </a:xfrm>
+      </p:grpSpPr>
+      <p:sp>
+        <p:nvSpPr>
+          <p:cNvPr id="95" name="Shape 95"/>
+          <p:cNvSpPr txBox="1">
+            <a:spLocks noGrp="1"/>
+          </p:cNvSpPr>
+          <p:nvPr>
+            <p:ph type="title"/>
+          </p:nvPr>
+        </p:nvSpPr>
         <p:spPr>
           <a:xfrm>
             <a:off x="457200" y="139527"/>
@@ -4026,7 +4357,7 @@
           </a:prstGeom>
         </p:spPr>
         <p:txBody>
-          <a:bodyPr anchorCtr="0" anchor="b" bIns="91425" lIns="91425" rIns="91425" tIns="91425">
+          <a:bodyPr lIns="91425" tIns="91425" rIns="91425" bIns="91425" anchor="b" anchorCtr="0">
             <a:noAutofit/>
           </a:bodyPr>
           <a:lstStyle/>
@@ -4038,18 +4369,29 @@
               <a:buNone/>
             </a:pPr>
             <a:r>
-              <a:rPr lang="en"/>
-              <a:t>JQuery Form Validation</a:t>
+              <a:rPr lang="en" dirty="0"/>
+              <a:t>JQuery Form </a:t>
             </a:r>
+            <a:r>
+              <a:rPr lang="en" dirty="0" smtClean="0"/>
+              <a:t>Validation</a:t>
+            </a:r>
+            <a:r>
+              <a:rPr lang="en-US" smtClean="0"/>
+              <a:t> #2</a:t>
+            </a:r>
+            <a:endParaRPr lang="en"/>
           </a:p>
         </p:txBody>
       </p:sp>
       <p:sp>
         <p:nvSpPr>
           <p:cNvPr id="96" name="Shape 96"/>
-          <p:cNvSpPr txBox="1"/>
+          <p:cNvSpPr txBox="1">
+            <a:spLocks noGrp="1"/>
+          </p:cNvSpPr>
           <p:nvPr>
-            <p:ph idx="1" type="body"/>
+            <p:ph type="body" idx="1"/>
           </p:nvPr>
         </p:nvSpPr>
         <p:spPr>
@@ -4062,7 +4404,7 @@
           </a:prstGeom>
         </p:spPr>
         <p:txBody>
-          <a:bodyPr anchorCtr="0" anchor="t" bIns="91425" lIns="91425" rIns="91425" tIns="91425">
+          <a:bodyPr lIns="91425" tIns="91425" rIns="91425" bIns="91425" anchor="t" anchorCtr="0">
             <a:noAutofit/>
           </a:bodyPr>
           <a:lstStyle/>
@@ -4090,9 +4432,6 @@
               </a:spcBef>
               <a:buNone/>
             </a:pPr>
-            <a:r>
-              <a:t/>
-            </a:r>
             <a:endParaRPr sz="1800">
               <a:latin typeface="Calibri"/>
               <a:ea typeface="Calibri"/>
@@ -4128,9 +4467,6 @@
               </a:spcBef>
               <a:buNone/>
             </a:pPr>
-            <a:r>
-              <a:t/>
-            </a:r>
             <a:endParaRPr sz="1800">
               <a:latin typeface="Calibri"/>
               <a:ea typeface="Calibri"/>
@@ -4165,18 +4501,18 @@
   <p:clrMapOvr>
     <a:masterClrMapping/>
   </p:clrMapOvr>
-  <p:transition spd="slow">
+  <p:transition xmlns:p14="http://schemas.microsoft.com/office/powerpoint/2010/main" spd="slow">
     <p:cut/>
   </p:transition>
 </p:sld>
 </file>
 
 <file path=ppt/slides/slide2.xml><?xml version="1.0" encoding="utf-8"?>
-<p:sld xmlns:a="http://schemas.openxmlformats.org/drawingml/2006/main" xmlns:r="http://schemas.openxmlformats.org/officeDocument/2006/relationships" xmlns:mc="http://schemas.openxmlformats.org/markup-compatibility/2006" xmlns:mv="urn:schemas-microsoft-com:mac:vml" xmlns:p="http://schemas.openxmlformats.org/presentationml/2006/main" xmlns:c="http://schemas.openxmlformats.org/drawingml/2006/chart" xmlns:dgm="http://schemas.openxmlformats.org/drawingml/2006/diagram" xmlns:o="urn:schemas-microsoft-com:office:office" xmlns:v="urn:schemas-microsoft-com:vml" xmlns:pvml="urn:schemas-microsoft-com:office:powerpoint" xmlns:com="http://schemas.openxmlformats.org/drawingml/2006/compatibility" xmlns:p14="http://schemas.microsoft.com/office/powerpoint/2010/main">
+<p:sld xmlns:a="http://schemas.openxmlformats.org/drawingml/2006/main" xmlns:r="http://schemas.openxmlformats.org/officeDocument/2006/relationships" xmlns:p="http://schemas.openxmlformats.org/presentationml/2006/main">
   <p:cSld>
     <p:spTree>
       <p:nvGrpSpPr>
-        <p:cNvPr id="46" name="Shape 46"/>
+        <p:cNvPr id="1" name="Shape 46"/>
         <p:cNvGrpSpPr/>
         <p:nvPr/>
       </p:nvGrpSpPr>
@@ -4191,7 +4527,9 @@
       <p:sp>
         <p:nvSpPr>
           <p:cNvPr id="47" name="Shape 47"/>
-          <p:cNvSpPr txBox="1"/>
+          <p:cNvSpPr txBox="1">
+            <a:spLocks noGrp="1"/>
+          </p:cNvSpPr>
           <p:nvPr>
             <p:ph type="title"/>
           </p:nvPr>
@@ -4206,7 +4544,7 @@
           </a:prstGeom>
         </p:spPr>
         <p:txBody>
-          <a:bodyPr anchorCtr="0" anchor="b" bIns="91425" lIns="91425" rIns="91425" tIns="91425">
+          <a:bodyPr lIns="91425" tIns="91425" rIns="91425" bIns="91425" anchor="b" anchorCtr="0">
             <a:noAutofit/>
           </a:bodyPr>
           <a:lstStyle/>
@@ -4227,9 +4565,11 @@
       <p:sp>
         <p:nvSpPr>
           <p:cNvPr id="48" name="Shape 48"/>
-          <p:cNvSpPr txBox="1"/>
+          <p:cNvSpPr txBox="1">
+            <a:spLocks noGrp="1"/>
+          </p:cNvSpPr>
           <p:nvPr>
-            <p:ph idx="1" type="body"/>
+            <p:ph type="body" idx="1"/>
           </p:nvPr>
         </p:nvSpPr>
         <p:spPr>
@@ -4242,7 +4582,7 @@
           </a:prstGeom>
         </p:spPr>
         <p:txBody>
-          <a:bodyPr anchorCtr="0" anchor="t" bIns="91425" lIns="91425" rIns="91425" tIns="91425">
+          <a:bodyPr lIns="91425" tIns="91425" rIns="91425" bIns="91425" anchor="t" anchorCtr="0">
             <a:noAutofit/>
           </a:bodyPr>
           <a:lstStyle/>
@@ -4282,9 +4622,6 @@
               </a:spcAft>
               <a:buNone/>
             </a:pPr>
-            <a:r>
-              <a:t/>
-            </a:r>
             <a:endParaRPr sz="1100"/>
           </a:p>
           <a:p>
@@ -4294,9 +4631,6 @@
               </a:spcBef>
               <a:buNone/>
             </a:pPr>
-            <a:r>
-              <a:t/>
-            </a:r>
             <a:endParaRPr/>
           </a:p>
         </p:txBody>
@@ -4306,18 +4640,18 @@
   <p:clrMapOvr>
     <a:masterClrMapping/>
   </p:clrMapOvr>
-  <p:transition spd="slow">
+  <p:transition xmlns:p14="http://schemas.microsoft.com/office/powerpoint/2010/main" spd="slow">
     <p:cut/>
   </p:transition>
 </p:sld>
 </file>
 
 <file path=ppt/slides/slide3.xml><?xml version="1.0" encoding="utf-8"?>
-<p:sld xmlns:a="http://schemas.openxmlformats.org/drawingml/2006/main" xmlns:r="http://schemas.openxmlformats.org/officeDocument/2006/relationships" xmlns:mc="http://schemas.openxmlformats.org/markup-compatibility/2006" xmlns:mv="urn:schemas-microsoft-com:mac:vml" xmlns:p="http://schemas.openxmlformats.org/presentationml/2006/main" xmlns:c="http://schemas.openxmlformats.org/drawingml/2006/chart" xmlns:dgm="http://schemas.openxmlformats.org/drawingml/2006/diagram" xmlns:o="urn:schemas-microsoft-com:office:office" xmlns:v="urn:schemas-microsoft-com:vml" xmlns:pvml="urn:schemas-microsoft-com:office:powerpoint" xmlns:com="http://schemas.openxmlformats.org/drawingml/2006/compatibility" xmlns:p14="http://schemas.microsoft.com/office/powerpoint/2010/main">
+<p:sld xmlns:a="http://schemas.openxmlformats.org/drawingml/2006/main" xmlns:r="http://schemas.openxmlformats.org/officeDocument/2006/relationships" xmlns:p="http://schemas.openxmlformats.org/presentationml/2006/main">
   <p:cSld>
     <p:spTree>
       <p:nvGrpSpPr>
-        <p:cNvPr id="52" name="Shape 52"/>
+        <p:cNvPr id="1" name="Shape 52"/>
         <p:cNvGrpSpPr/>
         <p:nvPr/>
       </p:nvGrpSpPr>
@@ -4332,7 +4666,9 @@
       <p:sp>
         <p:nvSpPr>
           <p:cNvPr id="53" name="Shape 53"/>
-          <p:cNvSpPr txBox="1"/>
+          <p:cNvSpPr txBox="1">
+            <a:spLocks noGrp="1"/>
+          </p:cNvSpPr>
           <p:nvPr>
             <p:ph type="title"/>
           </p:nvPr>
@@ -4347,7 +4683,7 @@
           </a:prstGeom>
         </p:spPr>
         <p:txBody>
-          <a:bodyPr anchorCtr="0" anchor="b" bIns="91425" lIns="91425" rIns="91425" tIns="91425">
+          <a:bodyPr lIns="91425" tIns="91425" rIns="91425" bIns="91425" anchor="b" anchorCtr="0">
             <a:noAutofit/>
           </a:bodyPr>
           <a:lstStyle/>
@@ -4368,9 +4704,11 @@
       <p:sp>
         <p:nvSpPr>
           <p:cNvPr id="54" name="Shape 54"/>
-          <p:cNvSpPr txBox="1"/>
+          <p:cNvSpPr txBox="1">
+            <a:spLocks noGrp="1"/>
+          </p:cNvSpPr>
           <p:nvPr>
-            <p:ph idx="1" type="body"/>
+            <p:ph type="body" idx="1"/>
           </p:nvPr>
         </p:nvSpPr>
         <p:spPr>
@@ -4383,7 +4721,7 @@
           </a:prstGeom>
         </p:spPr>
         <p:txBody>
-          <a:bodyPr anchorCtr="0" anchor="t" bIns="91425" lIns="91425" rIns="91425" tIns="91425">
+          <a:bodyPr lIns="91425" tIns="91425" rIns="91425" bIns="91425" anchor="t" anchorCtr="0">
             <a:noAutofit/>
           </a:bodyPr>
           <a:lstStyle/>
@@ -4411,9 +4749,6 @@
               </a:spcBef>
               <a:buNone/>
             </a:pPr>
-            <a:r>
-              <a:t/>
-            </a:r>
             <a:endParaRPr sz="1400">
               <a:latin typeface="Calibri"/>
               <a:ea typeface="Calibri"/>
@@ -4428,18 +4763,18 @@
   <p:clrMapOvr>
     <a:masterClrMapping/>
   </p:clrMapOvr>
-  <p:transition spd="slow">
+  <p:transition xmlns:p14="http://schemas.microsoft.com/office/powerpoint/2010/main" spd="slow">
     <p:cut/>
   </p:transition>
 </p:sld>
 </file>
 
 <file path=ppt/slides/slide4.xml><?xml version="1.0" encoding="utf-8"?>
-<p:sld xmlns:a="http://schemas.openxmlformats.org/drawingml/2006/main" xmlns:r="http://schemas.openxmlformats.org/officeDocument/2006/relationships" xmlns:mc="http://schemas.openxmlformats.org/markup-compatibility/2006" xmlns:mv="urn:schemas-microsoft-com:mac:vml" xmlns:p="http://schemas.openxmlformats.org/presentationml/2006/main" xmlns:c="http://schemas.openxmlformats.org/drawingml/2006/chart" xmlns:dgm="http://schemas.openxmlformats.org/drawingml/2006/diagram" xmlns:o="urn:schemas-microsoft-com:office:office" xmlns:v="urn:schemas-microsoft-com:vml" xmlns:pvml="urn:schemas-microsoft-com:office:powerpoint" xmlns:com="http://schemas.openxmlformats.org/drawingml/2006/compatibility" xmlns:p14="http://schemas.microsoft.com/office/powerpoint/2010/main">
+<p:sld xmlns:a="http://schemas.openxmlformats.org/drawingml/2006/main" xmlns:r="http://schemas.openxmlformats.org/officeDocument/2006/relationships" xmlns:p="http://schemas.openxmlformats.org/presentationml/2006/main">
   <p:cSld>
     <p:spTree>
       <p:nvGrpSpPr>
-        <p:cNvPr id="58" name="Shape 58"/>
+        <p:cNvPr id="1" name="Shape 58"/>
         <p:cNvGrpSpPr/>
         <p:nvPr/>
       </p:nvGrpSpPr>
@@ -4454,7 +4789,9 @@
       <p:sp>
         <p:nvSpPr>
           <p:cNvPr id="59" name="Shape 59"/>
-          <p:cNvSpPr txBox="1"/>
+          <p:cNvSpPr txBox="1">
+            <a:spLocks noGrp="1"/>
+          </p:cNvSpPr>
           <p:nvPr>
             <p:ph type="title"/>
           </p:nvPr>
@@ -4469,7 +4806,7 @@
           </a:prstGeom>
         </p:spPr>
         <p:txBody>
-          <a:bodyPr anchorCtr="0" anchor="b" bIns="91425" lIns="91425" rIns="91425" tIns="91425">
+          <a:bodyPr lIns="91425" tIns="91425" rIns="91425" bIns="91425" anchor="b" anchorCtr="0">
             <a:noAutofit/>
           </a:bodyPr>
           <a:lstStyle/>
@@ -4490,9 +4827,11 @@
       <p:sp>
         <p:nvSpPr>
           <p:cNvPr id="60" name="Shape 60"/>
-          <p:cNvSpPr txBox="1"/>
+          <p:cNvSpPr txBox="1">
+            <a:spLocks noGrp="1"/>
+          </p:cNvSpPr>
           <p:nvPr>
-            <p:ph idx="1" type="body"/>
+            <p:ph type="body" idx="1"/>
           </p:nvPr>
         </p:nvSpPr>
         <p:spPr>
@@ -4505,12 +4844,12 @@
           </a:prstGeom>
         </p:spPr>
         <p:txBody>
-          <a:bodyPr anchorCtr="0" anchor="t" bIns="91425" lIns="91425" rIns="91425" tIns="91425">
+          <a:bodyPr lIns="91425" tIns="91425" rIns="91425" bIns="91425" anchor="t" anchorCtr="0">
             <a:noAutofit/>
           </a:bodyPr>
           <a:lstStyle/>
           <a:p>
-            <a:pPr indent="-342900" lvl="0" marL="457200" rtl="0">
+            <a:pPr marL="457200" lvl="0" indent="-342900" rtl="0">
               <a:spcBef>
                 <a:spcPts val="0"/>
               </a:spcBef>
@@ -4522,7 +4861,7 @@
               <a:buChar char="●"/>
             </a:pPr>
             <a:r>
-              <a:rPr lang="en" sz="1800">
+              <a:rPr lang="en" sz="1800" dirty="0">
                 <a:latin typeface="Calibri"/>
                 <a:ea typeface="Calibri"/>
                 <a:cs typeface="Calibri"/>
@@ -4532,7 +4871,7 @@
             </a:r>
           </a:p>
           <a:p>
-            <a:pPr indent="-342900" lvl="0" marL="457200" rtl="0">
+            <a:pPr marL="457200" lvl="0" indent="-342900" rtl="0">
               <a:spcBef>
                 <a:spcPts val="0"/>
               </a:spcBef>
@@ -4544,7 +4883,7 @@
               <a:buChar char="●"/>
             </a:pPr>
             <a:r>
-              <a:rPr lang="en" sz="1800">
+              <a:rPr lang="en" sz="1800" dirty="0">
                 <a:latin typeface="Calibri"/>
                 <a:ea typeface="Calibri"/>
                 <a:cs typeface="Calibri"/>
@@ -4554,7 +4893,7 @@
             </a:r>
           </a:p>
           <a:p>
-            <a:pPr indent="-342900" lvl="0" marL="457200" rtl="0">
+            <a:pPr marL="457200" lvl="0" indent="-342900" rtl="0">
               <a:spcBef>
                 <a:spcPts val="0"/>
               </a:spcBef>
@@ -4566,7 +4905,7 @@
               <a:buChar char="●"/>
             </a:pPr>
             <a:r>
-              <a:rPr lang="en" sz="1800">
+              <a:rPr lang="en" sz="1800" dirty="0">
                 <a:latin typeface="Calibri"/>
                 <a:ea typeface="Calibri"/>
                 <a:cs typeface="Calibri"/>
@@ -4576,7 +4915,7 @@
             </a:r>
           </a:p>
           <a:p>
-            <a:pPr indent="-342900" lvl="0" marL="457200" rtl="0">
+            <a:pPr marL="457200" lvl="0" indent="-342900" rtl="0">
               <a:spcBef>
                 <a:spcPts val="0"/>
               </a:spcBef>
@@ -4588,7 +4927,7 @@
               <a:buChar char="●"/>
             </a:pPr>
             <a:r>
-              <a:rPr lang="en" sz="1800">
+              <a:rPr lang="en" sz="1800" dirty="0">
                 <a:latin typeface="Calibri"/>
                 <a:ea typeface="Calibri"/>
                 <a:cs typeface="Calibri"/>
@@ -4598,7 +4937,7 @@
             </a:r>
           </a:p>
           <a:p>
-            <a:pPr indent="-342900" lvl="0" marL="457200" rtl="0">
+            <a:pPr marL="457200" lvl="0" indent="-342900" rtl="0">
               <a:spcBef>
                 <a:spcPts val="0"/>
               </a:spcBef>
@@ -4610,7 +4949,7 @@
               <a:buChar char="●"/>
             </a:pPr>
             <a:r>
-              <a:rPr lang="en" sz="1800">
+              <a:rPr lang="en" sz="1800" dirty="0">
                 <a:latin typeface="Calibri"/>
                 <a:ea typeface="Calibri"/>
                 <a:cs typeface="Calibri"/>
@@ -4620,7 +4959,7 @@
             </a:r>
           </a:p>
           <a:p>
-            <a:pPr indent="-342900" lvl="1" marL="914400" rtl="0">
+            <a:pPr marL="914400" lvl="1" indent="-342900" rtl="0">
               <a:spcBef>
                 <a:spcPts val="0"/>
               </a:spcBef>
@@ -4632,7 +4971,7 @@
               <a:buChar char="o"/>
             </a:pPr>
             <a:r>
-              <a:rPr lang="en" sz="1800">
+              <a:rPr lang="en" sz="1800" dirty="0">
                 <a:latin typeface="Calibri"/>
                 <a:ea typeface="Calibri"/>
                 <a:cs typeface="Calibri"/>
@@ -4641,7 +4980,7 @@
               <a:t>The easiest way to find plugins is to search Google or the </a:t>
             </a:r>
             <a:r>
-              <a:rPr lang="en" sz="1800" u="sng">
+              <a:rPr lang="en" sz="1800" u="sng" dirty="0">
                 <a:solidFill>
                   <a:srgbClr val="0769AD"/>
                 </a:solidFill>
@@ -4654,7 +4993,7 @@
               <a:t>jQuery Plugins Registry</a:t>
             </a:r>
             <a:r>
-              <a:rPr lang="en" sz="1800">
+              <a:rPr lang="en" sz="1800" dirty="0">
                 <a:latin typeface="Calibri"/>
                 <a:ea typeface="Calibri"/>
                 <a:cs typeface="Calibri"/>
@@ -4664,7 +5003,7 @@
             </a:r>
           </a:p>
           <a:p>
-            <a:pPr indent="-342900" lvl="1" marL="914400" rtl="0">
+            <a:pPr marL="914400" lvl="1" indent="-342900" rtl="0">
               <a:spcBef>
                 <a:spcPts val="0"/>
               </a:spcBef>
@@ -4676,7 +5015,7 @@
               <a:buChar char="o"/>
             </a:pPr>
             <a:r>
-              <a:rPr lang="en" sz="1800">
+              <a:rPr lang="en" sz="1800" dirty="0">
                 <a:latin typeface="Calibri"/>
                 <a:ea typeface="Calibri"/>
                 <a:cs typeface="Calibri"/>
@@ -4685,7 +5024,7 @@
               <a:t>Once you've identified some options, you may want to consult the </a:t>
             </a:r>
             <a:r>
-              <a:rPr lang="en" sz="1800" u="sng">
+              <a:rPr lang="en" sz="1800" u="sng" dirty="0">
                 <a:solidFill>
                   <a:srgbClr val="0769AD"/>
                 </a:solidFill>
@@ -4698,35 +5037,17 @@
               <a:t>jQuery forums</a:t>
             </a:r>
             <a:r>
-              <a:rPr lang="en" sz="1800">
+              <a:rPr lang="en" sz="1800" dirty="0">
                 <a:latin typeface="Calibri"/>
                 <a:ea typeface="Calibri"/>
                 <a:cs typeface="Calibri"/>
                 <a:sym typeface="Calibri"/>
               </a:rPr>
-              <a:t> or the </a:t>
+              <a:t> or the #jquery IRC channel to get input from others.</a:t>
             </a:r>
-            <a:r>
-              <a:rPr lang="en" sz="1800">
-                <a:latin typeface="Calibri"/>
-                <a:ea typeface="Calibri"/>
-                <a:cs typeface="Calibri"/>
-                <a:sym typeface="Calibri"/>
-              </a:rPr>
-              <a:t>#jquery</a:t>
-            </a:r>
-            <a:r>
-              <a:rPr lang="en" sz="1800">
-                <a:latin typeface="Calibri"/>
-                <a:ea typeface="Calibri"/>
-                <a:cs typeface="Calibri"/>
-                <a:sym typeface="Calibri"/>
-              </a:rPr>
-              <a:t> IRC channel to get input from others.</a:t>
-            </a:r>
-          </a:p>
-          <a:p>
-            <a:pPr indent="-342900" lvl="1" marL="914400" rtl="0">
+          </a:p>
+          <a:p>
+            <a:pPr marL="914400" lvl="1" indent="-342900" rtl="0">
               <a:spcBef>
                 <a:spcPts val="0"/>
               </a:spcBef>
@@ -4738,7 +5059,7 @@
               <a:buChar char="o"/>
             </a:pPr>
             <a:r>
-              <a:rPr lang="en" sz="1800" u="sng">
+              <a:rPr lang="en" sz="1800" u="sng" dirty="0">
                 <a:solidFill>
                   <a:srgbClr val="0769AD"/>
                 </a:solidFill>
@@ -4751,7 +5072,7 @@
               <a:t>Signs of a poorly written jQuery plugin</a:t>
             </a:r>
             <a:r>
-              <a:rPr lang="en" sz="1800">
+              <a:rPr lang="en" sz="1800" dirty="0">
                 <a:latin typeface="Calibri"/>
                 <a:ea typeface="Calibri"/>
                 <a:cs typeface="Calibri"/>
@@ -4767,10 +5088,7 @@
               </a:spcBef>
               <a:buNone/>
             </a:pPr>
-            <a:r>
-              <a:t/>
-            </a:r>
-            <a:endParaRPr/>
+            <a:endParaRPr dirty="0"/>
           </a:p>
         </p:txBody>
       </p:sp>
@@ -4779,18 +5097,18 @@
   <p:clrMapOvr>
     <a:masterClrMapping/>
   </p:clrMapOvr>
-  <p:transition spd="slow">
+  <p:transition xmlns:p14="http://schemas.microsoft.com/office/powerpoint/2010/main" spd="slow">
     <p:cut/>
   </p:transition>
 </p:sld>
 </file>
 
 <file path=ppt/slides/slide5.xml><?xml version="1.0" encoding="utf-8"?>
-<p:sld xmlns:a="http://schemas.openxmlformats.org/drawingml/2006/main" xmlns:r="http://schemas.openxmlformats.org/officeDocument/2006/relationships" xmlns:mc="http://schemas.openxmlformats.org/markup-compatibility/2006" xmlns:mv="urn:schemas-microsoft-com:mac:vml" xmlns:p="http://schemas.openxmlformats.org/presentationml/2006/main" xmlns:c="http://schemas.openxmlformats.org/drawingml/2006/chart" xmlns:dgm="http://schemas.openxmlformats.org/drawingml/2006/diagram" xmlns:o="urn:schemas-microsoft-com:office:office" xmlns:v="urn:schemas-microsoft-com:vml" xmlns:pvml="urn:schemas-microsoft-com:office:powerpoint" xmlns:com="http://schemas.openxmlformats.org/drawingml/2006/compatibility" xmlns:p14="http://schemas.microsoft.com/office/powerpoint/2010/main">
+<p:sld xmlns:a="http://schemas.openxmlformats.org/drawingml/2006/main" xmlns:r="http://schemas.openxmlformats.org/officeDocument/2006/relationships" xmlns:p="http://schemas.openxmlformats.org/presentationml/2006/main">
   <p:cSld>
     <p:spTree>
       <p:nvGrpSpPr>
-        <p:cNvPr id="64" name="Shape 64"/>
+        <p:cNvPr id="1" name="Shape 64"/>
         <p:cNvGrpSpPr/>
         <p:nvPr/>
       </p:nvGrpSpPr>
@@ -4805,7 +5123,9 @@
       <p:sp>
         <p:nvSpPr>
           <p:cNvPr id="65" name="Shape 65"/>
-          <p:cNvSpPr txBox="1"/>
+          <p:cNvSpPr txBox="1">
+            <a:spLocks noGrp="1"/>
+          </p:cNvSpPr>
           <p:nvPr>
             <p:ph type="title"/>
           </p:nvPr>
@@ -4820,7 +5140,7 @@
           </a:prstGeom>
         </p:spPr>
         <p:txBody>
-          <a:bodyPr anchorCtr="0" anchor="b" bIns="91425" lIns="91425" rIns="91425" tIns="91425">
+          <a:bodyPr lIns="91425" tIns="91425" rIns="91425" bIns="91425" anchor="b" anchorCtr="0">
             <a:noAutofit/>
           </a:bodyPr>
           <a:lstStyle/>
@@ -4841,9 +5161,11 @@
       <p:sp>
         <p:nvSpPr>
           <p:cNvPr id="66" name="Shape 66"/>
-          <p:cNvSpPr txBox="1"/>
+          <p:cNvSpPr txBox="1">
+            <a:spLocks noGrp="1"/>
+          </p:cNvSpPr>
           <p:nvPr>
-            <p:ph idx="1" type="body"/>
+            <p:ph type="body" idx="1"/>
           </p:nvPr>
         </p:nvSpPr>
         <p:spPr>
@@ -4856,7 +5178,7 @@
           </a:prstGeom>
         </p:spPr>
         <p:txBody>
-          <a:bodyPr anchorCtr="0" anchor="t" bIns="91425" lIns="91425" rIns="91425" tIns="91425">
+          <a:bodyPr lIns="91425" tIns="91425" rIns="91425" bIns="91425" anchor="t" anchorCtr="0">
             <a:noAutofit/>
           </a:bodyPr>
           <a:lstStyle/>
@@ -4868,7 +5190,7 @@
               <a:buNone/>
             </a:pPr>
             <a:r>
-              <a:rPr lang="en"/>
+              <a:rPr lang="en" dirty="0"/>
               <a:t>http://plugins.jquery.com/ui.datepicker/</a:t>
             </a:r>
           </a:p>
@@ -4879,18 +5201,18 @@
   <p:clrMapOvr>
     <a:masterClrMapping/>
   </p:clrMapOvr>
-  <p:transition spd="slow">
+  <p:transition xmlns:p14="http://schemas.microsoft.com/office/powerpoint/2010/main" spd="slow">
     <p:cut/>
   </p:transition>
 </p:sld>
 </file>
 
 <file path=ppt/slides/slide6.xml><?xml version="1.0" encoding="utf-8"?>
-<p:sld xmlns:a="http://schemas.openxmlformats.org/drawingml/2006/main" xmlns:r="http://schemas.openxmlformats.org/officeDocument/2006/relationships" xmlns:mc="http://schemas.openxmlformats.org/markup-compatibility/2006" xmlns:mv="urn:schemas-microsoft-com:mac:vml" xmlns:p="http://schemas.openxmlformats.org/presentationml/2006/main" xmlns:c="http://schemas.openxmlformats.org/drawingml/2006/chart" xmlns:dgm="http://schemas.openxmlformats.org/drawingml/2006/diagram" xmlns:o="urn:schemas-microsoft-com:office:office" xmlns:v="urn:schemas-microsoft-com:vml" xmlns:pvml="urn:schemas-microsoft-com:office:powerpoint" xmlns:com="http://schemas.openxmlformats.org/drawingml/2006/compatibility" xmlns:p14="http://schemas.microsoft.com/office/powerpoint/2010/main">
+<p:sld xmlns:a="http://schemas.openxmlformats.org/drawingml/2006/main" xmlns:r="http://schemas.openxmlformats.org/officeDocument/2006/relationships" xmlns:p="http://schemas.openxmlformats.org/presentationml/2006/main">
   <p:cSld>
     <p:spTree>
       <p:nvGrpSpPr>
-        <p:cNvPr id="70" name="Shape 70"/>
+        <p:cNvPr id="1" name="Shape 70"/>
         <p:cNvGrpSpPr/>
         <p:nvPr/>
       </p:nvGrpSpPr>
@@ -4905,7 +5227,9 @@
       <p:sp>
         <p:nvSpPr>
           <p:cNvPr id="71" name="Shape 71"/>
-          <p:cNvSpPr txBox="1"/>
+          <p:cNvSpPr txBox="1">
+            <a:spLocks noGrp="1"/>
+          </p:cNvSpPr>
           <p:nvPr>
             <p:ph type="title"/>
           </p:nvPr>
@@ -4920,7 +5244,7 @@
           </a:prstGeom>
         </p:spPr>
         <p:txBody>
-          <a:bodyPr anchorCtr="0" anchor="b" bIns="91425" lIns="91425" rIns="91425" tIns="91425">
+          <a:bodyPr lIns="91425" tIns="91425" rIns="91425" bIns="91425" anchor="b" anchorCtr="0">
             <a:noAutofit/>
           </a:bodyPr>
           <a:lstStyle/>
@@ -4941,9 +5265,11 @@
       <p:sp>
         <p:nvSpPr>
           <p:cNvPr id="72" name="Shape 72"/>
-          <p:cNvSpPr txBox="1"/>
+          <p:cNvSpPr txBox="1">
+            <a:spLocks noGrp="1"/>
+          </p:cNvSpPr>
           <p:nvPr>
-            <p:ph idx="1" type="body"/>
+            <p:ph type="body" idx="1"/>
           </p:nvPr>
         </p:nvSpPr>
         <p:spPr>
@@ -4956,7 +5282,7 @@
           </a:prstGeom>
         </p:spPr>
         <p:txBody>
-          <a:bodyPr anchorCtr="0" anchor="t" bIns="91425" lIns="91425" rIns="91425" tIns="91425">
+          <a:bodyPr lIns="91425" tIns="91425" rIns="91425" bIns="91425" anchor="t" anchorCtr="0">
             <a:noAutofit/>
           </a:bodyPr>
           <a:lstStyle/>
@@ -4984,9 +5310,6 @@
               </a:spcBef>
               <a:buNone/>
             </a:pPr>
-            <a:r>
-              <a:t/>
-            </a:r>
             <a:endParaRPr sz="1800">
               <a:latin typeface="Calibri"/>
               <a:ea typeface="Calibri"/>
@@ -4995,7 +5318,7 @@
             </a:endParaRPr>
           </a:p>
           <a:p>
-            <a:pPr indent="-342900" lvl="0" marL="457200" rtl="0">
+            <a:pPr marL="457200" lvl="0" indent="-342900" rtl="0">
               <a:spcBef>
                 <a:spcPts val="0"/>
               </a:spcBef>
@@ -5023,9 +5346,6 @@
               </a:spcBef>
               <a:buNone/>
             </a:pPr>
-            <a:r>
-              <a:t/>
-            </a:r>
             <a:endParaRPr sz="1800">
               <a:latin typeface="Calibri"/>
               <a:ea typeface="Calibri"/>
@@ -5057,9 +5377,6 @@
               </a:spcBef>
               <a:buNone/>
             </a:pPr>
-            <a:r>
-              <a:t/>
-            </a:r>
             <a:endParaRPr sz="1800">
               <a:latin typeface="Calibri"/>
               <a:ea typeface="Calibri"/>
@@ -5091,18 +5408,18 @@
   <p:clrMapOvr>
     <a:masterClrMapping/>
   </p:clrMapOvr>
-  <p:transition spd="slow">
+  <p:transition xmlns:p14="http://schemas.microsoft.com/office/powerpoint/2010/main" spd="slow">
     <p:cut/>
   </p:transition>
 </p:sld>
 </file>
 
 <file path=ppt/slides/slide7.xml><?xml version="1.0" encoding="utf-8"?>
-<p:sld xmlns:a="http://schemas.openxmlformats.org/drawingml/2006/main" xmlns:r="http://schemas.openxmlformats.org/officeDocument/2006/relationships" xmlns:mc="http://schemas.openxmlformats.org/markup-compatibility/2006" xmlns:mv="urn:schemas-microsoft-com:mac:vml" xmlns:p="http://schemas.openxmlformats.org/presentationml/2006/main" xmlns:c="http://schemas.openxmlformats.org/drawingml/2006/chart" xmlns:dgm="http://schemas.openxmlformats.org/drawingml/2006/diagram" xmlns:o="urn:schemas-microsoft-com:office:office" xmlns:v="urn:schemas-microsoft-com:vml" xmlns:pvml="urn:schemas-microsoft-com:office:powerpoint" xmlns:com="http://schemas.openxmlformats.org/drawingml/2006/compatibility" xmlns:p14="http://schemas.microsoft.com/office/powerpoint/2010/main">
+<p:sld xmlns:a="http://schemas.openxmlformats.org/drawingml/2006/main" xmlns:r="http://schemas.openxmlformats.org/officeDocument/2006/relationships" xmlns:p="http://schemas.openxmlformats.org/presentationml/2006/main">
   <p:cSld>
     <p:spTree>
       <p:nvGrpSpPr>
-        <p:cNvPr id="76" name="Shape 76"/>
+        <p:cNvPr id="1" name="Shape 76"/>
         <p:cNvGrpSpPr/>
         <p:nvPr/>
       </p:nvGrpSpPr>
@@ -5117,7 +5434,9 @@
       <p:sp>
         <p:nvSpPr>
           <p:cNvPr id="77" name="Shape 77"/>
-          <p:cNvSpPr txBox="1"/>
+          <p:cNvSpPr txBox="1">
+            <a:spLocks noGrp="1"/>
+          </p:cNvSpPr>
           <p:nvPr>
             <p:ph type="title"/>
           </p:nvPr>
@@ -5132,7 +5451,7 @@
           </a:prstGeom>
         </p:spPr>
         <p:txBody>
-          <a:bodyPr anchorCtr="0" anchor="b" bIns="91425" lIns="91425" rIns="91425" tIns="91425">
+          <a:bodyPr lIns="91425" tIns="91425" rIns="91425" bIns="91425" anchor="b" anchorCtr="0">
             <a:noAutofit/>
           </a:bodyPr>
           <a:lstStyle/>
@@ -5153,9 +5472,11 @@
       <p:sp>
         <p:nvSpPr>
           <p:cNvPr id="78" name="Shape 78"/>
-          <p:cNvSpPr txBox="1"/>
+          <p:cNvSpPr txBox="1">
+            <a:spLocks noGrp="1"/>
+          </p:cNvSpPr>
           <p:nvPr>
-            <p:ph idx="1" type="body"/>
+            <p:ph type="body" idx="1"/>
           </p:nvPr>
         </p:nvSpPr>
         <p:spPr>
@@ -5168,7 +5489,7 @@
           </a:prstGeom>
         </p:spPr>
         <p:txBody>
-          <a:bodyPr anchorCtr="0" anchor="t" bIns="91425" lIns="91425" rIns="91425" tIns="91425">
+          <a:bodyPr lIns="91425" tIns="91425" rIns="91425" bIns="91425" anchor="t" anchorCtr="0">
             <a:noAutofit/>
           </a:bodyPr>
           <a:lstStyle/>
@@ -5183,7 +5504,7 @@
               <a:buNone/>
             </a:pPr>
             <a:r>
-              <a:rPr lang="en" sz="1800">
+              <a:rPr lang="en" sz="1800" dirty="0">
                 <a:latin typeface="Calibri"/>
                 <a:ea typeface="Calibri"/>
                 <a:cs typeface="Calibri"/>
@@ -5192,7 +5513,7 @@
               <a:t>$.fn.greenify = </a:t>
             </a:r>
             <a:r>
-              <a:rPr b="1" lang="en" sz="1800">
+              <a:rPr lang="en" sz="1800" b="1" dirty="0">
                 <a:latin typeface="Calibri"/>
                 <a:ea typeface="Calibri"/>
                 <a:cs typeface="Calibri"/>
@@ -5201,7 +5522,7 @@
               <a:t>function</a:t>
             </a:r>
             <a:r>
-              <a:rPr lang="en" sz="1800">
+              <a:rPr lang="en" sz="1800" dirty="0">
                 <a:latin typeface="Calibri"/>
                 <a:ea typeface="Calibri"/>
                 <a:cs typeface="Calibri"/>
@@ -5221,7 +5542,7 @@
               <a:buNone/>
             </a:pPr>
             <a:r>
-              <a:rPr lang="en" sz="1800">
+              <a:rPr lang="en" sz="1800" dirty="0">
                 <a:latin typeface="Calibri"/>
                 <a:ea typeface="Calibri"/>
                 <a:cs typeface="Calibri"/>
@@ -5230,7 +5551,7 @@
               <a:t>   </a:t>
             </a:r>
             <a:r>
-              <a:rPr b="1" lang="en" sz="1800">
+              <a:rPr lang="en" sz="1800" b="1" dirty="0">
                 <a:latin typeface="Calibri"/>
                 <a:ea typeface="Calibri"/>
                 <a:cs typeface="Calibri"/>
@@ -5239,7 +5560,7 @@
               <a:t>this</a:t>
             </a:r>
             <a:r>
-              <a:rPr lang="en" sz="1800">
+              <a:rPr lang="en" sz="1800" dirty="0">
                 <a:latin typeface="Calibri"/>
                 <a:ea typeface="Calibri"/>
                 <a:cs typeface="Calibri"/>
@@ -5248,7 +5569,7 @@
               <a:t>.css( </a:t>
             </a:r>
             <a:r>
-              <a:rPr lang="en" sz="1800">
+              <a:rPr lang="en" sz="1800" dirty="0">
                 <a:solidFill>
                   <a:srgbClr val="DD1144"/>
                 </a:solidFill>
@@ -5260,7 +5581,7 @@
               <a:t>"color"</a:t>
             </a:r>
             <a:r>
-              <a:rPr lang="en" sz="1800">
+              <a:rPr lang="en" sz="1800" dirty="0">
                 <a:latin typeface="Calibri"/>
                 <a:ea typeface="Calibri"/>
                 <a:cs typeface="Calibri"/>
@@ -5269,7 +5590,7 @@
               <a:t>, </a:t>
             </a:r>
             <a:r>
-              <a:rPr lang="en" sz="1800">
+              <a:rPr lang="en" sz="1800" dirty="0">
                 <a:solidFill>
                   <a:srgbClr val="DD1144"/>
                 </a:solidFill>
@@ -5281,7 +5602,7 @@
               <a:t>"green"</a:t>
             </a:r>
             <a:r>
-              <a:rPr lang="en" sz="1800">
+              <a:rPr lang="en" sz="1800" dirty="0">
                 <a:latin typeface="Calibri"/>
                 <a:ea typeface="Calibri"/>
                 <a:cs typeface="Calibri"/>
@@ -5301,7 +5622,7 @@
               <a:buNone/>
             </a:pPr>
             <a:r>
-              <a:rPr lang="en" sz="1800">
+              <a:rPr lang="en" sz="1800" dirty="0">
                 <a:latin typeface="Calibri"/>
                 <a:ea typeface="Calibri"/>
                 <a:cs typeface="Calibri"/>
@@ -5321,7 +5642,7 @@
               <a:buNone/>
             </a:pPr>
             <a:r>
-              <a:rPr lang="en" sz="1800">
+              <a:rPr lang="en" sz="1800" dirty="0">
                 <a:latin typeface="Calibri"/>
                 <a:ea typeface="Calibri"/>
                 <a:cs typeface="Calibri"/>
@@ -5330,7 +5651,7 @@
               <a:t>$( </a:t>
             </a:r>
             <a:r>
-              <a:rPr lang="en" sz="1800">
+              <a:rPr lang="en" sz="1800" dirty="0">
                 <a:solidFill>
                   <a:srgbClr val="DD1144"/>
                 </a:solidFill>
@@ -5342,7 +5663,7 @@
               <a:t>"a"</a:t>
             </a:r>
             <a:r>
-              <a:rPr lang="en" sz="1800">
+              <a:rPr lang="en" sz="1800" dirty="0">
                 <a:latin typeface="Calibri"/>
                 <a:ea typeface="Calibri"/>
                 <a:cs typeface="Calibri"/>
@@ -5351,7 +5672,7 @@
               <a:t> ).greenify();  </a:t>
             </a:r>
             <a:r>
-              <a:rPr i="1" lang="en" sz="1800">
+              <a:rPr lang="en" sz="1800" i="1" dirty="0">
                 <a:solidFill>
                   <a:srgbClr val="999988"/>
                 </a:solidFill>
@@ -5370,10 +5691,7 @@
               </a:spcBef>
               <a:buNone/>
             </a:pPr>
-            <a:r>
-              <a:t/>
-            </a:r>
-            <a:endParaRPr sz="1800">
+            <a:endParaRPr sz="1800" dirty="0">
               <a:latin typeface="Calibri"/>
               <a:ea typeface="Calibri"/>
               <a:cs typeface="Calibri"/>
@@ -5387,18 +5705,18 @@
   <p:clrMapOvr>
     <a:masterClrMapping/>
   </p:clrMapOvr>
-  <p:transition spd="slow">
+  <p:transition xmlns:p14="http://schemas.microsoft.com/office/powerpoint/2010/main" spd="slow">
     <p:cut/>
   </p:transition>
 </p:sld>
 </file>
 
 <file path=ppt/slides/slide8.xml><?xml version="1.0" encoding="utf-8"?>
-<p:sld xmlns:a="http://schemas.openxmlformats.org/drawingml/2006/main" xmlns:r="http://schemas.openxmlformats.org/officeDocument/2006/relationships" xmlns:mc="http://schemas.openxmlformats.org/markup-compatibility/2006" xmlns:mv="urn:schemas-microsoft-com:mac:vml" xmlns:p="http://schemas.openxmlformats.org/presentationml/2006/main" xmlns:c="http://schemas.openxmlformats.org/drawingml/2006/chart" xmlns:dgm="http://schemas.openxmlformats.org/drawingml/2006/diagram" xmlns:o="urn:schemas-microsoft-com:office:office" xmlns:v="urn:schemas-microsoft-com:vml" xmlns:pvml="urn:schemas-microsoft-com:office:powerpoint" xmlns:com="http://schemas.openxmlformats.org/drawingml/2006/compatibility" xmlns:p14="http://schemas.microsoft.com/office/powerpoint/2010/main">
+<p:sld xmlns:a="http://schemas.openxmlformats.org/drawingml/2006/main" xmlns:r="http://schemas.openxmlformats.org/officeDocument/2006/relationships" xmlns:p="http://schemas.openxmlformats.org/presentationml/2006/main">
   <p:cSld>
     <p:spTree>
       <p:nvGrpSpPr>
-        <p:cNvPr id="82" name="Shape 82"/>
+        <p:cNvPr id="1" name="Shape 82"/>
         <p:cNvGrpSpPr/>
         <p:nvPr/>
       </p:nvGrpSpPr>
@@ -5413,7 +5731,9 @@
       <p:sp>
         <p:nvSpPr>
           <p:cNvPr id="83" name="Shape 83"/>
-          <p:cNvSpPr txBox="1"/>
+          <p:cNvSpPr txBox="1">
+            <a:spLocks noGrp="1"/>
+          </p:cNvSpPr>
           <p:nvPr>
             <p:ph type="title"/>
           </p:nvPr>
@@ -5428,7 +5748,7 @@
           </a:prstGeom>
         </p:spPr>
         <p:txBody>
-          <a:bodyPr anchorCtr="0" anchor="b" bIns="91425" lIns="91425" rIns="91425" tIns="91425">
+          <a:bodyPr lIns="91425" tIns="91425" rIns="91425" bIns="91425" anchor="b" anchorCtr="0">
             <a:noAutofit/>
           </a:bodyPr>
           <a:lstStyle/>
@@ -5449,9 +5769,11 @@
       <p:sp>
         <p:nvSpPr>
           <p:cNvPr id="84" name="Shape 84"/>
-          <p:cNvSpPr txBox="1"/>
+          <p:cNvSpPr txBox="1">
+            <a:spLocks noGrp="1"/>
+          </p:cNvSpPr>
           <p:nvPr>
-            <p:ph idx="1" type="body"/>
+            <p:ph type="body" idx="1"/>
           </p:nvPr>
         </p:nvSpPr>
         <p:spPr>
@@ -5464,7 +5786,7 @@
           </a:prstGeom>
         </p:spPr>
         <p:txBody>
-          <a:bodyPr anchorCtr="0" anchor="t" bIns="91425" lIns="91425" rIns="91425" tIns="91425">
+          <a:bodyPr lIns="91425" tIns="91425" rIns="91425" bIns="91425" anchor="t" anchorCtr="0">
             <a:noAutofit/>
           </a:bodyPr>
           <a:lstStyle/>
@@ -5487,18 +5809,18 @@
   <p:clrMapOvr>
     <a:masterClrMapping/>
   </p:clrMapOvr>
-  <p:transition spd="slow">
+  <p:transition xmlns:p14="http://schemas.microsoft.com/office/powerpoint/2010/main" spd="slow">
     <p:cut/>
   </p:transition>
 </p:sld>
 </file>
 
 <file path=ppt/slides/slide9.xml><?xml version="1.0" encoding="utf-8"?>
-<p:sld xmlns:a="http://schemas.openxmlformats.org/drawingml/2006/main" xmlns:r="http://schemas.openxmlformats.org/officeDocument/2006/relationships" xmlns:mc="http://schemas.openxmlformats.org/markup-compatibility/2006" xmlns:mv="urn:schemas-microsoft-com:mac:vml" xmlns:p="http://schemas.openxmlformats.org/presentationml/2006/main" xmlns:c="http://schemas.openxmlformats.org/drawingml/2006/chart" xmlns:dgm="http://schemas.openxmlformats.org/drawingml/2006/diagram" xmlns:o="urn:schemas-microsoft-com:office:office" xmlns:v="urn:schemas-microsoft-com:vml" xmlns:pvml="urn:schemas-microsoft-com:office:powerpoint" xmlns:com="http://schemas.openxmlformats.org/drawingml/2006/compatibility" xmlns:p14="http://schemas.microsoft.com/office/powerpoint/2010/main">
+<p:sld xmlns:a="http://schemas.openxmlformats.org/drawingml/2006/main" xmlns:r="http://schemas.openxmlformats.org/officeDocument/2006/relationships" xmlns:p="http://schemas.openxmlformats.org/presentationml/2006/main">
   <p:cSld>
     <p:spTree>
       <p:nvGrpSpPr>
-        <p:cNvPr id="88" name="Shape 88"/>
+        <p:cNvPr id="1" name="Shape 88"/>
         <p:cNvGrpSpPr/>
         <p:nvPr/>
       </p:nvGrpSpPr>
@@ -5513,7 +5835,9 @@
       <p:sp>
         <p:nvSpPr>
           <p:cNvPr id="89" name="Shape 89"/>
-          <p:cNvSpPr txBox="1"/>
+          <p:cNvSpPr txBox="1">
+            <a:spLocks noGrp="1"/>
+          </p:cNvSpPr>
           <p:nvPr>
             <p:ph type="title"/>
           </p:nvPr>
@@ -5528,7 +5852,7 @@
           </a:prstGeom>
         </p:spPr>
         <p:txBody>
-          <a:bodyPr anchorCtr="0" anchor="b" bIns="91425" lIns="91425" rIns="91425" tIns="91425">
+          <a:bodyPr lIns="91425" tIns="91425" rIns="91425" bIns="91425" anchor="b" anchorCtr="0">
             <a:noAutofit/>
           </a:bodyPr>
           <a:lstStyle/>
@@ -5549,9 +5873,11 @@
       <p:sp>
         <p:nvSpPr>
           <p:cNvPr id="90" name="Shape 90"/>
-          <p:cNvSpPr txBox="1"/>
+          <p:cNvSpPr txBox="1">
+            <a:spLocks noGrp="1"/>
+          </p:cNvSpPr>
           <p:nvPr>
-            <p:ph idx="1" type="body"/>
+            <p:ph type="body" idx="1"/>
           </p:nvPr>
         </p:nvSpPr>
         <p:spPr>
@@ -5564,7 +5890,7 @@
           </a:prstGeom>
         </p:spPr>
         <p:txBody>
-          <a:bodyPr anchorCtr="0" anchor="t" bIns="91425" lIns="91425" rIns="91425" tIns="91425">
+          <a:bodyPr lIns="91425" tIns="91425" rIns="91425" bIns="91425" anchor="t" anchorCtr="0">
             <a:noAutofit/>
           </a:bodyPr>
           <a:lstStyle/>
@@ -5587,14 +5913,14 @@
   <p:clrMapOvr>
     <a:masterClrMapping/>
   </p:clrMapOvr>
-  <p:transition spd="slow">
+  <p:transition xmlns:p14="http://schemas.microsoft.com/office/powerpoint/2010/main" spd="slow">
     <p:cut/>
   </p:transition>
 </p:sld>
 </file>
 
 <file path=ppt/theme/theme1.xml><?xml version="1.0" encoding="utf-8"?>
-<a:theme xmlns:a="http://schemas.openxmlformats.org/drawingml/2006/main" xmlns:r="http://schemas.openxmlformats.org/officeDocument/2006/relationships" name="label">
+<a:theme xmlns:a="http://schemas.openxmlformats.org/drawingml/2006/main" name="label">
   <a:themeElements>
     <a:clrScheme name="Custom 352">
       <a:dk1>
@@ -5753,7 +6079,7 @@
         </a:gradFill>
       </a:fillStyleLst>
       <a:lnStyleLst>
-        <a:ln cap="flat" cmpd="sng" w="9525" algn="ctr">
+        <a:ln w="9525" cap="flat" cmpd="sng" algn="ctr">
           <a:solidFill>
             <a:schemeClr val="phClr">
               <a:shade val="95000"/>
@@ -5762,13 +6088,13 @@
           </a:solidFill>
           <a:prstDash val="solid"/>
         </a:ln>
-        <a:ln cap="flat" cmpd="sng" w="25400" algn="ctr">
+        <a:ln w="25400" cap="flat" cmpd="sng" algn="ctr">
           <a:solidFill>
             <a:schemeClr val="phClr"/>
           </a:solidFill>
           <a:prstDash val="solid"/>
         </a:ln>
-        <a:ln cap="flat" cmpd="sng" w="38100" algn="ctr">
+        <a:ln w="38100" cap="flat" cmpd="sng" algn="ctr">
           <a:solidFill>
             <a:schemeClr val="phClr"/>
           </a:solidFill>
@@ -5778,7 +6104,7 @@
       <a:effectStyleLst>
         <a:effectStyle>
           <a:effectLst>
-            <a:outerShdw blurRad="40000" rotWithShape="0" dir="5400000" dist="20000">
+            <a:outerShdw blurRad="40000" dist="20000" dir="5400000" rotWithShape="0">
               <a:srgbClr val="000000">
                 <a:alpha val="38000"/>
               </a:srgbClr>
@@ -5787,7 +6113,7 @@
         </a:effectStyle>
         <a:effectStyle>
           <a:effectLst>
-            <a:outerShdw blurRad="40000" rotWithShape="0" dir="5400000" dist="23000">
+            <a:outerShdw blurRad="40000" dist="23000" dir="5400000" rotWithShape="0">
               <a:srgbClr val="000000">
                 <a:alpha val="35000"/>
               </a:srgbClr>
@@ -5796,7 +6122,7 @@
         </a:effectStyle>
         <a:effectStyle>
           <a:effectLst>
-            <a:outerShdw blurRad="40000" rotWithShape="0" dir="5400000" dist="23000">
+            <a:outerShdw blurRad="40000" dist="23000" dir="5400000" rotWithShape="0">
               <a:srgbClr val="000000">
                 <a:alpha val="35000"/>
               </a:srgbClr>
@@ -5806,12 +6132,12 @@
             <a:camera prst="orthographicFront">
               <a:rot lat="0" lon="0" rev="0"/>
             </a:camera>
-            <a:lightRig dir="t" rig="threePt">
+            <a:lightRig rig="threePt" dir="t">
               <a:rot lat="0" lon="0" rev="1200000"/>
             </a:lightRig>
           </a:scene3d>
           <a:sp3d>
-            <a:bevelT h="25400" w="63500"/>
+            <a:bevelT w="63500" h="25400"/>
           </a:sp3d>
         </a:effectStyle>
       </a:effectStyleLst>
@@ -5842,7 +6168,7 @@
             </a:gs>
           </a:gsLst>
           <a:path path="circle">
-            <a:fillToRect b="180000" l="50000" r="50000" t="-80000"/>
+            <a:fillToRect l="50000" t="-80000" r="50000" b="180000"/>
           </a:path>
         </a:gradFill>
         <a:gradFill rotWithShape="1">
@@ -5861,17 +6187,19 @@
             </a:gs>
           </a:gsLst>
           <a:path path="circle">
-            <a:fillToRect b="50000" l="50000" r="50000" t="50000"/>
+            <a:fillToRect l="50000" t="50000" r="50000" b="50000"/>
           </a:path>
         </a:gradFill>
       </a:bgFillStyleLst>
     </a:fmtScheme>
   </a:themeElements>
+  <a:objectDefaults/>
+  <a:extraClrSchemeLst/>
 </a:theme>
 </file>
 
 <file path=ppt/theme/theme2.xml><?xml version="1.0" encoding="utf-8"?>
-<a:theme xmlns:a="http://schemas.openxmlformats.org/drawingml/2006/main" xmlns:r="http://schemas.openxmlformats.org/officeDocument/2006/relationships" name="Custom Theme">
+<a:theme xmlns:a="http://schemas.openxmlformats.org/drawingml/2006/main" name="Custom Theme">
   <a:themeElements>
     <a:clrScheme name="Default">
       <a:dk1>
@@ -6030,7 +6358,7 @@
         </a:gradFill>
       </a:fillStyleLst>
       <a:lnStyleLst>
-        <a:ln cap="flat" cmpd="sng" w="9525" algn="ctr">
+        <a:ln w="9525" cap="flat" cmpd="sng" algn="ctr">
           <a:solidFill>
             <a:schemeClr val="phClr">
               <a:shade val="95000"/>
@@ -6039,13 +6367,13 @@
           </a:solidFill>
           <a:prstDash val="solid"/>
         </a:ln>
-        <a:ln cap="flat" cmpd="sng" w="25400" algn="ctr">
+        <a:ln w="25400" cap="flat" cmpd="sng" algn="ctr">
           <a:solidFill>
             <a:schemeClr val="phClr"/>
           </a:solidFill>
           <a:prstDash val="solid"/>
         </a:ln>
-        <a:ln cap="flat" cmpd="sng" w="38100" algn="ctr">
+        <a:ln w="38100" cap="flat" cmpd="sng" algn="ctr">
           <a:solidFill>
             <a:schemeClr val="phClr"/>
           </a:solidFill>
@@ -6055,7 +6383,7 @@
       <a:effectStyleLst>
         <a:effectStyle>
           <a:effectLst>
-            <a:outerShdw blurRad="40000" rotWithShape="0" dir="5400000" dist="20000">
+            <a:outerShdw blurRad="40000" dist="20000" dir="5400000" rotWithShape="0">
               <a:srgbClr val="000000">
                 <a:alpha val="38000"/>
               </a:srgbClr>
@@ -6064,7 +6392,7 @@
         </a:effectStyle>
         <a:effectStyle>
           <a:effectLst>
-            <a:outerShdw blurRad="40000" rotWithShape="0" dir="5400000" dist="23000">
+            <a:outerShdw blurRad="40000" dist="23000" dir="5400000" rotWithShape="0">
               <a:srgbClr val="000000">
                 <a:alpha val="35000"/>
               </a:srgbClr>
@@ -6073,7 +6401,7 @@
         </a:effectStyle>
         <a:effectStyle>
           <a:effectLst>
-            <a:outerShdw blurRad="40000" rotWithShape="0" dir="5400000" dist="23000">
+            <a:outerShdw blurRad="40000" dist="23000" dir="5400000" rotWithShape="0">
               <a:srgbClr val="000000">
                 <a:alpha val="35000"/>
               </a:srgbClr>
@@ -6083,12 +6411,12 @@
             <a:camera prst="orthographicFront">
               <a:rot lat="0" lon="0" rev="0"/>
             </a:camera>
-            <a:lightRig dir="t" rig="threePt">
+            <a:lightRig rig="threePt" dir="t">
               <a:rot lat="0" lon="0" rev="1200000"/>
             </a:lightRig>
           </a:scene3d>
           <a:sp3d>
-            <a:bevelT h="25400" w="63500"/>
+            <a:bevelT w="63500" h="25400"/>
           </a:sp3d>
         </a:effectStyle>
       </a:effectStyleLst>
@@ -6119,7 +6447,7 @@
             </a:gs>
           </a:gsLst>
           <a:path path="circle">
-            <a:fillToRect b="180000" l="50000" r="50000" t="-80000"/>
+            <a:fillToRect l="50000" t="-80000" r="50000" b="180000"/>
           </a:path>
         </a:gradFill>
         <a:gradFill rotWithShape="1">
@@ -6138,328 +6466,13 @@
             </a:gs>
           </a:gsLst>
           <a:path path="circle">
-            <a:fillToRect b="50000" l="50000" r="50000" t="50000"/>
+            <a:fillToRect l="50000" t="50000" r="50000" b="50000"/>
           </a:path>
         </a:gradFill>
       </a:bgFillStyleLst>
     </a:fmtScheme>
   </a:themeElements>
-</a:theme>
-</file>
-
-<file path=ppt/theme/theme3.xml><?xml version="1.0" encoding="utf-8"?>
-<a:theme xmlns:a="http://schemas.openxmlformats.org/drawingml/2006/main" xmlns:r="http://schemas.openxmlformats.org/officeDocument/2006/relationships" name="Office Theme">
-  <a:themeElements>
-    <a:clrScheme name="Office">
-      <a:dk1>
-        <a:sysClr lastClr="000000" val="windowText"/>
-      </a:dk1>
-      <a:lt1>
-        <a:sysClr lastClr="FFFFFF" val="window"/>
-      </a:lt1>
-      <a:dk2>
-        <a:srgbClr val="1F497D"/>
-      </a:dk2>
-      <a:lt2>
-        <a:srgbClr val="EEECE1"/>
-      </a:lt2>
-      <a:accent1>
-        <a:srgbClr val="4F81BD"/>
-      </a:accent1>
-      <a:accent2>
-        <a:srgbClr val="C0504D"/>
-      </a:accent2>
-      <a:accent3>
-        <a:srgbClr val="9BBB59"/>
-      </a:accent3>
-      <a:accent4>
-        <a:srgbClr val="8064A2"/>
-      </a:accent4>
-      <a:accent5>
-        <a:srgbClr val="4BACC6"/>
-      </a:accent5>
-      <a:accent6>
-        <a:srgbClr val="F79646"/>
-      </a:accent6>
-      <a:hlink>
-        <a:srgbClr val="0000FF"/>
-      </a:hlink>
-      <a:folHlink>
-        <a:srgbClr val="800080"/>
-      </a:folHlink>
-    </a:clrScheme>
-    <a:fontScheme name="Office">
-      <a:majorFont>
-        <a:latin typeface="Arial"/>
-        <a:ea typeface=""/>
-        <a:cs typeface=""/>
-        <a:font script="Jpan" typeface="ＭＳ Ｐゴシック"/>
-        <a:font script="Hang" typeface="맑은 고딕"/>
-        <a:font script="Hans" typeface="宋体"/>
-        <a:font script="Hant" typeface="新細明體"/>
-        <a:font script="Arab" typeface="Times New Roman"/>
-        <a:font script="Hebr" typeface="Times New Roman"/>
-        <a:font script="Thai" typeface="Angsana New"/>
-        <a:font script="Ethi" typeface="Nyala"/>
-        <a:font script="Beng" typeface="Vrinda"/>
-        <a:font script="Gujr" typeface="Shruti"/>
-        <a:font script="Khmr" typeface="MoolBoran"/>
-        <a:font script="Knda" typeface="Tunga"/>
-        <a:font script="Guru" typeface="Raavi"/>
-        <a:font script="Cans" typeface="Euphemia"/>
-        <a:font script="Cher" typeface="Plantagenet Cherokee"/>
-        <a:font script="Yiii" typeface="Microsoft Yi Baiti"/>
-        <a:font script="Tibt" typeface="Microsoft Himalaya"/>
-        <a:font script="Thaa" typeface="MV Boli"/>
-        <a:font script="Deva" typeface="Mangal"/>
-        <a:font script="Telu" typeface="Gautami"/>
-        <a:font script="Taml" typeface="Latha"/>
-        <a:font script="Syrc" typeface="Estrangelo Edessa"/>
-        <a:font script="Orya" typeface="Kalinga"/>
-        <a:font script="Mlym" typeface="Kartika"/>
-        <a:font script="Laoo" typeface="DokChampa"/>
-        <a:font script="Sinh" typeface="Iskoola Pota"/>
-        <a:font script="Mong" typeface="Mongolian Baiti"/>
-        <a:font script="Viet" typeface="Times New Roman"/>
-        <a:font script="Uigh" typeface="Microsoft Uighur"/>
-      </a:majorFont>
-      <a:minorFont>
-        <a:latin typeface="Arial"/>
-        <a:ea typeface=""/>
-        <a:cs typeface=""/>
-        <a:font script="Jpan" typeface="ＭＳ Ｐゴシック"/>
-        <a:font script="Hang" typeface="맑은 고딕"/>
-        <a:font script="Hans" typeface="宋体"/>
-        <a:font script="Hant" typeface="新細明體"/>
-        <a:font script="Arab" typeface="Times New Roman"/>
-        <a:font script="Hebr" typeface="Times New Roman"/>
-        <a:font script="Thai" typeface="Angsana New"/>
-        <a:font script="Ethi" typeface="Nyala"/>
-        <a:font script="Beng" typeface="Vrinda"/>
-        <a:font script="Gujr" typeface="Shruti"/>
-        <a:font script="Khmr" typeface="MoolBoran"/>
-        <a:font script="Knda" typeface="Tunga"/>
-        <a:font script="Guru" typeface="Raavi"/>
-        <a:font script="Cans" typeface="Euphemia"/>
-        <a:font script="Cher" typeface="Plantagenet Cherokee"/>
-        <a:font script="Yiii" typeface="Microsoft Yi Baiti"/>
-        <a:font script="Tibt" typeface="Microsoft Himalaya"/>
-        <a:font script="Thaa" typeface="MV Boli"/>
-        <a:font script="Deva" typeface="Mangal"/>
-        <a:font script="Telu" typeface="Gautami"/>
-        <a:font script="Taml" typeface="Latha"/>
-        <a:font script="Syrc" typeface="Estrangelo Edessa"/>
-        <a:font script="Orya" typeface="Kalinga"/>
-        <a:font script="Mlym" typeface="Kartika"/>
-        <a:font script="Laoo" typeface="DokChampa"/>
-        <a:font script="Sinh" typeface="Iskoola Pota"/>
-        <a:font script="Mong" typeface="Mongolian Baiti"/>
-        <a:font script="Viet" typeface="Times New Roman"/>
-        <a:font script="Uigh" typeface="Microsoft Uighur"/>
-      </a:minorFont>
-    </a:fontScheme>
-    <a:fmtScheme name="Office">
-      <a:fillStyleLst>
-        <a:solidFill>
-          <a:schemeClr val="phClr"/>
-        </a:solidFill>
-        <a:gradFill rotWithShape="1">
-          <a:gsLst>
-            <a:gs pos="0">
-              <a:schemeClr val="phClr">
-                <a:tint val="50000"/>
-                <a:satMod val="300000"/>
-              </a:schemeClr>
-            </a:gs>
-            <a:gs pos="35000">
-              <a:schemeClr val="phClr">
-                <a:tint val="37000"/>
-                <a:satMod val="300000"/>
-              </a:schemeClr>
-            </a:gs>
-            <a:gs pos="100000">
-              <a:schemeClr val="phClr">
-                <a:tint val="15000"/>
-                <a:satMod val="350000"/>
-              </a:schemeClr>
-            </a:gs>
-          </a:gsLst>
-          <a:lin ang="16200000" scaled="1"/>
-        </a:gradFill>
-        <a:gradFill rotWithShape="1">
-          <a:gsLst>
-            <a:gs pos="0">
-              <a:schemeClr val="phClr">
-                <a:tint val="100000"/>
-                <a:shade val="100000"/>
-                <a:satMod val="130000"/>
-              </a:schemeClr>
-            </a:gs>
-            <a:gs pos="100000">
-              <a:schemeClr val="phClr">
-                <a:tint val="50000"/>
-                <a:shade val="100000"/>
-                <a:satMod val="350000"/>
-              </a:schemeClr>
-            </a:gs>
-          </a:gsLst>
-          <a:lin ang="16200000" scaled="0"/>
-        </a:gradFill>
-      </a:fillStyleLst>
-      <a:lnStyleLst>
-        <a:ln cap="flat" cmpd="sng" w="9525" algn="ctr">
-          <a:solidFill>
-            <a:schemeClr val="phClr">
-              <a:shade val="95000"/>
-              <a:satMod val="105000"/>
-            </a:schemeClr>
-          </a:solidFill>
-          <a:prstDash val="solid"/>
-        </a:ln>
-        <a:ln cap="flat" cmpd="sng" w="25400" algn="ctr">
-          <a:solidFill>
-            <a:schemeClr val="phClr"/>
-          </a:solidFill>
-          <a:prstDash val="solid"/>
-        </a:ln>
-        <a:ln cap="flat" cmpd="sng" w="38100" algn="ctr">
-          <a:solidFill>
-            <a:schemeClr val="phClr"/>
-          </a:solidFill>
-          <a:prstDash val="solid"/>
-        </a:ln>
-      </a:lnStyleLst>
-      <a:effectStyleLst>
-        <a:effectStyle>
-          <a:effectLst>
-            <a:outerShdw blurRad="40000" rotWithShape="0" dir="5400000" dist="20000">
-              <a:srgbClr val="000000">
-                <a:alpha val="38000"/>
-              </a:srgbClr>
-            </a:outerShdw>
-          </a:effectLst>
-        </a:effectStyle>
-        <a:effectStyle>
-          <a:effectLst>
-            <a:outerShdw blurRad="40000" rotWithShape="0" dir="5400000" dist="23000">
-              <a:srgbClr val="000000">
-                <a:alpha val="35000"/>
-              </a:srgbClr>
-            </a:outerShdw>
-          </a:effectLst>
-        </a:effectStyle>
-        <a:effectStyle>
-          <a:effectLst>
-            <a:outerShdw blurRad="40000" rotWithShape="0" dir="5400000" dist="23000">
-              <a:srgbClr val="000000">
-                <a:alpha val="35000"/>
-              </a:srgbClr>
-            </a:outerShdw>
-          </a:effectLst>
-          <a:scene3d>
-            <a:camera prst="orthographicFront">
-              <a:rot lat="0" lon="0" rev="0"/>
-            </a:camera>
-            <a:lightRig dir="t" rig="threePt">
-              <a:rot lat="0" lon="0" rev="1200000"/>
-            </a:lightRig>
-          </a:scene3d>
-          <a:sp3d>
-            <a:bevelT h="25400" w="63500"/>
-          </a:sp3d>
-        </a:effectStyle>
-      </a:effectStyleLst>
-      <a:bgFillStyleLst>
-        <a:solidFill>
-          <a:schemeClr val="phClr"/>
-        </a:solidFill>
-        <a:gradFill rotWithShape="1">
-          <a:gsLst>
-            <a:gs pos="0">
-              <a:schemeClr val="phClr">
-                <a:tint val="40000"/>
-                <a:satMod val="350000"/>
-              </a:schemeClr>
-            </a:gs>
-            <a:gs pos="40000">
-              <a:schemeClr val="phClr">
-                <a:tint val="45000"/>
-                <a:shade val="99000"/>
-                <a:satMod val="350000"/>
-              </a:schemeClr>
-            </a:gs>
-            <a:gs pos="100000">
-              <a:schemeClr val="phClr">
-                <a:shade val="20000"/>
-                <a:satMod val="255000"/>
-              </a:schemeClr>
-            </a:gs>
-          </a:gsLst>
-          <a:path path="circle">
-            <a:fillToRect b="180000" l="50000" r="50000" t="-80000"/>
-          </a:path>
-        </a:gradFill>
-        <a:gradFill rotWithShape="1">
-          <a:gsLst>
-            <a:gs pos="0">
-              <a:schemeClr val="phClr">
-                <a:tint val="80000"/>
-                <a:satMod val="300000"/>
-              </a:schemeClr>
-            </a:gs>
-            <a:gs pos="100000">
-              <a:schemeClr val="phClr">
-                <a:shade val="30000"/>
-                <a:satMod val="200000"/>
-              </a:schemeClr>
-            </a:gs>
-          </a:gsLst>
-          <a:path path="circle">
-            <a:fillToRect b="50000" l="50000" r="50000" t="50000"/>
-          </a:path>
-        </a:gradFill>
-      </a:bgFillStyleLst>
-    </a:fmtScheme>
-  </a:themeElements>
-  <a:objectDefaults>
-    <a:spDef>
-      <a:spPr/>
-      <a:bodyPr/>
-      <a:lstStyle/>
-      <a:style>
-        <a:lnRef idx="1">
-          <a:schemeClr val="accent1"/>
-        </a:lnRef>
-        <a:fillRef idx="3">
-          <a:schemeClr val="accent1"/>
-        </a:fillRef>
-        <a:effectRef idx="2">
-          <a:schemeClr val="accent1"/>
-        </a:effectRef>
-        <a:fontRef idx="minor">
-          <a:schemeClr val="lt1"/>
-        </a:fontRef>
-      </a:style>
-    </a:spDef>
-    <a:lnDef>
-      <a:spPr/>
-      <a:bodyPr/>
-      <a:lstStyle/>
-      <a:style>
-        <a:lnRef idx="2">
-          <a:schemeClr val="accent1"/>
-        </a:lnRef>
-        <a:fillRef idx="0">
-          <a:schemeClr val="accent1"/>
-        </a:fillRef>
-        <a:effectRef idx="1">
-          <a:schemeClr val="accent1"/>
-        </a:effectRef>
-        <a:fontRef idx="minor">
-          <a:schemeClr val="tx1"/>
-        </a:fontRef>
-      </a:style>
-    </a:lnDef>
-  </a:objectDefaults>
+  <a:objectDefaults/>
+  <a:extraClrSchemeLst/>
 </a:theme>
 </file>
--- a/presentations/class-4/Class 4.1_ JQuery Plug-Ins.pptx
+++ b/presentations/class-4/Class 4.1_ JQuery Plug-Ins.pptx
@@ -5,7 +5,7 @@
     <p:sldMasterId id="2147483654" r:id="rId1"/>
   </p:sldMasterIdLst>
   <p:notesMasterIdLst>
-    <p:notesMasterId r:id="rId13"/>
+    <p:notesMasterId r:id="rId14"/>
   </p:notesMasterIdLst>
   <p:sldIdLst>
     <p:sldId id="256" r:id="rId2"/>
@@ -18,7 +18,8 @@
     <p:sldId id="263" r:id="rId9"/>
     <p:sldId id="264" r:id="rId10"/>
     <p:sldId id="266" r:id="rId11"/>
-    <p:sldId id="265" r:id="rId12"/>
+    <p:sldId id="267" r:id="rId12"/>
+    <p:sldId id="265" r:id="rId13"/>
   </p:sldIdLst>
   <p:sldSz cx="9144000" cy="5143500" type="screen16x9"/>
   <p:notesSz cx="6858000" cy="9144000"/>
@@ -4325,6 +4326,86 @@
   <p:cSld>
     <p:spTree>
       <p:nvGrpSpPr>
+        <p:cNvPr id="1" name=""/>
+        <p:cNvGrpSpPr/>
+        <p:nvPr/>
+      </p:nvGrpSpPr>
+      <p:grpSpPr>
+        <a:xfrm>
+          <a:off x="0" y="0"/>
+          <a:ext cx="0" cy="0"/>
+          <a:chOff x="0" y="0"/>
+          <a:chExt cx="0" cy="0"/>
+        </a:xfrm>
+      </p:grpSpPr>
+      <p:sp>
+        <p:nvSpPr>
+          <p:cNvPr id="2" name="Title 1"/>
+          <p:cNvSpPr>
+            <a:spLocks noGrp="1"/>
+          </p:cNvSpPr>
+          <p:nvPr>
+            <p:ph type="title"/>
+          </p:nvPr>
+        </p:nvSpPr>
+        <p:spPr/>
+        <p:txBody>
+          <a:bodyPr/>
+          <a:lstStyle/>
+          <a:p>
+            <a:r>
+              <a:rPr lang="en-US" dirty="0" smtClean="0"/>
+              <a:t>Exercise #3	</a:t>
+            </a:r>
+            <a:endParaRPr lang="en-US" dirty="0"/>
+          </a:p>
+        </p:txBody>
+      </p:sp>
+      <p:sp>
+        <p:nvSpPr>
+          <p:cNvPr id="3" name="Text Placeholder 2"/>
+          <p:cNvSpPr>
+            <a:spLocks noGrp="1"/>
+          </p:cNvSpPr>
+          <p:nvPr>
+            <p:ph type="body" idx="1"/>
+          </p:nvPr>
+        </p:nvSpPr>
+        <p:spPr/>
+        <p:txBody>
+          <a:bodyPr/>
+          <a:lstStyle/>
+          <a:p>
+            <a:r>
+              <a:rPr lang="en-US" dirty="0" smtClean="0"/>
+              <a:t>Create a form with a “first name”, “last name”, and “age” input, and a submit button. Use the validator plugin to ensure first name and last name are text and the age is a number </a:t>
+            </a:r>
+            <a:r>
+              <a:rPr lang="en-US" smtClean="0"/>
+              <a:t>before submitting.</a:t>
+            </a:r>
+            <a:endParaRPr lang="en-US"/>
+          </a:p>
+        </p:txBody>
+      </p:sp>
+    </p:spTree>
+    <p:extLst>
+      <p:ext uri="{BB962C8B-B14F-4D97-AF65-F5344CB8AC3E}">
+        <p14:creationId xmlns:p14="http://schemas.microsoft.com/office/powerpoint/2010/main" val="2206445033"/>
+      </p:ext>
+    </p:extLst>
+  </p:cSld>
+  <p:clrMapOvr>
+    <a:masterClrMapping/>
+  </p:clrMapOvr>
+</p:sld>
+</file>
+
+<file path=ppt/slides/slide12.xml><?xml version="1.0" encoding="utf-8"?>
+<p:sld xmlns:a="http://schemas.openxmlformats.org/drawingml/2006/main" xmlns:r="http://schemas.openxmlformats.org/officeDocument/2006/relationships" xmlns:p="http://schemas.openxmlformats.org/presentationml/2006/main">
+  <p:cSld>
+    <p:spTree>
+      <p:nvGrpSpPr>
         <p:cNvPr id="1" name="Shape 94"/>
         <p:cNvGrpSpPr/>
         <p:nvPr/>
@@ -4377,10 +4458,10 @@
               <a:t>Validation</a:t>
             </a:r>
             <a:r>
-              <a:rPr lang="en-US" smtClean="0"/>
+              <a:rPr lang="en-US" dirty="0" smtClean="0"/>
               <a:t> #2</a:t>
             </a:r>
-            <a:endParaRPr lang="en"/>
+            <a:endParaRPr lang="en" dirty="0"/>
           </a:p>
         </p:txBody>
       </p:sp>
